--- a/java/slides/ppt/04 - Java Data Structures.pptx
+++ b/java/slides/ppt/04 - Java Data Structures.pptx
@@ -1,9 +1,15 @@
 
 <file path=ppt/presentation.xml><?xml version="1.0" encoding="utf-8"?>
-<p:presentation xmlns:a="http://schemas.openxmlformats.org/drawingml/2006/main" xmlns:r="http://schemas.openxmlformats.org/officeDocument/2006/relationships" xmlns:p="http://schemas.openxmlformats.org/presentationml/2006/main" saveSubsetFonts="1" autoCompressPictures="0">
+<p:presentation xmlns:a="http://schemas.openxmlformats.org/drawingml/2006/main" xmlns:r="http://schemas.openxmlformats.org/officeDocument/2006/relationships" xmlns:p="http://schemas.openxmlformats.org/presentationml/2006/main" showSpecialPlsOnTitleSld="0" saveSubsetFonts="1">
   <p:sldMasterIdLst>
-    <p:sldMasterId id="2147483660" r:id="rId1"/>
+    <p:sldMasterId id="2147483672" r:id="rId1"/>
   </p:sldMasterIdLst>
+  <p:notesMasterIdLst>
+    <p:notesMasterId r:id="rId55"/>
+  </p:notesMasterIdLst>
+  <p:handoutMasterIdLst>
+    <p:handoutMasterId r:id="rId56"/>
+  </p:handoutMasterIdLst>
   <p:sldIdLst>
     <p:sldId id="256" r:id="rId2"/>
     <p:sldId id="257" r:id="rId3"/>
@@ -59,13 +65,13 @@
     <p:sldId id="331" r:id="rId53"/>
     <p:sldId id="330" r:id="rId54"/>
   </p:sldIdLst>
-  <p:sldSz cx="9144000" cy="6858000" type="screen4x3"/>
+  <p:sldSz cx="12192000" cy="6858000"/>
   <p:notesSz cx="6858000" cy="9144000"/>
   <p:defaultTextStyle>
     <a:defPPr>
-      <a:defRPr lang="en-US"/>
+      <a:defRPr lang="it-IT"/>
     </a:defPPr>
-    <a:lvl1pPr marL="0" algn="l" defTabSz="457200" rtl="0" eaLnBrk="1" latinLnBrk="0" hangingPunct="1">
+    <a:lvl1pPr marL="0" algn="l" defTabSz="914400" rtl="0" eaLnBrk="1" latinLnBrk="0" hangingPunct="1">
       <a:defRPr sz="1800" kern="1200">
         <a:solidFill>
           <a:schemeClr val="tx1"/>
@@ -75,7 +81,7 @@
         <a:cs typeface="+mn-cs"/>
       </a:defRPr>
     </a:lvl1pPr>
-    <a:lvl2pPr marL="457200" algn="l" defTabSz="457200" rtl="0" eaLnBrk="1" latinLnBrk="0" hangingPunct="1">
+    <a:lvl2pPr marL="457200" algn="l" defTabSz="914400" rtl="0" eaLnBrk="1" latinLnBrk="0" hangingPunct="1">
       <a:defRPr sz="1800" kern="1200">
         <a:solidFill>
           <a:schemeClr val="tx1"/>
@@ -85,7 +91,7 @@
         <a:cs typeface="+mn-cs"/>
       </a:defRPr>
     </a:lvl2pPr>
-    <a:lvl3pPr marL="914400" algn="l" defTabSz="457200" rtl="0" eaLnBrk="1" latinLnBrk="0" hangingPunct="1">
+    <a:lvl3pPr marL="914400" algn="l" defTabSz="914400" rtl="0" eaLnBrk="1" latinLnBrk="0" hangingPunct="1">
       <a:defRPr sz="1800" kern="1200">
         <a:solidFill>
           <a:schemeClr val="tx1"/>
@@ -95,7 +101,7 @@
         <a:cs typeface="+mn-cs"/>
       </a:defRPr>
     </a:lvl3pPr>
-    <a:lvl4pPr marL="1371600" algn="l" defTabSz="457200" rtl="0" eaLnBrk="1" latinLnBrk="0" hangingPunct="1">
+    <a:lvl4pPr marL="1371600" algn="l" defTabSz="914400" rtl="0" eaLnBrk="1" latinLnBrk="0" hangingPunct="1">
       <a:defRPr sz="1800" kern="1200">
         <a:solidFill>
           <a:schemeClr val="tx1"/>
@@ -105,7 +111,7 @@
         <a:cs typeface="+mn-cs"/>
       </a:defRPr>
     </a:lvl4pPr>
-    <a:lvl5pPr marL="1828800" algn="l" defTabSz="457200" rtl="0" eaLnBrk="1" latinLnBrk="0" hangingPunct="1">
+    <a:lvl5pPr marL="1828800" algn="l" defTabSz="914400" rtl="0" eaLnBrk="1" latinLnBrk="0" hangingPunct="1">
       <a:defRPr sz="1800" kern="1200">
         <a:solidFill>
           <a:schemeClr val="tx1"/>
@@ -115,7 +121,7 @@
         <a:cs typeface="+mn-cs"/>
       </a:defRPr>
     </a:lvl5pPr>
-    <a:lvl6pPr marL="2286000" algn="l" defTabSz="457200" rtl="0" eaLnBrk="1" latinLnBrk="0" hangingPunct="1">
+    <a:lvl6pPr marL="2286000" algn="l" defTabSz="914400" rtl="0" eaLnBrk="1" latinLnBrk="0" hangingPunct="1">
       <a:defRPr sz="1800" kern="1200">
         <a:solidFill>
           <a:schemeClr val="tx1"/>
@@ -125,7 +131,7 @@
         <a:cs typeface="+mn-cs"/>
       </a:defRPr>
     </a:lvl6pPr>
-    <a:lvl7pPr marL="2743200" algn="l" defTabSz="457200" rtl="0" eaLnBrk="1" latinLnBrk="0" hangingPunct="1">
+    <a:lvl7pPr marL="2743200" algn="l" defTabSz="914400" rtl="0" eaLnBrk="1" latinLnBrk="0" hangingPunct="1">
       <a:defRPr sz="1800" kern="1200">
         <a:solidFill>
           <a:schemeClr val="tx1"/>
@@ -135,7 +141,7 @@
         <a:cs typeface="+mn-cs"/>
       </a:defRPr>
     </a:lvl7pPr>
-    <a:lvl8pPr marL="3200400" algn="l" defTabSz="457200" rtl="0" eaLnBrk="1" latinLnBrk="0" hangingPunct="1">
+    <a:lvl8pPr marL="3200400" algn="l" defTabSz="914400" rtl="0" eaLnBrk="1" latinLnBrk="0" hangingPunct="1">
       <a:defRPr sz="1800" kern="1200">
         <a:solidFill>
           <a:schemeClr val="tx1"/>
@@ -145,7 +151,7 @@
         <a:cs typeface="+mn-cs"/>
       </a:defRPr>
     </a:lvl8pPr>
-    <a:lvl9pPr marL="3657600" algn="l" defTabSz="457200" rtl="0" eaLnBrk="1" latinLnBrk="0" hangingPunct="1">
+    <a:lvl9pPr marL="3657600" algn="l" defTabSz="914400" rtl="0" eaLnBrk="1" latinLnBrk="0" hangingPunct="1">
       <a:defRPr sz="1800" kern="1200">
         <a:solidFill>
           <a:schemeClr val="tx1"/>
@@ -159,12 +165,12 @@
   <p:extLst>
     <p:ext uri="{EFAFB233-063F-42B5-8137-9DF3F51BA10A}">
       <p15:sldGuideLst xmlns:p15="http://schemas.microsoft.com/office/powerpoint/2012/main">
-        <p15:guide id="1" orient="horz" pos="2160">
+        <p15:guide id="1" orient="horz" pos="2160" userDrawn="1">
           <p15:clr>
             <a:srgbClr val="A4A3A4"/>
           </p15:clr>
         </p15:guide>
-        <p15:guide id="2" pos="2880">
+        <p15:guide id="2" pos="3840" userDrawn="1">
           <p15:clr>
             <a:srgbClr val="A4A3A4"/>
           </p15:clr>
@@ -175,8 +181,552 @@
 </p:presentation>
 </file>
 
+<file path=ppt/handoutMasters/handoutMaster1.xml><?xml version="1.0" encoding="utf-8"?>
+<p:handoutMaster xmlns:a="http://schemas.openxmlformats.org/drawingml/2006/main" xmlns:r="http://schemas.openxmlformats.org/officeDocument/2006/relationships" xmlns:p="http://schemas.openxmlformats.org/presentationml/2006/main">
+  <p:cSld>
+    <p:bg>
+      <p:bgRef idx="1001">
+        <a:schemeClr val="bg1"/>
+      </p:bgRef>
+    </p:bg>
+    <p:spTree>
+      <p:nvGrpSpPr>
+        <p:cNvPr id="1" name=""/>
+        <p:cNvGrpSpPr/>
+        <p:nvPr/>
+      </p:nvGrpSpPr>
+      <p:grpSpPr>
+        <a:xfrm>
+          <a:off x="0" y="0"/>
+          <a:ext cx="0" cy="0"/>
+          <a:chOff x="0" y="0"/>
+          <a:chExt cx="0" cy="0"/>
+        </a:xfrm>
+      </p:grpSpPr>
+      <p:sp>
+        <p:nvSpPr>
+          <p:cNvPr id="2" name="Header Placeholder 1">
+            <a:extLst>
+              <a:ext uri="{FF2B5EF4-FFF2-40B4-BE49-F238E27FC236}">
+                <a16:creationId xmlns:a16="http://schemas.microsoft.com/office/drawing/2014/main" id="{F25CBCAF-8195-0B41-9F39-155992CBB6CE}"/>
+              </a:ext>
+            </a:extLst>
+          </p:cNvPr>
+          <p:cNvSpPr>
+            <a:spLocks noGrp="1"/>
+          </p:cNvSpPr>
+          <p:nvPr>
+            <p:ph type="hdr" sz="quarter"/>
+          </p:nvPr>
+        </p:nvSpPr>
+        <p:spPr>
+          <a:xfrm>
+            <a:off x="0" y="0"/>
+            <a:ext cx="2971800" cy="458788"/>
+          </a:xfrm>
+          <a:prstGeom prst="rect">
+            <a:avLst/>
+          </a:prstGeom>
+        </p:spPr>
+        <p:txBody>
+          <a:bodyPr vert="horz" lIns="91440" tIns="45720" rIns="91440" bIns="45720" rtlCol="0"/>
+          <a:lstStyle>
+            <a:lvl1pPr algn="l">
+              <a:defRPr sz="1200"/>
+            </a:lvl1pPr>
+          </a:lstStyle>
+          <a:p>
+            <a:endParaRPr lang="en-IT"/>
+          </a:p>
+        </p:txBody>
+      </p:sp>
+      <p:sp>
+        <p:nvSpPr>
+          <p:cNvPr id="3" name="Date Placeholder 2">
+            <a:extLst>
+              <a:ext uri="{FF2B5EF4-FFF2-40B4-BE49-F238E27FC236}">
+                <a16:creationId xmlns:a16="http://schemas.microsoft.com/office/drawing/2014/main" id="{4530F5F1-56F9-594B-8002-505C0B3A9533}"/>
+              </a:ext>
+            </a:extLst>
+          </p:cNvPr>
+          <p:cNvSpPr>
+            <a:spLocks noGrp="1"/>
+          </p:cNvSpPr>
+          <p:nvPr>
+            <p:ph type="dt" sz="quarter" idx="1"/>
+          </p:nvPr>
+        </p:nvSpPr>
+        <p:spPr>
+          <a:xfrm>
+            <a:off x="3884613" y="0"/>
+            <a:ext cx="2971800" cy="458788"/>
+          </a:xfrm>
+          <a:prstGeom prst="rect">
+            <a:avLst/>
+          </a:prstGeom>
+        </p:spPr>
+        <p:txBody>
+          <a:bodyPr vert="horz" lIns="91440" tIns="45720" rIns="91440" bIns="45720" rtlCol="0"/>
+          <a:lstStyle>
+            <a:lvl1pPr algn="r">
+              <a:defRPr sz="1200"/>
+            </a:lvl1pPr>
+          </a:lstStyle>
+          <a:p>
+            <a:fld id="{5591E39A-28E5-5D4D-B97C-ECEB96F19817}" type="datetimeFigureOut">
+              <a:rPr lang="en-IT" smtClean="0"/>
+              <a:t>29/09/21</a:t>
+            </a:fld>
+            <a:endParaRPr lang="en-IT"/>
+          </a:p>
+        </p:txBody>
+      </p:sp>
+      <p:sp>
+        <p:nvSpPr>
+          <p:cNvPr id="4" name="Footer Placeholder 3">
+            <a:extLst>
+              <a:ext uri="{FF2B5EF4-FFF2-40B4-BE49-F238E27FC236}">
+                <a16:creationId xmlns:a16="http://schemas.microsoft.com/office/drawing/2014/main" id="{0D01DB9C-5FE6-5646-A4CF-CACE1FBFD1F6}"/>
+              </a:ext>
+            </a:extLst>
+          </p:cNvPr>
+          <p:cNvSpPr>
+            <a:spLocks noGrp="1"/>
+          </p:cNvSpPr>
+          <p:nvPr>
+            <p:ph type="ftr" sz="quarter" idx="2"/>
+          </p:nvPr>
+        </p:nvSpPr>
+        <p:spPr>
+          <a:xfrm>
+            <a:off x="0" y="8685213"/>
+            <a:ext cx="2971800" cy="458787"/>
+          </a:xfrm>
+          <a:prstGeom prst="rect">
+            <a:avLst/>
+          </a:prstGeom>
+        </p:spPr>
+        <p:txBody>
+          <a:bodyPr vert="horz" lIns="91440" tIns="45720" rIns="91440" bIns="45720" rtlCol="0" anchor="b"/>
+          <a:lstStyle>
+            <a:lvl1pPr algn="l">
+              <a:defRPr sz="1200"/>
+            </a:lvl1pPr>
+          </a:lstStyle>
+          <a:p>
+            <a:endParaRPr lang="en-IT"/>
+          </a:p>
+        </p:txBody>
+      </p:sp>
+      <p:sp>
+        <p:nvSpPr>
+          <p:cNvPr id="5" name="Slide Number Placeholder 4">
+            <a:extLst>
+              <a:ext uri="{FF2B5EF4-FFF2-40B4-BE49-F238E27FC236}">
+                <a16:creationId xmlns:a16="http://schemas.microsoft.com/office/drawing/2014/main" id="{1807AD1E-ED4D-4F49-B2E9-34CF7F0E16D1}"/>
+              </a:ext>
+            </a:extLst>
+          </p:cNvPr>
+          <p:cNvSpPr>
+            <a:spLocks noGrp="1"/>
+          </p:cNvSpPr>
+          <p:nvPr>
+            <p:ph type="sldNum" sz="quarter" idx="3"/>
+          </p:nvPr>
+        </p:nvSpPr>
+        <p:spPr>
+          <a:xfrm>
+            <a:off x="3884613" y="8685213"/>
+            <a:ext cx="2971800" cy="458787"/>
+          </a:xfrm>
+          <a:prstGeom prst="rect">
+            <a:avLst/>
+          </a:prstGeom>
+        </p:spPr>
+        <p:txBody>
+          <a:bodyPr vert="horz" lIns="91440" tIns="45720" rIns="91440" bIns="45720" rtlCol="0" anchor="b"/>
+          <a:lstStyle>
+            <a:lvl1pPr algn="r">
+              <a:defRPr sz="1200"/>
+            </a:lvl1pPr>
+          </a:lstStyle>
+          <a:p>
+            <a:fld id="{D8E6113E-382B-5C49-947E-9975DE242C1F}" type="slidenum">
+              <a:rPr lang="en-IT" smtClean="0"/>
+              <a:t>‹#›</a:t>
+            </a:fld>
+            <a:endParaRPr lang="en-IT"/>
+          </a:p>
+        </p:txBody>
+      </p:sp>
+    </p:spTree>
+    <p:extLst>
+      <p:ext uri="{BB962C8B-B14F-4D97-AF65-F5344CB8AC3E}">
+        <p14:creationId xmlns:p14="http://schemas.microsoft.com/office/powerpoint/2010/main" val="711723140"/>
+      </p:ext>
+    </p:extLst>
+  </p:cSld>
+  <p:clrMap bg1="lt1" tx1="dk1" bg2="lt2" tx2="dk2" accent1="accent1" accent2="accent2" accent3="accent3" accent4="accent4" accent5="accent5" accent6="accent6" hlink="hlink" folHlink="folHlink"/>
+  <p:hf hdr="0" ftr="0" dt="0"/>
+</p:handoutMaster>
+</file>
+
+<file path=ppt/notesMasters/notesMaster1.xml><?xml version="1.0" encoding="utf-8"?>
+<p:notesMaster xmlns:a="http://schemas.openxmlformats.org/drawingml/2006/main" xmlns:r="http://schemas.openxmlformats.org/officeDocument/2006/relationships" xmlns:p="http://schemas.openxmlformats.org/presentationml/2006/main">
+  <p:cSld>
+    <p:bg>
+      <p:bgRef idx="1001">
+        <a:schemeClr val="bg1"/>
+      </p:bgRef>
+    </p:bg>
+    <p:spTree>
+      <p:nvGrpSpPr>
+        <p:cNvPr id="1" name=""/>
+        <p:cNvGrpSpPr/>
+        <p:nvPr/>
+      </p:nvGrpSpPr>
+      <p:grpSpPr>
+        <a:xfrm>
+          <a:off x="0" y="0"/>
+          <a:ext cx="0" cy="0"/>
+          <a:chOff x="0" y="0"/>
+          <a:chExt cx="0" cy="0"/>
+        </a:xfrm>
+      </p:grpSpPr>
+      <p:sp>
+        <p:nvSpPr>
+          <p:cNvPr id="2" name="Segnaposto intestazione 1"/>
+          <p:cNvSpPr>
+            <a:spLocks noGrp="1"/>
+          </p:cNvSpPr>
+          <p:nvPr>
+            <p:ph type="hdr" sz="quarter"/>
+          </p:nvPr>
+        </p:nvSpPr>
+        <p:spPr>
+          <a:xfrm>
+            <a:off x="0" y="0"/>
+            <a:ext cx="2971800" cy="457200"/>
+          </a:xfrm>
+          <a:prstGeom prst="rect">
+            <a:avLst/>
+          </a:prstGeom>
+        </p:spPr>
+        <p:txBody>
+          <a:bodyPr vert="horz" lIns="91440" tIns="45720" rIns="91440" bIns="45720" rtlCol="0"/>
+          <a:lstStyle>
+            <a:lvl1pPr algn="l">
+              <a:defRPr sz="1200"/>
+            </a:lvl1pPr>
+          </a:lstStyle>
+          <a:p>
+            <a:endParaRPr lang="it-IT"/>
+          </a:p>
+        </p:txBody>
+      </p:sp>
+      <p:sp>
+        <p:nvSpPr>
+          <p:cNvPr id="3" name="Segnaposto data 2"/>
+          <p:cNvSpPr>
+            <a:spLocks noGrp="1"/>
+          </p:cNvSpPr>
+          <p:nvPr>
+            <p:ph type="dt" idx="1"/>
+          </p:nvPr>
+        </p:nvSpPr>
+        <p:spPr>
+          <a:xfrm>
+            <a:off x="3884613" y="0"/>
+            <a:ext cx="2971800" cy="457200"/>
+          </a:xfrm>
+          <a:prstGeom prst="rect">
+            <a:avLst/>
+          </a:prstGeom>
+        </p:spPr>
+        <p:txBody>
+          <a:bodyPr vert="horz" lIns="91440" tIns="45720" rIns="91440" bIns="45720" rtlCol="0"/>
+          <a:lstStyle>
+            <a:lvl1pPr algn="r">
+              <a:defRPr sz="1200"/>
+            </a:lvl1pPr>
+          </a:lstStyle>
+          <a:p>
+            <a:fld id="{BAEB7694-8561-4BE2-948D-EDF7A201F8BB}" type="datetimeFigureOut">
+              <a:rPr lang="it-IT" smtClean="0"/>
+              <a:pPr/>
+              <a:t>29/09/21</a:t>
+            </a:fld>
+            <a:endParaRPr lang="it-IT"/>
+          </a:p>
+        </p:txBody>
+      </p:sp>
+      <p:sp>
+        <p:nvSpPr>
+          <p:cNvPr id="4" name="Segnaposto immagine diapositiva 3"/>
+          <p:cNvSpPr>
+            <a:spLocks noGrp="1" noRot="1" noChangeAspect="1"/>
+          </p:cNvSpPr>
+          <p:nvPr>
+            <p:ph type="sldImg" idx="2"/>
+          </p:nvPr>
+        </p:nvSpPr>
+        <p:spPr>
+          <a:xfrm>
+            <a:off x="381000" y="685800"/>
+            <a:ext cx="6096000" cy="3429000"/>
+          </a:xfrm>
+          <a:prstGeom prst="rect">
+            <a:avLst/>
+          </a:prstGeom>
+          <a:noFill/>
+          <a:ln w="12700">
+            <a:solidFill>
+              <a:prstClr val="black"/>
+            </a:solidFill>
+          </a:ln>
+        </p:spPr>
+        <p:txBody>
+          <a:bodyPr vert="horz" lIns="91440" tIns="45720" rIns="91440" bIns="45720" rtlCol="0" anchor="ctr"/>
+          <a:lstStyle/>
+          <a:p>
+            <a:endParaRPr lang="it-IT"/>
+          </a:p>
+        </p:txBody>
+      </p:sp>
+      <p:sp>
+        <p:nvSpPr>
+          <p:cNvPr id="5" name="Segnaposto note 4"/>
+          <p:cNvSpPr>
+            <a:spLocks noGrp="1"/>
+          </p:cNvSpPr>
+          <p:nvPr>
+            <p:ph type="body" sz="quarter" idx="3"/>
+          </p:nvPr>
+        </p:nvSpPr>
+        <p:spPr>
+          <a:xfrm>
+            <a:off x="685800" y="4343400"/>
+            <a:ext cx="5486400" cy="4114800"/>
+          </a:xfrm>
+          <a:prstGeom prst="rect">
+            <a:avLst/>
+          </a:prstGeom>
+        </p:spPr>
+        <p:txBody>
+          <a:bodyPr vert="horz" lIns="91440" tIns="45720" rIns="91440" bIns="45720" rtlCol="0">
+            <a:normAutofit/>
+          </a:bodyPr>
+          <a:lstStyle/>
+          <a:p>
+            <a:pPr lvl="0"/>
+            <a:r>
+              <a:rPr lang="it-IT"/>
+              <a:t>Fare clic per modificare stili del testo dello schema</a:t>
+            </a:r>
+          </a:p>
+          <a:p>
+            <a:pPr lvl="1"/>
+            <a:r>
+              <a:rPr lang="it-IT"/>
+              <a:t>Secondo livello</a:t>
+            </a:r>
+          </a:p>
+          <a:p>
+            <a:pPr lvl="2"/>
+            <a:r>
+              <a:rPr lang="it-IT"/>
+              <a:t>Terzo livello</a:t>
+            </a:r>
+          </a:p>
+          <a:p>
+            <a:pPr lvl="3"/>
+            <a:r>
+              <a:rPr lang="it-IT"/>
+              <a:t>Quarto livello</a:t>
+            </a:r>
+          </a:p>
+          <a:p>
+            <a:pPr lvl="4"/>
+            <a:r>
+              <a:rPr lang="it-IT"/>
+              <a:t>Quinto livello</a:t>
+            </a:r>
+          </a:p>
+        </p:txBody>
+      </p:sp>
+      <p:sp>
+        <p:nvSpPr>
+          <p:cNvPr id="6" name="Segnaposto piè di pagina 5"/>
+          <p:cNvSpPr>
+            <a:spLocks noGrp="1"/>
+          </p:cNvSpPr>
+          <p:nvPr>
+            <p:ph type="ftr" sz="quarter" idx="4"/>
+          </p:nvPr>
+        </p:nvSpPr>
+        <p:spPr>
+          <a:xfrm>
+            <a:off x="0" y="8685213"/>
+            <a:ext cx="2971800" cy="457200"/>
+          </a:xfrm>
+          <a:prstGeom prst="rect">
+            <a:avLst/>
+          </a:prstGeom>
+        </p:spPr>
+        <p:txBody>
+          <a:bodyPr vert="horz" lIns="91440" tIns="45720" rIns="91440" bIns="45720" rtlCol="0" anchor="b"/>
+          <a:lstStyle>
+            <a:lvl1pPr algn="l">
+              <a:defRPr sz="1200"/>
+            </a:lvl1pPr>
+          </a:lstStyle>
+          <a:p>
+            <a:endParaRPr lang="it-IT"/>
+          </a:p>
+        </p:txBody>
+      </p:sp>
+      <p:sp>
+        <p:nvSpPr>
+          <p:cNvPr id="7" name="Segnaposto numero diapositiva 6"/>
+          <p:cNvSpPr>
+            <a:spLocks noGrp="1"/>
+          </p:cNvSpPr>
+          <p:nvPr>
+            <p:ph type="sldNum" sz="quarter" idx="5"/>
+          </p:nvPr>
+        </p:nvSpPr>
+        <p:spPr>
+          <a:xfrm>
+            <a:off x="3884613" y="8685213"/>
+            <a:ext cx="2971800" cy="457200"/>
+          </a:xfrm>
+          <a:prstGeom prst="rect">
+            <a:avLst/>
+          </a:prstGeom>
+        </p:spPr>
+        <p:txBody>
+          <a:bodyPr vert="horz" lIns="91440" tIns="45720" rIns="91440" bIns="45720" rtlCol="0" anchor="b"/>
+          <a:lstStyle>
+            <a:lvl1pPr algn="r">
+              <a:defRPr sz="1200"/>
+            </a:lvl1pPr>
+          </a:lstStyle>
+          <a:p>
+            <a:fld id="{475F0E4F-C068-4558-BD2C-4354A8A0FB1B}" type="slidenum">
+              <a:rPr lang="it-IT" smtClean="0"/>
+              <a:pPr/>
+              <a:t>‹#›</a:t>
+            </a:fld>
+            <a:endParaRPr lang="it-IT"/>
+          </a:p>
+        </p:txBody>
+      </p:sp>
+    </p:spTree>
+    <p:extLst>
+      <p:ext uri="{BB962C8B-B14F-4D97-AF65-F5344CB8AC3E}">
+        <p14:creationId xmlns:p14="http://schemas.microsoft.com/office/powerpoint/2010/main" val="2935502336"/>
+      </p:ext>
+    </p:extLst>
+  </p:cSld>
+  <p:clrMap bg1="lt1" tx1="dk1" bg2="lt2" tx2="dk2" accent1="accent1" accent2="accent2" accent3="accent3" accent4="accent4" accent5="accent5" accent6="accent6" hlink="hlink" folHlink="folHlink"/>
+  <p:hf hdr="0" ftr="0" dt="0"/>
+  <p:notesStyle>
+    <a:lvl1pPr marL="0" algn="l" defTabSz="914400" rtl="0" eaLnBrk="1" latinLnBrk="0" hangingPunct="1">
+      <a:defRPr sz="1200" kern="1200">
+        <a:solidFill>
+          <a:schemeClr val="tx1"/>
+        </a:solidFill>
+        <a:latin typeface="+mn-lt"/>
+        <a:ea typeface="+mn-ea"/>
+        <a:cs typeface="+mn-cs"/>
+      </a:defRPr>
+    </a:lvl1pPr>
+    <a:lvl2pPr marL="457200" algn="l" defTabSz="914400" rtl="0" eaLnBrk="1" latinLnBrk="0" hangingPunct="1">
+      <a:defRPr sz="1200" kern="1200">
+        <a:solidFill>
+          <a:schemeClr val="tx1"/>
+        </a:solidFill>
+        <a:latin typeface="+mn-lt"/>
+        <a:ea typeface="+mn-ea"/>
+        <a:cs typeface="+mn-cs"/>
+      </a:defRPr>
+    </a:lvl2pPr>
+    <a:lvl3pPr marL="914400" algn="l" defTabSz="914400" rtl="0" eaLnBrk="1" latinLnBrk="0" hangingPunct="1">
+      <a:defRPr sz="1200" kern="1200">
+        <a:solidFill>
+          <a:schemeClr val="tx1"/>
+        </a:solidFill>
+        <a:latin typeface="+mn-lt"/>
+        <a:ea typeface="+mn-ea"/>
+        <a:cs typeface="+mn-cs"/>
+      </a:defRPr>
+    </a:lvl3pPr>
+    <a:lvl4pPr marL="1371600" algn="l" defTabSz="914400" rtl="0" eaLnBrk="1" latinLnBrk="0" hangingPunct="1">
+      <a:defRPr sz="1200" kern="1200">
+        <a:solidFill>
+          <a:schemeClr val="tx1"/>
+        </a:solidFill>
+        <a:latin typeface="+mn-lt"/>
+        <a:ea typeface="+mn-ea"/>
+        <a:cs typeface="+mn-cs"/>
+      </a:defRPr>
+    </a:lvl4pPr>
+    <a:lvl5pPr marL="1828800" algn="l" defTabSz="914400" rtl="0" eaLnBrk="1" latinLnBrk="0" hangingPunct="1">
+      <a:defRPr sz="1200" kern="1200">
+        <a:solidFill>
+          <a:schemeClr val="tx1"/>
+        </a:solidFill>
+        <a:latin typeface="+mn-lt"/>
+        <a:ea typeface="+mn-ea"/>
+        <a:cs typeface="+mn-cs"/>
+      </a:defRPr>
+    </a:lvl5pPr>
+    <a:lvl6pPr marL="2286000" algn="l" defTabSz="914400" rtl="0" eaLnBrk="1" latinLnBrk="0" hangingPunct="1">
+      <a:defRPr sz="1200" kern="1200">
+        <a:solidFill>
+          <a:schemeClr val="tx1"/>
+        </a:solidFill>
+        <a:latin typeface="+mn-lt"/>
+        <a:ea typeface="+mn-ea"/>
+        <a:cs typeface="+mn-cs"/>
+      </a:defRPr>
+    </a:lvl6pPr>
+    <a:lvl7pPr marL="2743200" algn="l" defTabSz="914400" rtl="0" eaLnBrk="1" latinLnBrk="0" hangingPunct="1">
+      <a:defRPr sz="1200" kern="1200">
+        <a:solidFill>
+          <a:schemeClr val="tx1"/>
+        </a:solidFill>
+        <a:latin typeface="+mn-lt"/>
+        <a:ea typeface="+mn-ea"/>
+        <a:cs typeface="+mn-cs"/>
+      </a:defRPr>
+    </a:lvl7pPr>
+    <a:lvl8pPr marL="3200400" algn="l" defTabSz="914400" rtl="0" eaLnBrk="1" latinLnBrk="0" hangingPunct="1">
+      <a:defRPr sz="1200" kern="1200">
+        <a:solidFill>
+          <a:schemeClr val="tx1"/>
+        </a:solidFill>
+        <a:latin typeface="+mn-lt"/>
+        <a:ea typeface="+mn-ea"/>
+        <a:cs typeface="+mn-cs"/>
+      </a:defRPr>
+    </a:lvl8pPr>
+    <a:lvl9pPr marL="3657600" algn="l" defTabSz="914400" rtl="0" eaLnBrk="1" latinLnBrk="0" hangingPunct="1">
+      <a:defRPr sz="1200" kern="1200">
+        <a:solidFill>
+          <a:schemeClr val="tx1"/>
+        </a:solidFill>
+        <a:latin typeface="+mn-lt"/>
+        <a:ea typeface="+mn-ea"/>
+        <a:cs typeface="+mn-cs"/>
+      </a:defRPr>
+    </a:lvl9pPr>
+  </p:notesStyle>
+</p:notesMaster>
+</file>
+
 <file path=ppt/slideLayouts/slideLayout1.xml><?xml version="1.0" encoding="utf-8"?>
-<p:sldLayout xmlns:a="http://schemas.openxmlformats.org/drawingml/2006/main" xmlns:r="http://schemas.openxmlformats.org/officeDocument/2006/relationships" xmlns:p="http://schemas.openxmlformats.org/presentationml/2006/main" type="title" preserve="1">
+<p:sldLayout xmlns:a="http://schemas.openxmlformats.org/drawingml/2006/main" xmlns:r="http://schemas.openxmlformats.org/officeDocument/2006/relationships" xmlns:p="http://schemas.openxmlformats.org/presentationml/2006/main" preserve="1" userDrawn="1">
   <p:cSld name="Title Slide">
     <p:spTree>
       <p:nvGrpSpPr>
@@ -204,8 +754,8 @@
         </p:nvSpPr>
         <p:spPr>
           <a:xfrm>
-            <a:off x="685800" y="2130425"/>
-            <a:ext cx="7772400" cy="1470025"/>
+            <a:off x="914400" y="2130426"/>
+            <a:ext cx="10363200" cy="1470025"/>
           </a:xfrm>
         </p:spPr>
         <p:txBody>
@@ -213,7 +763,7 @@
           <a:lstStyle/>
           <a:p>
             <a:r>
-              <a:rPr lang="it-IT"/>
+              <a:rPr lang="en-GB"/>
               <a:t>Click to edit Master title style</a:t>
             </a:r>
             <a:endParaRPr lang="en-US"/>
@@ -232,18 +782,16 @@
         </p:nvSpPr>
         <p:spPr>
           <a:xfrm>
-            <a:off x="1371600" y="3886200"/>
-            <a:ext cx="6400800" cy="1752600"/>
+            <a:off x="1828800" y="3886200"/>
+            <a:ext cx="8534400" cy="1752600"/>
           </a:xfrm>
         </p:spPr>
         <p:txBody>
-          <a:bodyPr>
-            <a:normAutofit/>
-          </a:bodyPr>
+          <a:bodyPr/>
           <a:lstStyle>
-            <a:lvl1pPr marL="0" indent="0" algn="r">
-              <a:buNone/>
-              <a:defRPr sz="1800">
+            <a:lvl1pPr marL="0" indent="0" algn="ctr">
+              <a:buNone/>
+              <a:defRPr>
                 <a:solidFill>
                   <a:schemeClr val="tx1">
                     <a:tint val="75000"/>
@@ -334,10 +882,10 @@
           </a:lstStyle>
           <a:p>
             <a:r>
-              <a:rPr lang="it-IT"/>
+              <a:rPr lang="en-GB"/>
               <a:t>Click to edit Master subtitle style</a:t>
             </a:r>
-            <a:endParaRPr lang="en-US" dirty="0"/>
+            <a:endParaRPr lang="en-US"/>
           </a:p>
         </p:txBody>
       </p:sp>
@@ -353,8 +901,8 @@
         </p:nvSpPr>
         <p:spPr>
           <a:xfrm>
-            <a:off x="3836609" y="6362700"/>
-            <a:ext cx="4850191" cy="365125"/>
+            <a:off x="5115480" y="6362701"/>
+            <a:ext cx="6466921" cy="365125"/>
           </a:xfrm>
           <a:prstGeom prst="rect">
             <a:avLst/>
@@ -364,11 +912,12 @@
           <a:bodyPr/>
           <a:lstStyle/>
           <a:p>
-            <a:fld id="{B0C43BE2-C3DB-1649-80AB-79CFABC9D3BB}" type="slidenum">
-              <a:rPr lang="en-US" smtClean="0"/>
+            <a:fld id="{D2040F39-7941-49A4-B48D-F201B18B6351}" type="slidenum">
+              <a:rPr lang="it-IT" smtClean="0"/>
+              <a:pPr/>
               <a:t>‹#›</a:t>
             </a:fld>
-            <a:endParaRPr lang="en-US"/>
+            <a:endParaRPr lang="it-IT" dirty="0"/>
           </a:p>
         </p:txBody>
       </p:sp>
@@ -380,8 +929,8 @@
         </p:nvCxnSpPr>
         <p:spPr>
           <a:xfrm flipV="1">
-            <a:off x="457200" y="3600450"/>
-            <a:ext cx="8686800" cy="2"/>
+            <a:off x="609600" y="3600450"/>
+            <a:ext cx="11582400" cy="2"/>
           </a:xfrm>
           <a:prstGeom prst="line">
             <a:avLst/>
@@ -462,7 +1011,7 @@
           <a:lstStyle/>
           <a:p>
             <a:r>
-              <a:rPr lang="it-IT"/>
+              <a:rPr lang="en-GB"/>
               <a:t>Click to edit Master title style</a:t>
             </a:r>
             <a:endParaRPr lang="en-US"/>
@@ -486,35 +1035,35 @@
           <a:p>
             <a:pPr lvl="0"/>
             <a:r>
-              <a:rPr lang="it-IT"/>
+              <a:rPr lang="en-GB"/>
               <a:t>Click to edit Master text styles</a:t>
             </a:r>
           </a:p>
           <a:p>
             <a:pPr lvl="1"/>
             <a:r>
-              <a:rPr lang="it-IT"/>
+              <a:rPr lang="en-GB"/>
               <a:t>Second level</a:t>
             </a:r>
           </a:p>
           <a:p>
             <a:pPr lvl="2"/>
             <a:r>
-              <a:rPr lang="it-IT"/>
+              <a:rPr lang="en-GB"/>
               <a:t>Third level</a:t>
             </a:r>
           </a:p>
           <a:p>
             <a:pPr lvl="3"/>
             <a:r>
-              <a:rPr lang="it-IT"/>
+              <a:rPr lang="en-GB"/>
               <a:t>Fourth level</a:t>
             </a:r>
           </a:p>
           <a:p>
             <a:pPr lvl="4"/>
             <a:r>
-              <a:rPr lang="it-IT"/>
+              <a:rPr lang="en-GB"/>
               <a:t>Fifth level</a:t>
             </a:r>
             <a:endParaRPr lang="en-US"/>
@@ -533,8 +1082,8 @@
         </p:nvSpPr>
         <p:spPr>
           <a:xfrm>
-            <a:off x="3836609" y="6362700"/>
-            <a:ext cx="4850191" cy="365125"/>
+            <a:off x="5115480" y="6362701"/>
+            <a:ext cx="6466921" cy="365125"/>
           </a:xfrm>
           <a:prstGeom prst="rect">
             <a:avLst/>
@@ -544,11 +1093,12 @@
           <a:bodyPr/>
           <a:lstStyle/>
           <a:p>
-            <a:fld id="{B0C43BE2-C3DB-1649-80AB-79CFABC9D3BB}" type="slidenum">
-              <a:rPr lang="en-US" smtClean="0"/>
+            <a:fld id="{D2040F39-7941-49A4-B48D-F201B18B6351}" type="slidenum">
+              <a:rPr lang="it-IT" smtClean="0"/>
+              <a:pPr/>
               <a:t>‹#›</a:t>
             </a:fld>
-            <a:endParaRPr lang="en-US"/>
+            <a:endParaRPr lang="it-IT" dirty="0"/>
           </a:p>
         </p:txBody>
       </p:sp>
@@ -560,8 +1110,8 @@
         </p:nvCxnSpPr>
         <p:spPr>
           <a:xfrm flipV="1">
-            <a:off x="457200" y="1388917"/>
-            <a:ext cx="8686800" cy="2"/>
+            <a:off x="609600" y="1388917"/>
+            <a:ext cx="11582400" cy="2"/>
           </a:xfrm>
           <a:prstGeom prst="line">
             <a:avLst/>
@@ -638,8 +1188,8 @@
         </p:nvSpPr>
         <p:spPr>
           <a:xfrm>
-            <a:off x="6629400" y="274638"/>
-            <a:ext cx="2057400" cy="5851525"/>
+            <a:off x="8839200" y="274639"/>
+            <a:ext cx="2743200" cy="5851525"/>
           </a:xfrm>
         </p:spPr>
         <p:txBody>
@@ -647,7 +1197,7 @@
           <a:lstStyle/>
           <a:p>
             <a:r>
-              <a:rPr lang="it-IT"/>
+              <a:rPr lang="en-GB"/>
               <a:t>Click to edit Master title style</a:t>
             </a:r>
             <a:endParaRPr lang="en-US"/>
@@ -666,8 +1216,8 @@
         </p:nvSpPr>
         <p:spPr>
           <a:xfrm>
-            <a:off x="457200" y="274638"/>
-            <a:ext cx="6019800" cy="5851525"/>
+            <a:off x="609600" y="274639"/>
+            <a:ext cx="8026400" cy="5851525"/>
           </a:xfrm>
         </p:spPr>
         <p:txBody>
@@ -676,35 +1226,35 @@
           <a:p>
             <a:pPr lvl="0"/>
             <a:r>
-              <a:rPr lang="it-IT"/>
+              <a:rPr lang="en-GB"/>
               <a:t>Click to edit Master text styles</a:t>
             </a:r>
           </a:p>
           <a:p>
             <a:pPr lvl="1"/>
             <a:r>
-              <a:rPr lang="it-IT"/>
+              <a:rPr lang="en-GB"/>
               <a:t>Second level</a:t>
             </a:r>
           </a:p>
           <a:p>
             <a:pPr lvl="2"/>
             <a:r>
-              <a:rPr lang="it-IT"/>
+              <a:rPr lang="en-GB"/>
               <a:t>Third level</a:t>
             </a:r>
           </a:p>
           <a:p>
             <a:pPr lvl="3"/>
             <a:r>
-              <a:rPr lang="it-IT"/>
+              <a:rPr lang="en-GB"/>
               <a:t>Fourth level</a:t>
             </a:r>
           </a:p>
           <a:p>
             <a:pPr lvl="4"/>
             <a:r>
-              <a:rPr lang="it-IT"/>
+              <a:rPr lang="en-GB"/>
               <a:t>Fifth level</a:t>
             </a:r>
             <a:endParaRPr lang="en-US"/>
@@ -723,8 +1273,8 @@
         </p:nvSpPr>
         <p:spPr>
           <a:xfrm>
-            <a:off x="3836609" y="6362700"/>
-            <a:ext cx="4850191" cy="365125"/>
+            <a:off x="5115480" y="6362701"/>
+            <a:ext cx="6466921" cy="365125"/>
           </a:xfrm>
           <a:prstGeom prst="rect">
             <a:avLst/>
@@ -734,11 +1284,12 @@
           <a:bodyPr/>
           <a:lstStyle/>
           <a:p>
-            <a:fld id="{B0C43BE2-C3DB-1649-80AB-79CFABC9D3BB}" type="slidenum">
-              <a:rPr lang="en-US" smtClean="0"/>
+            <a:fld id="{D2040F39-7941-49A4-B48D-F201B18B6351}" type="slidenum">
+              <a:rPr lang="it-IT" smtClean="0"/>
+              <a:pPr/>
               <a:t>‹#›</a:t>
             </a:fld>
-            <a:endParaRPr lang="en-US"/>
+            <a:endParaRPr lang="it-IT" dirty="0"/>
           </a:p>
         </p:txBody>
       </p:sp>
@@ -788,7 +1339,7 @@
           <a:lstStyle/>
           <a:p>
             <a:r>
-              <a:rPr lang="it-IT"/>
+              <a:rPr lang="en-GB"/>
               <a:t>Click to edit Master title style</a:t>
             </a:r>
             <a:endParaRPr lang="en-US"/>
@@ -812,35 +1363,35 @@
           <a:p>
             <a:pPr lvl="0"/>
             <a:r>
-              <a:rPr lang="it-IT"/>
+              <a:rPr lang="en-GB"/>
               <a:t>Click to edit Master text styles</a:t>
             </a:r>
           </a:p>
           <a:p>
             <a:pPr lvl="1"/>
             <a:r>
-              <a:rPr lang="it-IT"/>
+              <a:rPr lang="en-GB"/>
               <a:t>Second level</a:t>
             </a:r>
           </a:p>
           <a:p>
             <a:pPr lvl="2"/>
             <a:r>
-              <a:rPr lang="it-IT"/>
+              <a:rPr lang="en-GB"/>
               <a:t>Third level</a:t>
             </a:r>
           </a:p>
           <a:p>
             <a:pPr lvl="3"/>
             <a:r>
-              <a:rPr lang="it-IT"/>
+              <a:rPr lang="en-GB"/>
               <a:t>Fourth level</a:t>
             </a:r>
           </a:p>
           <a:p>
             <a:pPr lvl="4"/>
             <a:r>
-              <a:rPr lang="it-IT"/>
+              <a:rPr lang="en-GB"/>
               <a:t>Fifth level</a:t>
             </a:r>
             <a:endParaRPr lang="en-US"/>
@@ -859,8 +1410,8 @@
         </p:nvSpPr>
         <p:spPr>
           <a:xfrm>
-            <a:off x="3836609" y="6362700"/>
-            <a:ext cx="4850191" cy="365125"/>
+            <a:off x="5115480" y="6362701"/>
+            <a:ext cx="6466921" cy="365125"/>
           </a:xfrm>
           <a:prstGeom prst="rect">
             <a:avLst/>
@@ -870,11 +1421,12 @@
           <a:bodyPr/>
           <a:lstStyle/>
           <a:p>
-            <a:fld id="{B0C43BE2-C3DB-1649-80AB-79CFABC9D3BB}" type="slidenum">
-              <a:rPr lang="en-US" smtClean="0"/>
+            <a:fld id="{D2040F39-7941-49A4-B48D-F201B18B6351}" type="slidenum">
+              <a:rPr lang="it-IT" smtClean="0"/>
+              <a:pPr/>
               <a:t>‹#›</a:t>
             </a:fld>
-            <a:endParaRPr lang="en-US"/>
+            <a:endParaRPr lang="it-IT" dirty="0"/>
           </a:p>
         </p:txBody>
       </p:sp>
@@ -886,8 +1438,8 @@
         </p:nvCxnSpPr>
         <p:spPr>
           <a:xfrm flipV="1">
-            <a:off x="457200" y="1388917"/>
-            <a:ext cx="8686800" cy="2"/>
+            <a:off x="609600" y="1388917"/>
+            <a:ext cx="11582400" cy="2"/>
           </a:xfrm>
           <a:prstGeom prst="line">
             <a:avLst/>
@@ -964,8 +1516,8 @@
         </p:nvSpPr>
         <p:spPr>
           <a:xfrm>
-            <a:off x="722313" y="4406900"/>
-            <a:ext cx="7772400" cy="1362075"/>
+            <a:off x="963084" y="4406901"/>
+            <a:ext cx="10363200" cy="1362075"/>
           </a:xfrm>
         </p:spPr>
         <p:txBody>
@@ -977,7 +1529,7 @@
           </a:lstStyle>
           <a:p>
             <a:r>
-              <a:rPr lang="it-IT"/>
+              <a:rPr lang="en-GB"/>
               <a:t>Click to edit Master title style</a:t>
             </a:r>
             <a:endParaRPr lang="en-US"/>
@@ -996,8 +1548,8 @@
         </p:nvSpPr>
         <p:spPr>
           <a:xfrm>
-            <a:off x="722313" y="2906713"/>
-            <a:ext cx="7772400" cy="1500187"/>
+            <a:off x="963084" y="2906713"/>
+            <a:ext cx="10363200" cy="1500187"/>
           </a:xfrm>
         </p:spPr>
         <p:txBody>
@@ -1097,7 +1649,7 @@
           <a:p>
             <a:pPr lvl="0"/>
             <a:r>
-              <a:rPr lang="it-IT"/>
+              <a:rPr lang="en-GB"/>
               <a:t>Click to edit Master text styles</a:t>
             </a:r>
           </a:p>
@@ -1115,8 +1667,8 @@
         </p:nvSpPr>
         <p:spPr>
           <a:xfrm>
-            <a:off x="3836609" y="6362700"/>
-            <a:ext cx="4850191" cy="365125"/>
+            <a:off x="5115480" y="6362701"/>
+            <a:ext cx="6466921" cy="365125"/>
           </a:xfrm>
           <a:prstGeom prst="rect">
             <a:avLst/>
@@ -1126,11 +1678,12 @@
           <a:bodyPr/>
           <a:lstStyle/>
           <a:p>
-            <a:fld id="{B0C43BE2-C3DB-1649-80AB-79CFABC9D3BB}" type="slidenum">
-              <a:rPr lang="en-US" smtClean="0"/>
+            <a:fld id="{D2040F39-7941-49A4-B48D-F201B18B6351}" type="slidenum">
+              <a:rPr lang="it-IT" smtClean="0"/>
+              <a:pPr/>
               <a:t>‹#›</a:t>
             </a:fld>
-            <a:endParaRPr lang="en-US"/>
+            <a:endParaRPr lang="it-IT" dirty="0"/>
           </a:p>
         </p:txBody>
       </p:sp>
@@ -1142,8 +1695,8 @@
         </p:nvCxnSpPr>
         <p:spPr>
           <a:xfrm flipV="1">
-            <a:off x="722313" y="4406900"/>
-            <a:ext cx="8421687" cy="2"/>
+            <a:off x="963085" y="4406900"/>
+            <a:ext cx="11228916" cy="2"/>
           </a:xfrm>
           <a:prstGeom prst="line">
             <a:avLst/>
@@ -1224,7 +1777,7 @@
           <a:lstStyle/>
           <a:p>
             <a:r>
-              <a:rPr lang="it-IT"/>
+              <a:rPr lang="en-GB"/>
               <a:t>Click to edit Master title style</a:t>
             </a:r>
             <a:endParaRPr lang="en-US"/>
@@ -1243,8 +1796,8 @@
         </p:nvSpPr>
         <p:spPr>
           <a:xfrm>
-            <a:off x="457200" y="1600200"/>
-            <a:ext cx="4038600" cy="4525963"/>
+            <a:off x="609600" y="1600201"/>
+            <a:ext cx="5384800" cy="4525963"/>
           </a:xfrm>
         </p:spPr>
         <p:txBody>
@@ -1281,35 +1834,35 @@
           <a:p>
             <a:pPr lvl="0"/>
             <a:r>
-              <a:rPr lang="it-IT"/>
+              <a:rPr lang="en-GB"/>
               <a:t>Click to edit Master text styles</a:t>
             </a:r>
           </a:p>
           <a:p>
             <a:pPr lvl="1"/>
             <a:r>
-              <a:rPr lang="it-IT"/>
+              <a:rPr lang="en-GB"/>
               <a:t>Second level</a:t>
             </a:r>
           </a:p>
           <a:p>
             <a:pPr lvl="2"/>
             <a:r>
-              <a:rPr lang="it-IT"/>
+              <a:rPr lang="en-GB"/>
               <a:t>Third level</a:t>
             </a:r>
           </a:p>
           <a:p>
             <a:pPr lvl="3"/>
             <a:r>
-              <a:rPr lang="it-IT"/>
+              <a:rPr lang="en-GB"/>
               <a:t>Fourth level</a:t>
             </a:r>
           </a:p>
           <a:p>
             <a:pPr lvl="4"/>
             <a:r>
-              <a:rPr lang="it-IT"/>
+              <a:rPr lang="en-GB"/>
               <a:t>Fifth level</a:t>
             </a:r>
             <a:endParaRPr lang="en-US"/>
@@ -1328,8 +1881,8 @@
         </p:nvSpPr>
         <p:spPr>
           <a:xfrm>
-            <a:off x="4648200" y="1600200"/>
-            <a:ext cx="4038600" cy="4525963"/>
+            <a:off x="6197600" y="1600201"/>
+            <a:ext cx="5384800" cy="4525963"/>
           </a:xfrm>
         </p:spPr>
         <p:txBody>
@@ -1366,35 +1919,35 @@
           <a:p>
             <a:pPr lvl="0"/>
             <a:r>
-              <a:rPr lang="it-IT"/>
+              <a:rPr lang="en-GB"/>
               <a:t>Click to edit Master text styles</a:t>
             </a:r>
           </a:p>
           <a:p>
             <a:pPr lvl="1"/>
             <a:r>
-              <a:rPr lang="it-IT"/>
+              <a:rPr lang="en-GB"/>
               <a:t>Second level</a:t>
             </a:r>
           </a:p>
           <a:p>
             <a:pPr lvl="2"/>
             <a:r>
-              <a:rPr lang="it-IT"/>
+              <a:rPr lang="en-GB"/>
               <a:t>Third level</a:t>
             </a:r>
           </a:p>
           <a:p>
             <a:pPr lvl="3"/>
             <a:r>
-              <a:rPr lang="it-IT"/>
+              <a:rPr lang="en-GB"/>
               <a:t>Fourth level</a:t>
             </a:r>
           </a:p>
           <a:p>
             <a:pPr lvl="4"/>
             <a:r>
-              <a:rPr lang="it-IT"/>
+              <a:rPr lang="en-GB"/>
               <a:t>Fifth level</a:t>
             </a:r>
             <a:endParaRPr lang="en-US"/>
@@ -1413,8 +1966,8 @@
         </p:nvSpPr>
         <p:spPr>
           <a:xfrm>
-            <a:off x="3836609" y="6362700"/>
-            <a:ext cx="4850191" cy="365125"/>
+            <a:off x="5115480" y="6362701"/>
+            <a:ext cx="6466921" cy="365125"/>
           </a:xfrm>
           <a:prstGeom prst="rect">
             <a:avLst/>
@@ -1424,11 +1977,12 @@
           <a:bodyPr/>
           <a:lstStyle/>
           <a:p>
-            <a:fld id="{B0C43BE2-C3DB-1649-80AB-79CFABC9D3BB}" type="slidenum">
-              <a:rPr lang="en-US" smtClean="0"/>
+            <a:fld id="{D2040F39-7941-49A4-B48D-F201B18B6351}" type="slidenum">
+              <a:rPr lang="it-IT" smtClean="0"/>
+              <a:pPr/>
               <a:t>‹#›</a:t>
             </a:fld>
-            <a:endParaRPr lang="en-US"/>
+            <a:endParaRPr lang="it-IT" dirty="0"/>
           </a:p>
         </p:txBody>
       </p:sp>
@@ -1440,8 +1994,8 @@
         </p:nvCxnSpPr>
         <p:spPr>
           <a:xfrm flipV="1">
-            <a:off x="457200" y="1388917"/>
-            <a:ext cx="8686800" cy="2"/>
+            <a:off x="609600" y="1388917"/>
+            <a:ext cx="11582400" cy="2"/>
           </a:xfrm>
           <a:prstGeom prst="line">
             <a:avLst/>
@@ -1526,7 +2080,7 @@
           </a:lstStyle>
           <a:p>
             <a:r>
-              <a:rPr lang="it-IT"/>
+              <a:rPr lang="en-GB"/>
               <a:t>Click to edit Master title style</a:t>
             </a:r>
             <a:endParaRPr lang="en-US"/>
@@ -1545,8 +2099,8 @@
         </p:nvSpPr>
         <p:spPr>
           <a:xfrm>
-            <a:off x="457200" y="1535113"/>
-            <a:ext cx="4040188" cy="639762"/>
+            <a:off x="609600" y="1535113"/>
+            <a:ext cx="5386917" cy="639762"/>
           </a:xfrm>
         </p:spPr>
         <p:txBody>
@@ -1592,7 +2146,7 @@
           <a:p>
             <a:pPr lvl="0"/>
             <a:r>
-              <a:rPr lang="it-IT"/>
+              <a:rPr lang="en-GB"/>
               <a:t>Click to edit Master text styles</a:t>
             </a:r>
           </a:p>
@@ -1610,8 +2164,8 @@
         </p:nvSpPr>
         <p:spPr>
           <a:xfrm>
-            <a:off x="457200" y="2174875"/>
-            <a:ext cx="4040188" cy="3951288"/>
+            <a:off x="609600" y="2174875"/>
+            <a:ext cx="5386917" cy="3951288"/>
           </a:xfrm>
         </p:spPr>
         <p:txBody>
@@ -1648,35 +2202,35 @@
           <a:p>
             <a:pPr lvl="0"/>
             <a:r>
-              <a:rPr lang="it-IT"/>
+              <a:rPr lang="en-GB"/>
               <a:t>Click to edit Master text styles</a:t>
             </a:r>
           </a:p>
           <a:p>
             <a:pPr lvl="1"/>
             <a:r>
-              <a:rPr lang="it-IT"/>
+              <a:rPr lang="en-GB"/>
               <a:t>Second level</a:t>
             </a:r>
           </a:p>
           <a:p>
             <a:pPr lvl="2"/>
             <a:r>
-              <a:rPr lang="it-IT"/>
+              <a:rPr lang="en-GB"/>
               <a:t>Third level</a:t>
             </a:r>
           </a:p>
           <a:p>
             <a:pPr lvl="3"/>
             <a:r>
-              <a:rPr lang="it-IT"/>
+              <a:rPr lang="en-GB"/>
               <a:t>Fourth level</a:t>
             </a:r>
           </a:p>
           <a:p>
             <a:pPr lvl="4"/>
             <a:r>
-              <a:rPr lang="it-IT"/>
+              <a:rPr lang="en-GB"/>
               <a:t>Fifth level</a:t>
             </a:r>
             <a:endParaRPr lang="en-US"/>
@@ -1695,8 +2249,8 @@
         </p:nvSpPr>
         <p:spPr>
           <a:xfrm>
-            <a:off x="4645025" y="1535113"/>
-            <a:ext cx="4041775" cy="639762"/>
+            <a:off x="6193368" y="1535113"/>
+            <a:ext cx="5389033" cy="639762"/>
           </a:xfrm>
         </p:spPr>
         <p:txBody>
@@ -1742,7 +2296,7 @@
           <a:p>
             <a:pPr lvl="0"/>
             <a:r>
-              <a:rPr lang="it-IT"/>
+              <a:rPr lang="en-GB"/>
               <a:t>Click to edit Master text styles</a:t>
             </a:r>
           </a:p>
@@ -1760,8 +2314,8 @@
         </p:nvSpPr>
         <p:spPr>
           <a:xfrm>
-            <a:off x="4645025" y="2174875"/>
-            <a:ext cx="4041775" cy="3951288"/>
+            <a:off x="6193368" y="2174875"/>
+            <a:ext cx="5389033" cy="3951288"/>
           </a:xfrm>
         </p:spPr>
         <p:txBody>
@@ -1798,35 +2352,35 @@
           <a:p>
             <a:pPr lvl="0"/>
             <a:r>
-              <a:rPr lang="it-IT"/>
+              <a:rPr lang="en-GB"/>
               <a:t>Click to edit Master text styles</a:t>
             </a:r>
           </a:p>
           <a:p>
             <a:pPr lvl="1"/>
             <a:r>
-              <a:rPr lang="it-IT"/>
+              <a:rPr lang="en-GB"/>
               <a:t>Second level</a:t>
             </a:r>
           </a:p>
           <a:p>
             <a:pPr lvl="2"/>
             <a:r>
-              <a:rPr lang="it-IT"/>
+              <a:rPr lang="en-GB"/>
               <a:t>Third level</a:t>
             </a:r>
           </a:p>
           <a:p>
             <a:pPr lvl="3"/>
             <a:r>
-              <a:rPr lang="it-IT"/>
+              <a:rPr lang="en-GB"/>
               <a:t>Fourth level</a:t>
             </a:r>
           </a:p>
           <a:p>
             <a:pPr lvl="4"/>
             <a:r>
-              <a:rPr lang="it-IT"/>
+              <a:rPr lang="en-GB"/>
               <a:t>Fifth level</a:t>
             </a:r>
             <a:endParaRPr lang="en-US"/>
@@ -1845,8 +2399,8 @@
         </p:nvSpPr>
         <p:spPr>
           <a:xfrm>
-            <a:off x="3836609" y="6362700"/>
-            <a:ext cx="4850191" cy="365125"/>
+            <a:off x="5115480" y="6362701"/>
+            <a:ext cx="6466921" cy="365125"/>
           </a:xfrm>
           <a:prstGeom prst="rect">
             <a:avLst/>
@@ -1856,11 +2410,12 @@
           <a:bodyPr/>
           <a:lstStyle/>
           <a:p>
-            <a:fld id="{B0C43BE2-C3DB-1649-80AB-79CFABC9D3BB}" type="slidenum">
-              <a:rPr lang="en-US" smtClean="0"/>
+            <a:fld id="{D2040F39-7941-49A4-B48D-F201B18B6351}" type="slidenum">
+              <a:rPr lang="it-IT" smtClean="0"/>
+              <a:pPr/>
               <a:t>‹#›</a:t>
             </a:fld>
-            <a:endParaRPr lang="en-US"/>
+            <a:endParaRPr lang="it-IT" dirty="0"/>
           </a:p>
         </p:txBody>
       </p:sp>
@@ -1872,8 +2427,8 @@
         </p:nvCxnSpPr>
         <p:spPr>
           <a:xfrm flipV="1">
-            <a:off x="457200" y="1388917"/>
-            <a:ext cx="8686800" cy="2"/>
+            <a:off x="609600" y="1388917"/>
+            <a:ext cx="11582400" cy="2"/>
           </a:xfrm>
           <a:prstGeom prst="line">
             <a:avLst/>
@@ -1954,7 +2509,7 @@
           <a:lstStyle/>
           <a:p>
             <a:r>
-              <a:rPr lang="it-IT"/>
+              <a:rPr lang="en-GB"/>
               <a:t>Click to edit Master title style</a:t>
             </a:r>
             <a:endParaRPr lang="en-US"/>
@@ -1973,8 +2528,8 @@
         </p:nvSpPr>
         <p:spPr>
           <a:xfrm>
-            <a:off x="3836609" y="6362700"/>
-            <a:ext cx="4850191" cy="365125"/>
+            <a:off x="5115480" y="6362701"/>
+            <a:ext cx="6466921" cy="365125"/>
           </a:xfrm>
           <a:prstGeom prst="rect">
             <a:avLst/>
@@ -1984,11 +2539,12 @@
           <a:bodyPr/>
           <a:lstStyle/>
           <a:p>
-            <a:fld id="{B0C43BE2-C3DB-1649-80AB-79CFABC9D3BB}" type="slidenum">
-              <a:rPr lang="en-US" smtClean="0"/>
+            <a:fld id="{D2040F39-7941-49A4-B48D-F201B18B6351}" type="slidenum">
+              <a:rPr lang="it-IT" smtClean="0"/>
+              <a:pPr/>
               <a:t>‹#›</a:t>
             </a:fld>
-            <a:endParaRPr lang="en-US"/>
+            <a:endParaRPr lang="it-IT" dirty="0"/>
           </a:p>
         </p:txBody>
       </p:sp>
@@ -2000,8 +2556,8 @@
         </p:nvCxnSpPr>
         <p:spPr>
           <a:xfrm flipV="1">
-            <a:off x="457200" y="1388917"/>
-            <a:ext cx="8686800" cy="2"/>
+            <a:off x="609600" y="1388917"/>
+            <a:ext cx="11582400" cy="2"/>
           </a:xfrm>
           <a:prstGeom prst="line">
             <a:avLst/>
@@ -2078,8 +2634,8 @@
         </p:nvSpPr>
         <p:spPr>
           <a:xfrm>
-            <a:off x="3836609" y="6362700"/>
-            <a:ext cx="4850191" cy="365125"/>
+            <a:off x="5115480" y="6362701"/>
+            <a:ext cx="6466921" cy="365125"/>
           </a:xfrm>
           <a:prstGeom prst="rect">
             <a:avLst/>
@@ -2089,11 +2645,12 @@
           <a:bodyPr/>
           <a:lstStyle/>
           <a:p>
-            <a:fld id="{B0C43BE2-C3DB-1649-80AB-79CFABC9D3BB}" type="slidenum">
-              <a:rPr lang="en-US" smtClean="0"/>
+            <a:fld id="{D2040F39-7941-49A4-B48D-F201B18B6351}" type="slidenum">
+              <a:rPr lang="it-IT" smtClean="0"/>
+              <a:pPr/>
               <a:t>‹#›</a:t>
             </a:fld>
-            <a:endParaRPr lang="en-US"/>
+            <a:endParaRPr lang="it-IT" dirty="0"/>
           </a:p>
         </p:txBody>
       </p:sp>
@@ -2139,8 +2696,8 @@
         </p:nvSpPr>
         <p:spPr>
           <a:xfrm>
-            <a:off x="457200" y="273050"/>
-            <a:ext cx="3008313" cy="1162050"/>
+            <a:off x="609601" y="273050"/>
+            <a:ext cx="4011084" cy="1162050"/>
           </a:xfrm>
         </p:spPr>
         <p:txBody>
@@ -2152,7 +2709,7 @@
           </a:lstStyle>
           <a:p>
             <a:r>
-              <a:rPr lang="it-IT"/>
+              <a:rPr lang="en-GB"/>
               <a:t>Click to edit Master title style</a:t>
             </a:r>
             <a:endParaRPr lang="en-US"/>
@@ -2171,8 +2728,8 @@
         </p:nvSpPr>
         <p:spPr>
           <a:xfrm>
-            <a:off x="3575050" y="273050"/>
-            <a:ext cx="5111750" cy="5853113"/>
+            <a:off x="4766733" y="273051"/>
+            <a:ext cx="6815667" cy="5853113"/>
           </a:xfrm>
         </p:spPr>
         <p:txBody>
@@ -2209,35 +2766,35 @@
           <a:p>
             <a:pPr lvl="0"/>
             <a:r>
-              <a:rPr lang="it-IT"/>
+              <a:rPr lang="en-GB"/>
               <a:t>Click to edit Master text styles</a:t>
             </a:r>
           </a:p>
           <a:p>
             <a:pPr lvl="1"/>
             <a:r>
-              <a:rPr lang="it-IT"/>
+              <a:rPr lang="en-GB"/>
               <a:t>Second level</a:t>
             </a:r>
           </a:p>
           <a:p>
             <a:pPr lvl="2"/>
             <a:r>
-              <a:rPr lang="it-IT"/>
+              <a:rPr lang="en-GB"/>
               <a:t>Third level</a:t>
             </a:r>
           </a:p>
           <a:p>
             <a:pPr lvl="3"/>
             <a:r>
-              <a:rPr lang="it-IT"/>
+              <a:rPr lang="en-GB"/>
               <a:t>Fourth level</a:t>
             </a:r>
           </a:p>
           <a:p>
             <a:pPr lvl="4"/>
             <a:r>
-              <a:rPr lang="it-IT"/>
+              <a:rPr lang="en-GB"/>
               <a:t>Fifth level</a:t>
             </a:r>
             <a:endParaRPr lang="en-US"/>
@@ -2256,8 +2813,8 @@
         </p:nvSpPr>
         <p:spPr>
           <a:xfrm>
-            <a:off x="457200" y="1435100"/>
-            <a:ext cx="3008313" cy="4691063"/>
+            <a:off x="609601" y="1435101"/>
+            <a:ext cx="4011084" cy="4691063"/>
           </a:xfrm>
         </p:spPr>
         <p:txBody>
@@ -2303,7 +2860,7 @@
           <a:p>
             <a:pPr lvl="0"/>
             <a:r>
-              <a:rPr lang="it-IT"/>
+              <a:rPr lang="en-GB"/>
               <a:t>Click to edit Master text styles</a:t>
             </a:r>
           </a:p>
@@ -2321,8 +2878,8 @@
         </p:nvSpPr>
         <p:spPr>
           <a:xfrm>
-            <a:off x="3836609" y="6362700"/>
-            <a:ext cx="4850191" cy="365125"/>
+            <a:off x="5115480" y="6362701"/>
+            <a:ext cx="6466921" cy="365125"/>
           </a:xfrm>
           <a:prstGeom prst="rect">
             <a:avLst/>
@@ -2332,11 +2889,12 @@
           <a:bodyPr/>
           <a:lstStyle/>
           <a:p>
-            <a:fld id="{B0C43BE2-C3DB-1649-80AB-79CFABC9D3BB}" type="slidenum">
-              <a:rPr lang="en-US" smtClean="0"/>
+            <a:fld id="{D2040F39-7941-49A4-B48D-F201B18B6351}" type="slidenum">
+              <a:rPr lang="it-IT" smtClean="0"/>
+              <a:pPr/>
               <a:t>‹#›</a:t>
             </a:fld>
-            <a:endParaRPr lang="en-US"/>
+            <a:endParaRPr lang="it-IT" dirty="0"/>
           </a:p>
         </p:txBody>
       </p:sp>
@@ -2382,8 +2940,8 @@
         </p:nvSpPr>
         <p:spPr>
           <a:xfrm>
-            <a:off x="1792288" y="4800600"/>
-            <a:ext cx="5486400" cy="566738"/>
+            <a:off x="2389717" y="4800600"/>
+            <a:ext cx="7315200" cy="566738"/>
           </a:xfrm>
         </p:spPr>
         <p:txBody>
@@ -2395,7 +2953,7 @@
           </a:lstStyle>
           <a:p>
             <a:r>
-              <a:rPr lang="it-IT"/>
+              <a:rPr lang="en-GB"/>
               <a:t>Click to edit Master title style</a:t>
             </a:r>
             <a:endParaRPr lang="en-US"/>
@@ -2414,8 +2972,8 @@
         </p:nvSpPr>
         <p:spPr>
           <a:xfrm>
-            <a:off x="1792288" y="612775"/>
-            <a:ext cx="5486400" cy="4114800"/>
+            <a:off x="2389717" y="612775"/>
+            <a:ext cx="7315200" cy="4114800"/>
           </a:xfrm>
         </p:spPr>
         <p:txBody>
@@ -2460,8 +3018,8 @@
           </a:lstStyle>
           <a:p>
             <a:r>
-              <a:rPr lang="it-IT"/>
-              <a:t>Drag picture to placeholder or click icon to add</a:t>
+              <a:rPr lang="en-GB"/>
+              <a:t>Click icon to add picture</a:t>
             </a:r>
             <a:endParaRPr lang="en-US"/>
           </a:p>
@@ -2479,8 +3037,8 @@
         </p:nvSpPr>
         <p:spPr>
           <a:xfrm>
-            <a:off x="1792288" y="5367338"/>
-            <a:ext cx="5486400" cy="804862"/>
+            <a:off x="2389717" y="5367338"/>
+            <a:ext cx="7315200" cy="804862"/>
           </a:xfrm>
         </p:spPr>
         <p:txBody>
@@ -2526,7 +3084,7 @@
           <a:p>
             <a:pPr lvl="0"/>
             <a:r>
-              <a:rPr lang="it-IT"/>
+              <a:rPr lang="en-GB"/>
               <a:t>Click to edit Master text styles</a:t>
             </a:r>
           </a:p>
@@ -2544,8 +3102,8 @@
         </p:nvSpPr>
         <p:spPr>
           <a:xfrm>
-            <a:off x="3836609" y="6362700"/>
-            <a:ext cx="4850191" cy="365125"/>
+            <a:off x="5115480" y="6362701"/>
+            <a:ext cx="6466921" cy="365125"/>
           </a:xfrm>
           <a:prstGeom prst="rect">
             <a:avLst/>
@@ -2555,11 +3113,12 @@
           <a:bodyPr/>
           <a:lstStyle/>
           <a:p>
-            <a:fld id="{B0C43BE2-C3DB-1649-80AB-79CFABC9D3BB}" type="slidenum">
-              <a:rPr lang="en-US" smtClean="0"/>
+            <a:fld id="{D2040F39-7941-49A4-B48D-F201B18B6351}" type="slidenum">
+              <a:rPr lang="it-IT" smtClean="0"/>
+              <a:pPr/>
               <a:t>‹#›</a:t>
             </a:fld>
-            <a:endParaRPr lang="en-US"/>
+            <a:endParaRPr lang="it-IT" dirty="0"/>
           </a:p>
         </p:txBody>
       </p:sp>
@@ -2571,8 +3130,8 @@
         </p:nvCxnSpPr>
         <p:spPr>
           <a:xfrm flipV="1">
-            <a:off x="457200" y="4752218"/>
-            <a:ext cx="8686800" cy="2"/>
+            <a:off x="609600" y="4752218"/>
+            <a:ext cx="11582400" cy="2"/>
           </a:xfrm>
           <a:prstGeom prst="line">
             <a:avLst/>
@@ -2654,8 +3213,8 @@
         </p:nvSpPr>
         <p:spPr>
           <a:xfrm>
-            <a:off x="457200" y="274638"/>
-            <a:ext cx="8229600" cy="1143000"/>
+            <a:off x="609600" y="274638"/>
+            <a:ext cx="10972800" cy="1143000"/>
           </a:xfrm>
           <a:prstGeom prst="rect">
             <a:avLst/>
@@ -2668,7 +3227,7 @@
           <a:lstStyle/>
           <a:p>
             <a:r>
-              <a:rPr lang="it-IT"/>
+              <a:rPr lang="en-GB"/>
               <a:t>Click to edit Master title style</a:t>
             </a:r>
             <a:endParaRPr lang="en-US" dirty="0"/>
@@ -2687,8 +3246,8 @@
         </p:nvSpPr>
         <p:spPr>
           <a:xfrm>
-            <a:off x="457200" y="1600200"/>
-            <a:ext cx="8229600" cy="4525963"/>
+            <a:off x="609600" y="1600201"/>
+            <a:ext cx="10972800" cy="4525963"/>
           </a:xfrm>
           <a:prstGeom prst="rect">
             <a:avLst/>
@@ -2702,79 +3261,44 @@
           <a:p>
             <a:pPr lvl="0"/>
             <a:r>
-              <a:rPr lang="it-IT"/>
+              <a:rPr lang="en-GB"/>
               <a:t>Click to edit Master text styles</a:t>
             </a:r>
           </a:p>
           <a:p>
             <a:pPr lvl="1"/>
             <a:r>
-              <a:rPr lang="it-IT"/>
+              <a:rPr lang="en-GB"/>
               <a:t>Second level</a:t>
             </a:r>
           </a:p>
           <a:p>
             <a:pPr lvl="2"/>
             <a:r>
-              <a:rPr lang="it-IT"/>
+              <a:rPr lang="en-GB"/>
               <a:t>Third level</a:t>
             </a:r>
           </a:p>
           <a:p>
             <a:pPr lvl="3"/>
             <a:r>
-              <a:rPr lang="it-IT"/>
+              <a:rPr lang="en-GB"/>
               <a:t>Fourth level</a:t>
             </a:r>
           </a:p>
           <a:p>
             <a:pPr lvl="4"/>
             <a:r>
-              <a:rPr lang="it-IT"/>
+              <a:rPr lang="en-GB"/>
               <a:t>Fifth level</a:t>
             </a:r>
             <a:endParaRPr lang="en-US" dirty="0"/>
-          </a:p>
-        </p:txBody>
-      </p:sp>
-      <p:sp>
-        <p:nvSpPr>
-          <p:cNvPr id="10" name="Slide Number Placeholder 5"/>
-          <p:cNvSpPr>
-            <a:spLocks noGrp="1"/>
-          </p:cNvSpPr>
-          <p:nvPr>
-            <p:ph type="sldNum" sz="quarter" idx="4"/>
-          </p:nvPr>
-        </p:nvSpPr>
-        <p:spPr>
-          <a:xfrm>
-            <a:off x="3836609" y="6362700"/>
-            <a:ext cx="4850191" cy="365125"/>
-          </a:xfrm>
-          <a:prstGeom prst="rect">
-            <a:avLst/>
-          </a:prstGeom>
-        </p:spPr>
-        <p:txBody>
-          <a:bodyPr/>
-          <a:lstStyle>
-            <a:lvl1pPr algn="r">
-              <a:defRPr/>
-            </a:lvl1pPr>
-          </a:lstStyle>
-          <a:p>
-            <a:fld id="{B0C43BE2-C3DB-1649-80AB-79CFABC9D3BB}" type="slidenum">
-              <a:rPr lang="en-US" smtClean="0"/>
-              <a:t>‹#›</a:t>
-            </a:fld>
-            <a:endParaRPr lang="en-US"/>
           </a:p>
         </p:txBody>
       </p:sp>
       <p:pic>
         <p:nvPicPr>
-          <p:cNvPr id="9" name="Picture 8" descr="ing-modena copy.png"/>
+          <p:cNvPr id="8" name="Picture 7" descr="ing-modena copy.png"/>
           <p:cNvPicPr>
             <a:picLocks noChangeAspect="1"/>
           </p:cNvPicPr>
@@ -2794,14 +3318,46 @@
         </p:blipFill>
         <p:spPr>
           <a:xfrm>
-            <a:off x="24190" y="5829300"/>
-            <a:ext cx="1689100" cy="1066800"/>
+            <a:off x="-45803" y="6021288"/>
+            <a:ext cx="1533291" cy="899495"/>
           </a:xfrm>
           <a:prstGeom prst="rect">
             <a:avLst/>
           </a:prstGeom>
         </p:spPr>
       </p:pic>
+      <p:sp>
+        <p:nvSpPr>
+          <p:cNvPr id="10" name="Slide Number Placeholder 5"/>
+          <p:cNvSpPr>
+            <a:spLocks noGrp="1"/>
+          </p:cNvSpPr>
+          <p:nvPr>
+            <p:ph type="sldNum" sz="quarter" idx="4"/>
+          </p:nvPr>
+        </p:nvSpPr>
+        <p:spPr>
+          <a:xfrm>
+            <a:off x="5115480" y="6362701"/>
+            <a:ext cx="6466921" cy="365125"/>
+          </a:xfrm>
+          <a:prstGeom prst="rect">
+            <a:avLst/>
+          </a:prstGeom>
+        </p:spPr>
+        <p:txBody>
+          <a:bodyPr/>
+          <a:lstStyle/>
+          <a:p>
+            <a:fld id="{D2040F39-7941-49A4-B48D-F201B18B6351}" type="slidenum">
+              <a:rPr lang="it-IT" smtClean="0"/>
+              <a:pPr/>
+              <a:t>‹#›</a:t>
+            </a:fld>
+            <a:endParaRPr lang="it-IT" dirty="0"/>
+          </a:p>
+        </p:txBody>
+      </p:sp>
     </p:spTree>
     <p:extLst>
       <p:ext uri="{BB962C8B-B14F-4D97-AF65-F5344CB8AC3E}">
@@ -2811,18 +3367,19 @@
   </p:cSld>
   <p:clrMap bg1="lt1" tx1="dk1" bg2="lt2" tx2="dk2" accent1="accent1" accent2="accent2" accent3="accent3" accent4="accent4" accent5="accent5" accent6="accent6" hlink="hlink" folHlink="folHlink"/>
   <p:sldLayoutIdLst>
-    <p:sldLayoutId id="2147483661" r:id="rId1"/>
-    <p:sldLayoutId id="2147483662" r:id="rId2"/>
-    <p:sldLayoutId id="2147483663" r:id="rId3"/>
-    <p:sldLayoutId id="2147483664" r:id="rId4"/>
-    <p:sldLayoutId id="2147483665" r:id="rId5"/>
-    <p:sldLayoutId id="2147483666" r:id="rId6"/>
-    <p:sldLayoutId id="2147483667" r:id="rId7"/>
-    <p:sldLayoutId id="2147483668" r:id="rId8"/>
-    <p:sldLayoutId id="2147483669" r:id="rId9"/>
-    <p:sldLayoutId id="2147483670" r:id="rId10"/>
-    <p:sldLayoutId id="2147483671" r:id="rId11"/>
+    <p:sldLayoutId id="2147483673" r:id="rId1"/>
+    <p:sldLayoutId id="2147483674" r:id="rId2"/>
+    <p:sldLayoutId id="2147483675" r:id="rId3"/>
+    <p:sldLayoutId id="2147483676" r:id="rId4"/>
+    <p:sldLayoutId id="2147483677" r:id="rId5"/>
+    <p:sldLayoutId id="2147483678" r:id="rId6"/>
+    <p:sldLayoutId id="2147483679" r:id="rId7"/>
+    <p:sldLayoutId id="2147483680" r:id="rId8"/>
+    <p:sldLayoutId id="2147483681" r:id="rId9"/>
+    <p:sldLayoutId id="2147483682" r:id="rId10"/>
+    <p:sldLayoutId id="2147483683" r:id="rId11"/>
   </p:sldLayoutIdLst>
+  <p:hf hdr="0" ftr="0" dt="0"/>
   <p:txStyles>
     <p:titleStyle>
       <a:lvl1pPr algn="ctr" defTabSz="457200" rtl="0" eaLnBrk="1" latinLnBrk="0" hangingPunct="1">
@@ -3108,10 +3665,9 @@
           <a:bodyPr/>
           <a:lstStyle/>
           <a:p>
-            <a:pPr algn="l"/>
             <a:r>
               <a:rPr lang="en-US" dirty="0"/>
-              <a:t>Java Collections Framework (JCF)</a:t>
+              <a:t>Java Data Structures</a:t>
             </a:r>
           </a:p>
         </p:txBody>
@@ -3128,7 +3684,7 @@
         </p:nvSpPr>
         <p:spPr>
           <a:xfrm>
-            <a:off x="1371600" y="3886200"/>
+            <a:off x="2895600" y="3886200"/>
             <a:ext cx="6400800" cy="1752600"/>
           </a:xfrm>
         </p:spPr>
@@ -3248,7 +3804,12 @@
             <a:fillRect/>
           </a:stretch>
         </p:blipFill>
-        <p:spPr/>
+        <p:spPr>
+          <a:xfrm>
+            <a:off x="1696616" y="1556792"/>
+            <a:ext cx="8798768" cy="4525963"/>
+          </a:xfrm>
+        </p:spPr>
       </p:pic>
     </p:spTree>
     <p:extLst>
@@ -4043,7 +4604,7 @@
         </p:blipFill>
         <p:spPr>
           <a:xfrm>
-            <a:off x="5575907" y="4273511"/>
+            <a:off x="7099907" y="4273512"/>
             <a:ext cx="3459238" cy="2584489"/>
           </a:xfrm>
           <a:prstGeom prst="rect">
@@ -4615,7 +5176,7 @@
         </p:blipFill>
         <p:spPr>
           <a:xfrm>
-            <a:off x="5575907" y="4200941"/>
+            <a:off x="7099907" y="4200942"/>
             <a:ext cx="3459238" cy="2584489"/>
           </a:xfrm>
           <a:prstGeom prst="rect">
@@ -6401,7 +6962,7 @@
         </p:nvSpPr>
         <p:spPr>
           <a:xfrm>
-            <a:off x="1343247" y="1853609"/>
+            <a:off x="2867248" y="1853610"/>
             <a:ext cx="637953" cy="637953"/>
           </a:xfrm>
           <a:prstGeom prst="roundRect">
@@ -6448,7 +7009,7 @@
         </p:nvSpPr>
         <p:spPr>
           <a:xfrm>
-            <a:off x="705294" y="1853610"/>
+            <a:off x="2229295" y="1853611"/>
             <a:ext cx="637953" cy="637953"/>
           </a:xfrm>
           <a:prstGeom prst="roundRect">
@@ -6495,7 +7056,7 @@
         </p:nvSpPr>
         <p:spPr>
           <a:xfrm>
-            <a:off x="1981200" y="1864242"/>
+            <a:off x="3505201" y="1864243"/>
             <a:ext cx="637953" cy="637953"/>
           </a:xfrm>
           <a:prstGeom prst="roundRect">
@@ -6542,7 +7103,7 @@
         </p:nvSpPr>
         <p:spPr>
           <a:xfrm>
-            <a:off x="2612065" y="1874875"/>
+            <a:off x="4136066" y="1874876"/>
             <a:ext cx="637953" cy="637953"/>
           </a:xfrm>
           <a:prstGeom prst="roundRect">
@@ -6587,7 +7148,7 @@
         </p:nvSpPr>
         <p:spPr>
           <a:xfrm>
-            <a:off x="3260650" y="1864241"/>
+            <a:off x="4784651" y="1864242"/>
             <a:ext cx="637953" cy="637953"/>
           </a:xfrm>
           <a:prstGeom prst="roundRect">
@@ -6632,7 +7193,7 @@
         </p:nvSpPr>
         <p:spPr>
           <a:xfrm>
-            <a:off x="3900375" y="1864241"/>
+            <a:off x="5424376" y="1864242"/>
             <a:ext cx="637953" cy="637953"/>
           </a:xfrm>
           <a:prstGeom prst="roundRect">
@@ -6677,7 +7238,7 @@
         </p:nvSpPr>
         <p:spPr>
           <a:xfrm>
-            <a:off x="5179825" y="1864241"/>
+            <a:off x="6703826" y="1864242"/>
             <a:ext cx="637953" cy="637953"/>
           </a:xfrm>
           <a:prstGeom prst="roundRect">
@@ -6722,7 +7283,7 @@
         </p:nvSpPr>
         <p:spPr>
           <a:xfrm>
-            <a:off x="4541872" y="1864242"/>
+            <a:off x="6065873" y="1864243"/>
             <a:ext cx="637953" cy="637953"/>
           </a:xfrm>
           <a:prstGeom prst="roundRect">
@@ -6767,7 +7328,7 @@
         </p:nvSpPr>
         <p:spPr>
           <a:xfrm>
-            <a:off x="5817778" y="1874874"/>
+            <a:off x="7341779" y="1874875"/>
             <a:ext cx="637953" cy="637953"/>
           </a:xfrm>
           <a:prstGeom prst="roundRect">
@@ -6812,7 +7373,7 @@
         </p:nvSpPr>
         <p:spPr>
           <a:xfrm>
-            <a:off x="6448643" y="1885507"/>
+            <a:off x="7972644" y="1885508"/>
             <a:ext cx="637953" cy="637953"/>
           </a:xfrm>
           <a:prstGeom prst="roundRect">
@@ -6857,7 +7418,7 @@
         </p:nvSpPr>
         <p:spPr>
           <a:xfrm>
-            <a:off x="7097228" y="1874873"/>
+            <a:off x="8621229" y="1874874"/>
             <a:ext cx="637953" cy="637953"/>
           </a:xfrm>
           <a:prstGeom prst="roundRect">
@@ -6902,7 +7463,7 @@
         </p:nvSpPr>
         <p:spPr>
           <a:xfrm>
-            <a:off x="1339703" y="3382922"/>
+            <a:off x="2863704" y="3382923"/>
             <a:ext cx="637953" cy="637953"/>
           </a:xfrm>
           <a:prstGeom prst="roundRect">
@@ -6949,7 +7510,7 @@
         </p:nvSpPr>
         <p:spPr>
           <a:xfrm>
-            <a:off x="701750" y="3382923"/>
+            <a:off x="2225751" y="3382924"/>
             <a:ext cx="637953" cy="637953"/>
           </a:xfrm>
           <a:prstGeom prst="roundRect">
@@ -6996,7 +7557,7 @@
         </p:nvSpPr>
         <p:spPr>
           <a:xfrm>
-            <a:off x="1977656" y="3393555"/>
+            <a:off x="3501657" y="3393556"/>
             <a:ext cx="637953" cy="637953"/>
           </a:xfrm>
           <a:prstGeom prst="roundRect">
@@ -7043,7 +7604,7 @@
         </p:nvSpPr>
         <p:spPr>
           <a:xfrm>
-            <a:off x="2608521" y="3404188"/>
+            <a:off x="4132522" y="3404189"/>
             <a:ext cx="637953" cy="637953"/>
           </a:xfrm>
           <a:prstGeom prst="roundRect">
@@ -7090,7 +7651,7 @@
         </p:nvSpPr>
         <p:spPr>
           <a:xfrm>
-            <a:off x="3257106" y="3393554"/>
+            <a:off x="4781107" y="3393555"/>
             <a:ext cx="637953" cy="637953"/>
           </a:xfrm>
           <a:prstGeom prst="roundRect">
@@ -7135,7 +7696,7 @@
         </p:nvSpPr>
         <p:spPr>
           <a:xfrm>
-            <a:off x="3896831" y="3393554"/>
+            <a:off x="5420832" y="3393555"/>
             <a:ext cx="637953" cy="637953"/>
           </a:xfrm>
           <a:prstGeom prst="roundRect">
@@ -7180,7 +7741,7 @@
         </p:nvSpPr>
         <p:spPr>
           <a:xfrm>
-            <a:off x="5176281" y="3393554"/>
+            <a:off x="6700282" y="3393555"/>
             <a:ext cx="637953" cy="637953"/>
           </a:xfrm>
           <a:prstGeom prst="roundRect">
@@ -7225,7 +7786,7 @@
         </p:nvSpPr>
         <p:spPr>
           <a:xfrm>
-            <a:off x="4538328" y="3393555"/>
+            <a:off x="6062329" y="3393556"/>
             <a:ext cx="637953" cy="637953"/>
           </a:xfrm>
           <a:prstGeom prst="roundRect">
@@ -7270,7 +7831,7 @@
         </p:nvSpPr>
         <p:spPr>
           <a:xfrm>
-            <a:off x="5814234" y="3404187"/>
+            <a:off x="7338235" y="3404188"/>
             <a:ext cx="637953" cy="637953"/>
           </a:xfrm>
           <a:prstGeom prst="roundRect">
@@ -7315,7 +7876,7 @@
         </p:nvSpPr>
         <p:spPr>
           <a:xfrm>
-            <a:off x="6445099" y="3414820"/>
+            <a:off x="7969100" y="3414821"/>
             <a:ext cx="637953" cy="637953"/>
           </a:xfrm>
           <a:prstGeom prst="roundRect">
@@ -7360,7 +7921,7 @@
         </p:nvSpPr>
         <p:spPr>
           <a:xfrm>
-            <a:off x="7093684" y="3404186"/>
+            <a:off x="8617685" y="3404187"/>
             <a:ext cx="637953" cy="637953"/>
           </a:xfrm>
           <a:prstGeom prst="roundRect">
@@ -7405,7 +7966,7 @@
         </p:nvSpPr>
         <p:spPr>
           <a:xfrm>
-            <a:off x="1343247" y="5050466"/>
+            <a:off x="2867248" y="5050467"/>
             <a:ext cx="637953" cy="637953"/>
           </a:xfrm>
           <a:prstGeom prst="roundRect">
@@ -7452,7 +8013,7 @@
         </p:nvSpPr>
         <p:spPr>
           <a:xfrm>
-            <a:off x="705294" y="5050467"/>
+            <a:off x="2229295" y="5050468"/>
             <a:ext cx="637953" cy="637953"/>
           </a:xfrm>
           <a:prstGeom prst="roundRect">
@@ -7499,7 +8060,7 @@
         </p:nvSpPr>
         <p:spPr>
           <a:xfrm>
-            <a:off x="1981200" y="5061099"/>
+            <a:off x="3505201" y="5061100"/>
             <a:ext cx="637953" cy="637953"/>
           </a:xfrm>
           <a:prstGeom prst="roundRect">
@@ -7546,7 +8107,7 @@
         </p:nvSpPr>
         <p:spPr>
           <a:xfrm>
-            <a:off x="2612065" y="5071732"/>
+            <a:off x="4136066" y="5071733"/>
             <a:ext cx="637953" cy="637953"/>
           </a:xfrm>
           <a:prstGeom prst="roundRect">
@@ -7593,7 +8154,7 @@
         </p:nvSpPr>
         <p:spPr>
           <a:xfrm>
-            <a:off x="3260650" y="5061098"/>
+            <a:off x="4784651" y="5061099"/>
             <a:ext cx="637953" cy="637953"/>
           </a:xfrm>
           <a:prstGeom prst="roundRect">
@@ -7638,7 +8199,7 @@
         </p:nvSpPr>
         <p:spPr>
           <a:xfrm>
-            <a:off x="3900375" y="5061098"/>
+            <a:off x="5424376" y="5061099"/>
             <a:ext cx="637953" cy="637953"/>
           </a:xfrm>
           <a:prstGeom prst="roundRect">
@@ -7683,7 +8244,7 @@
         </p:nvSpPr>
         <p:spPr>
           <a:xfrm>
-            <a:off x="5179825" y="5061098"/>
+            <a:off x="6703826" y="5061099"/>
             <a:ext cx="637953" cy="637953"/>
           </a:xfrm>
           <a:prstGeom prst="roundRect">
@@ -7728,7 +8289,7 @@
         </p:nvSpPr>
         <p:spPr>
           <a:xfrm>
-            <a:off x="4541872" y="5061099"/>
+            <a:off x="6065873" y="5061100"/>
             <a:ext cx="637953" cy="637953"/>
           </a:xfrm>
           <a:prstGeom prst="roundRect">
@@ -7773,7 +8334,7 @@
         </p:nvSpPr>
         <p:spPr>
           <a:xfrm>
-            <a:off x="5817778" y="5071731"/>
+            <a:off x="7341779" y="5071732"/>
             <a:ext cx="637953" cy="637953"/>
           </a:xfrm>
           <a:prstGeom prst="roundRect">
@@ -7818,7 +8379,7 @@
         </p:nvSpPr>
         <p:spPr>
           <a:xfrm>
-            <a:off x="6448643" y="5082364"/>
+            <a:off x="7972644" y="5082365"/>
             <a:ext cx="637953" cy="637953"/>
           </a:xfrm>
           <a:prstGeom prst="roundRect">
@@ -7863,7 +8424,7 @@
         </p:nvSpPr>
         <p:spPr>
           <a:xfrm>
-            <a:off x="7097228" y="5071730"/>
+            <a:off x="8621229" y="5071731"/>
             <a:ext cx="637953" cy="637953"/>
           </a:xfrm>
           <a:prstGeom prst="roundRect">
@@ -7908,7 +8469,7 @@
         </p:nvSpPr>
         <p:spPr>
           <a:xfrm>
-            <a:off x="1695007" y="4497485"/>
+            <a:off x="3219008" y="4497485"/>
             <a:ext cx="565297" cy="414750"/>
           </a:xfrm>
           <a:prstGeom prst="curvedDownArrow">
@@ -7959,7 +8520,7 @@
         </p:nvSpPr>
         <p:spPr>
           <a:xfrm>
-            <a:off x="1110217" y="4497485"/>
+            <a:off x="2634218" y="4497485"/>
             <a:ext cx="565297" cy="414750"/>
           </a:xfrm>
           <a:prstGeom prst="curvedDownArrow">
@@ -8010,7 +8571,7 @@
         </p:nvSpPr>
         <p:spPr>
           <a:xfrm>
-            <a:off x="2279797" y="4497485"/>
+            <a:off x="3803798" y="4497485"/>
             <a:ext cx="565297" cy="414750"/>
           </a:xfrm>
           <a:prstGeom prst="curvedDownArrow">
@@ -8061,7 +8622,7 @@
         </p:nvSpPr>
         <p:spPr>
           <a:xfrm>
-            <a:off x="3586715" y="3012468"/>
+            <a:off x="5110715" y="3012468"/>
             <a:ext cx="4336444" cy="338554"/>
           </a:xfrm>
           <a:prstGeom prst="rect">
@@ -8134,7 +8695,7 @@
         </p:nvSpPr>
         <p:spPr>
           <a:xfrm>
-            <a:off x="2927499" y="4653465"/>
+            <a:off x="4451500" y="4653465"/>
             <a:ext cx="5009705" cy="338554"/>
           </a:xfrm>
           <a:prstGeom prst="rect">
@@ -8235,7 +8796,7 @@
         </p:nvSpPr>
         <p:spPr>
           <a:xfrm>
-            <a:off x="4185554" y="1507097"/>
+            <a:off x="5709555" y="1507097"/>
             <a:ext cx="3775393" cy="338554"/>
           </a:xfrm>
           <a:prstGeom prst="rect">
@@ -8342,7 +8903,7 @@
         </p:nvSpPr>
         <p:spPr>
           <a:xfrm>
-            <a:off x="457200" y="274638"/>
+            <a:off x="1981200" y="274638"/>
             <a:ext cx="8229600" cy="1143000"/>
           </a:xfrm>
         </p:spPr>
@@ -8372,7 +8933,7 @@
         </p:nvSpPr>
         <p:spPr>
           <a:xfrm>
-            <a:off x="1114645" y="2032545"/>
+            <a:off x="2638646" y="2032546"/>
             <a:ext cx="637953" cy="637953"/>
           </a:xfrm>
           <a:prstGeom prst="roundRect">
@@ -8419,7 +8980,7 @@
         </p:nvSpPr>
         <p:spPr>
           <a:xfrm>
-            <a:off x="2390551" y="2043177"/>
+            <a:off x="3914552" y="2043178"/>
             <a:ext cx="637953" cy="637953"/>
           </a:xfrm>
           <a:prstGeom prst="roundRect">
@@ -8466,7 +9027,7 @@
         </p:nvSpPr>
         <p:spPr>
           <a:xfrm>
-            <a:off x="3670001" y="2043176"/>
+            <a:off x="5194002" y="2043177"/>
             <a:ext cx="637953" cy="637953"/>
           </a:xfrm>
           <a:prstGeom prst="roundRect">
@@ -8516,7 +9077,7 @@
         </p:nvCxnSpPr>
         <p:spPr>
           <a:xfrm>
-            <a:off x="1752598" y="2351522"/>
+            <a:off x="3276599" y="2351522"/>
             <a:ext cx="637953" cy="10632"/>
           </a:xfrm>
           <a:prstGeom prst="straightConnector1">
@@ -8555,7 +9116,7 @@
         </p:nvCxnSpPr>
         <p:spPr>
           <a:xfrm>
-            <a:off x="3026732" y="2340889"/>
+            <a:off x="4550733" y="2340889"/>
             <a:ext cx="637953" cy="10632"/>
           </a:xfrm>
           <a:prstGeom prst="straightConnector1">
@@ -8594,7 +9155,7 @@
         </p:nvSpPr>
         <p:spPr>
           <a:xfrm>
-            <a:off x="1109329" y="3542411"/>
+            <a:off x="2633330" y="3542412"/>
             <a:ext cx="637953" cy="637953"/>
           </a:xfrm>
           <a:prstGeom prst="roundRect">
@@ -8641,7 +9202,7 @@
         </p:nvSpPr>
         <p:spPr>
           <a:xfrm>
-            <a:off x="2385235" y="3553043"/>
+            <a:off x="3909236" y="3553044"/>
             <a:ext cx="637953" cy="637953"/>
           </a:xfrm>
           <a:prstGeom prst="roundRect">
@@ -8688,7 +9249,7 @@
         </p:nvSpPr>
         <p:spPr>
           <a:xfrm>
-            <a:off x="3664685" y="3553042"/>
+            <a:off x="5188686" y="3553043"/>
             <a:ext cx="637953" cy="637953"/>
           </a:xfrm>
           <a:prstGeom prst="roundRect">
@@ -8735,7 +9296,7 @@
         </p:nvSpPr>
         <p:spPr>
           <a:xfrm>
-            <a:off x="4945907" y="3553043"/>
+            <a:off x="6469908" y="3553044"/>
             <a:ext cx="637953" cy="637953"/>
           </a:xfrm>
           <a:prstGeom prst="roundRect">
@@ -8785,7 +9346,7 @@
         </p:nvCxnSpPr>
         <p:spPr>
           <a:xfrm>
-            <a:off x="1747282" y="3861388"/>
+            <a:off x="3271283" y="3861388"/>
             <a:ext cx="637953" cy="10632"/>
           </a:xfrm>
           <a:prstGeom prst="straightConnector1">
@@ -8824,7 +9385,7 @@
         </p:nvCxnSpPr>
         <p:spPr>
           <a:xfrm>
-            <a:off x="3021416" y="3850755"/>
+            <a:off x="4545417" y="3850755"/>
             <a:ext cx="637953" cy="10632"/>
           </a:xfrm>
           <a:prstGeom prst="straightConnector1">
@@ -8863,7 +9424,7 @@
         </p:nvCxnSpPr>
         <p:spPr>
           <a:xfrm>
-            <a:off x="4338082" y="3856071"/>
+            <a:off x="5862083" y="3856071"/>
             <a:ext cx="637953" cy="10632"/>
           </a:xfrm>
           <a:prstGeom prst="straightConnector1">
@@ -8902,7 +9463,7 @@
         </p:nvSpPr>
         <p:spPr>
           <a:xfrm>
-            <a:off x="1460203" y="1561008"/>
+            <a:off x="2984204" y="1561009"/>
             <a:ext cx="1203251" cy="407681"/>
           </a:xfrm>
           <a:prstGeom prst="curvedDownArrow">
@@ -8953,7 +9514,7 @@
         </p:nvSpPr>
         <p:spPr>
           <a:xfrm>
-            <a:off x="2770664" y="1561007"/>
+            <a:off x="4294665" y="1561008"/>
             <a:ext cx="1203251" cy="407681"/>
           </a:xfrm>
           <a:prstGeom prst="curvedDownArrow">
@@ -9004,7 +9565,7 @@
         </p:nvSpPr>
         <p:spPr>
           <a:xfrm>
-            <a:off x="3723159" y="4213094"/>
+            <a:off x="5247159" y="4213094"/>
             <a:ext cx="4448654" cy="338554"/>
           </a:xfrm>
           <a:prstGeom prst="rect">
@@ -9091,7 +9652,7 @@
         </p:nvSpPr>
         <p:spPr>
           <a:xfrm>
-            <a:off x="3652281" y="5684882"/>
+            <a:off x="5176282" y="5684882"/>
             <a:ext cx="5121915" cy="338554"/>
           </a:xfrm>
           <a:prstGeom prst="rect">
@@ -9178,7 +9739,7 @@
         </p:nvSpPr>
         <p:spPr>
           <a:xfrm>
-            <a:off x="3723159" y="2666855"/>
+            <a:off x="5247160" y="2666855"/>
             <a:ext cx="3887603" cy="338554"/>
           </a:xfrm>
           <a:prstGeom prst="rect">
@@ -9265,7 +9826,7 @@
         </p:nvCxnSpPr>
         <p:spPr>
           <a:xfrm>
-            <a:off x="491756" y="2301903"/>
+            <a:off x="2015757" y="2301903"/>
             <a:ext cx="637953" cy="10632"/>
           </a:xfrm>
           <a:prstGeom prst="straightConnector1">
@@ -9304,7 +9865,7 @@
         </p:nvCxnSpPr>
         <p:spPr>
           <a:xfrm>
-            <a:off x="462516" y="3868456"/>
+            <a:off x="1986517" y="3868456"/>
             <a:ext cx="637953" cy="10632"/>
           </a:xfrm>
           <a:prstGeom prst="straightConnector1">
@@ -9343,7 +9904,7 @@
         </p:nvSpPr>
         <p:spPr>
           <a:xfrm>
-            <a:off x="1102241" y="4992099"/>
+            <a:off x="2626242" y="4992100"/>
             <a:ext cx="637953" cy="637953"/>
           </a:xfrm>
           <a:prstGeom prst="roundRect">
@@ -9390,7 +9951,7 @@
         </p:nvSpPr>
         <p:spPr>
           <a:xfrm>
-            <a:off x="2378147" y="5002731"/>
+            <a:off x="3902148" y="5002732"/>
             <a:ext cx="637953" cy="637953"/>
           </a:xfrm>
           <a:prstGeom prst="roundRect">
@@ -9437,7 +9998,7 @@
         </p:nvSpPr>
         <p:spPr>
           <a:xfrm>
-            <a:off x="3657597" y="5002730"/>
+            <a:off x="5181598" y="5002731"/>
             <a:ext cx="637953" cy="637953"/>
           </a:xfrm>
           <a:prstGeom prst="roundRect">
@@ -9484,7 +10045,7 @@
         </p:nvSpPr>
         <p:spPr>
           <a:xfrm>
-            <a:off x="4938819" y="5002731"/>
+            <a:off x="6462820" y="5002732"/>
             <a:ext cx="637953" cy="637953"/>
           </a:xfrm>
           <a:prstGeom prst="roundRect">
@@ -9534,7 +10095,7 @@
         </p:nvCxnSpPr>
         <p:spPr>
           <a:xfrm>
-            <a:off x="1740194" y="5311076"/>
+            <a:off x="3264195" y="5311076"/>
             <a:ext cx="637953" cy="10632"/>
           </a:xfrm>
           <a:prstGeom prst="straightConnector1">
@@ -9573,7 +10134,7 @@
         </p:nvCxnSpPr>
         <p:spPr>
           <a:xfrm>
-            <a:off x="3014328" y="5300443"/>
+            <a:off x="4538329" y="5300443"/>
             <a:ext cx="637953" cy="10632"/>
           </a:xfrm>
           <a:prstGeom prst="straightConnector1">
@@ -9612,7 +10173,7 @@
         </p:nvCxnSpPr>
         <p:spPr>
           <a:xfrm>
-            <a:off x="4330994" y="5305759"/>
+            <a:off x="5854995" y="5305759"/>
             <a:ext cx="637953" cy="10632"/>
           </a:xfrm>
           <a:prstGeom prst="straightConnector1">
@@ -9651,7 +10212,7 @@
         </p:nvCxnSpPr>
         <p:spPr>
           <a:xfrm>
-            <a:off x="455428" y="5318144"/>
+            <a:off x="1979429" y="5318144"/>
             <a:ext cx="637953" cy="10632"/>
           </a:xfrm>
           <a:prstGeom prst="straightConnector1">
@@ -9690,7 +10251,7 @@
         </p:nvSpPr>
         <p:spPr>
           <a:xfrm>
-            <a:off x="1352993" y="3072704"/>
+            <a:off x="2876994" y="3072705"/>
             <a:ext cx="1203251" cy="407681"/>
           </a:xfrm>
           <a:prstGeom prst="curvedDownArrow">
@@ -9741,7 +10302,7 @@
         </p:nvSpPr>
         <p:spPr>
           <a:xfrm>
-            <a:off x="2663454" y="3072703"/>
+            <a:off x="4187455" y="3072704"/>
             <a:ext cx="1203251" cy="407681"/>
           </a:xfrm>
           <a:prstGeom prst="curvedDownArrow">
@@ -9792,7 +10353,7 @@
         </p:nvSpPr>
         <p:spPr>
           <a:xfrm>
-            <a:off x="3973915" y="3074529"/>
+            <a:off x="5497916" y="3074530"/>
             <a:ext cx="1203251" cy="407681"/>
           </a:xfrm>
           <a:prstGeom prst="curvedDownArrow">
@@ -9943,7 +10504,7 @@
         </p:blipFill>
         <p:spPr>
           <a:xfrm>
-            <a:off x="5624287" y="4261416"/>
+            <a:off x="7148287" y="4261417"/>
             <a:ext cx="3459238" cy="2584489"/>
           </a:xfrm>
           <a:prstGeom prst="rect">
@@ -11774,7 +12335,7 @@
     </p:spTree>
     <p:extLst>
       <p:ext uri="{BB962C8B-B14F-4D97-AF65-F5344CB8AC3E}">
-        <p14:creationId xmlns:p14="http://schemas.microsoft.com/office/powerpoint/2010/main" val="1491299818"/>
+        <p14:creationId xmlns:p14="http://schemas.microsoft.com/office/powerpoint/2010/main" val="2434321197"/>
       </p:ext>
     </p:extLst>
   </p:cSld>
@@ -12039,7 +12600,7 @@
         </p:blipFill>
         <p:spPr>
           <a:xfrm>
-            <a:off x="5575907" y="4200941"/>
+            <a:off x="7099907" y="4200942"/>
             <a:ext cx="3459238" cy="2584489"/>
           </a:xfrm>
           <a:prstGeom prst="rect">
@@ -12993,7 +13554,7 @@
         <p:spPr/>
         <p:txBody>
           <a:bodyPr>
-            <a:normAutofit fontScale="70000" lnSpcReduction="20000"/>
+            <a:normAutofit fontScale="77500" lnSpcReduction="20000"/>
           </a:bodyPr>
           <a:lstStyle/>
           <a:p>
@@ -13853,7 +14414,7 @@
         </p:blipFill>
         <p:spPr>
           <a:xfrm>
-            <a:off x="6321388" y="4390570"/>
+            <a:off x="7845388" y="4390571"/>
             <a:ext cx="2822612" cy="2365073"/>
           </a:xfrm>
           <a:prstGeom prst="rect">
@@ -15604,7 +16165,12 @@
             <a:fillRect/>
           </a:stretch>
         </p:blipFill>
-        <p:spPr/>
+        <p:spPr>
+          <a:xfrm>
+            <a:off x="1415480" y="1700808"/>
+            <a:ext cx="9662864" cy="4525963"/>
+          </a:xfrm>
+        </p:spPr>
       </p:pic>
     </p:spTree>
     <p:extLst>
@@ -17627,7 +18193,7 @@
         <p:spPr/>
         <p:txBody>
           <a:bodyPr>
-            <a:normAutofit lnSpcReduction="10000"/>
+            <a:normAutofit/>
           </a:bodyPr>
           <a:lstStyle/>
           <a:p>
@@ -19349,7 +19915,12 @@
             <a:fillRect/>
           </a:stretch>
         </p:blipFill>
-        <p:spPr/>
+        <p:spPr>
+          <a:xfrm>
+            <a:off x="1660612" y="1700808"/>
+            <a:ext cx="8870776" cy="4525963"/>
+          </a:xfrm>
+        </p:spPr>
       </p:pic>
     </p:spTree>
     <p:extLst>
@@ -20678,12 +21249,7 @@
             <p:ph sz="half" idx="1"/>
           </p:nvPr>
         </p:nvSpPr>
-        <p:spPr>
-          <a:xfrm>
-            <a:off x="74428" y="1600200"/>
-            <a:ext cx="4421372" cy="4525963"/>
-          </a:xfrm>
-        </p:spPr>
+        <p:spPr/>
         <p:txBody>
           <a:bodyPr>
             <a:noAutofit/>
@@ -21145,12 +21711,7 @@
             <p:ph sz="half" idx="2"/>
           </p:nvPr>
         </p:nvSpPr>
-        <p:spPr>
-          <a:xfrm>
-            <a:off x="4648200" y="1600200"/>
-            <a:ext cx="4495800" cy="4525963"/>
-          </a:xfrm>
-        </p:spPr>
+        <p:spPr/>
         <p:txBody>
           <a:bodyPr>
             <a:noAutofit/>
@@ -21920,7 +22481,12 @@
             <a:fillRect/>
           </a:stretch>
         </p:blipFill>
-        <p:spPr/>
+        <p:spPr>
+          <a:xfrm>
+            <a:off x="1199456" y="1489867"/>
+            <a:ext cx="3830216" cy="4209415"/>
+          </a:xfrm>
+        </p:spPr>
       </p:pic>
       <p:pic>
         <p:nvPicPr>
@@ -21945,7 +22511,12 @@
             <a:fillRect/>
           </a:stretch>
         </p:blipFill>
-        <p:spPr/>
+        <p:spPr>
+          <a:xfrm>
+            <a:off x="5735960" y="1052736"/>
+            <a:ext cx="4973568" cy="5246043"/>
+          </a:xfrm>
+        </p:spPr>
       </p:pic>
       <p:sp>
         <p:nvSpPr>
@@ -21957,7 +22528,7 @@
         </p:nvSpPr>
         <p:spPr>
           <a:xfrm>
-            <a:off x="1765903" y="5867934"/>
+            <a:off x="3289904" y="5867935"/>
             <a:ext cx="7317619" cy="1207773"/>
           </a:xfrm>
           <a:prstGeom prst="rect">
@@ -22199,7 +22770,7 @@
         </p:blipFill>
         <p:spPr>
           <a:xfrm>
-            <a:off x="603241" y="1681237"/>
+            <a:off x="2127242" y="1681237"/>
             <a:ext cx="7814643" cy="3604380"/>
           </a:xfrm>
         </p:spPr>
@@ -22279,7 +22850,12 @@
             <a:fillRect/>
           </a:stretch>
         </p:blipFill>
-        <p:spPr/>
+        <p:spPr>
+          <a:xfrm>
+            <a:off x="1847528" y="1556792"/>
+            <a:ext cx="8496944" cy="4525963"/>
+          </a:xfrm>
+        </p:spPr>
       </p:pic>
     </p:spTree>
     <p:extLst>
@@ -22356,7 +22932,12 @@
             <a:fillRect/>
           </a:stretch>
         </p:blipFill>
-        <p:spPr/>
+        <p:spPr>
+          <a:xfrm>
+            <a:off x="1696616" y="1556792"/>
+            <a:ext cx="8798768" cy="4525963"/>
+          </a:xfrm>
+        </p:spPr>
       </p:pic>
     </p:spTree>
     <p:extLst>
@@ -22372,7 +22953,7 @@
 </file>
 
 <file path=ppt/theme/theme1.xml><?xml version="1.0" encoding="utf-8"?>
-<a:theme xmlns:a="http://schemas.openxmlformats.org/drawingml/2006/main" name="ING">
+<a:theme xmlns:a="http://schemas.openxmlformats.org/drawingml/2006/main" name="Nicola">
   <a:themeElements>
     <a:clrScheme name="Office">
       <a:dk1>
@@ -22688,5 +23269,588 @@
     </a:lnDef>
   </a:objectDefaults>
   <a:extraClrSchemeLst/>
+  <a:extLst>
+    <a:ext uri="{05A4C25C-085E-4340-85A3-A5531E510DB2}">
+      <thm15:themeFamily xmlns:thm15="http://schemas.microsoft.com/office/thememl/2012/main" name="00 - Java Introduction" id="{2D0C21C8-6F94-AC4C-8309-F1E5902B85F9}" vid="{1BB67297-C6B5-5C49-B905-92E04B265F5A}"/>
+    </a:ext>
+  </a:extLst>
+</a:theme>
+</file>
+
+<file path=ppt/theme/theme2.xml><?xml version="1.0" encoding="utf-8"?>
+<a:theme xmlns:a="http://schemas.openxmlformats.org/drawingml/2006/main" name="Tema di Office">
+  <a:themeElements>
+    <a:clrScheme name="Office">
+      <a:dk1>
+        <a:sysClr val="windowText" lastClr="000000"/>
+      </a:dk1>
+      <a:lt1>
+        <a:sysClr val="window" lastClr="FFFFFF"/>
+      </a:lt1>
+      <a:dk2>
+        <a:srgbClr val="1F497D"/>
+      </a:dk2>
+      <a:lt2>
+        <a:srgbClr val="EEECE1"/>
+      </a:lt2>
+      <a:accent1>
+        <a:srgbClr val="4F81BD"/>
+      </a:accent1>
+      <a:accent2>
+        <a:srgbClr val="C0504D"/>
+      </a:accent2>
+      <a:accent3>
+        <a:srgbClr val="9BBB59"/>
+      </a:accent3>
+      <a:accent4>
+        <a:srgbClr val="8064A2"/>
+      </a:accent4>
+      <a:accent5>
+        <a:srgbClr val="4BACC6"/>
+      </a:accent5>
+      <a:accent6>
+        <a:srgbClr val="F79646"/>
+      </a:accent6>
+      <a:hlink>
+        <a:srgbClr val="0000FF"/>
+      </a:hlink>
+      <a:folHlink>
+        <a:srgbClr val="800080"/>
+      </a:folHlink>
+    </a:clrScheme>
+    <a:fontScheme name="Office">
+      <a:majorFont>
+        <a:latin typeface="Calibri"/>
+        <a:ea typeface=""/>
+        <a:cs typeface=""/>
+        <a:font script="Jpan" typeface="ＭＳ Ｐゴシック"/>
+        <a:font script="Hang" typeface="맑은 고딕"/>
+        <a:font script="Hans" typeface="宋体"/>
+        <a:font script="Hant" typeface="新細明體"/>
+        <a:font script="Arab" typeface="Times New Roman"/>
+        <a:font script="Hebr" typeface="Times New Roman"/>
+        <a:font script="Thai" typeface="Angsana New"/>
+        <a:font script="Ethi" typeface="Nyala"/>
+        <a:font script="Beng" typeface="Vrinda"/>
+        <a:font script="Gujr" typeface="Shruti"/>
+        <a:font script="Khmr" typeface="MoolBoran"/>
+        <a:font script="Knda" typeface="Tunga"/>
+        <a:font script="Guru" typeface="Raavi"/>
+        <a:font script="Cans" typeface="Euphemia"/>
+        <a:font script="Cher" typeface="Plantagenet Cherokee"/>
+        <a:font script="Yiii" typeface="Microsoft Yi Baiti"/>
+        <a:font script="Tibt" typeface="Microsoft Himalaya"/>
+        <a:font script="Thaa" typeface="MV Boli"/>
+        <a:font script="Deva" typeface="Mangal"/>
+        <a:font script="Telu" typeface="Gautami"/>
+        <a:font script="Taml" typeface="Latha"/>
+        <a:font script="Syrc" typeface="Estrangelo Edessa"/>
+        <a:font script="Orya" typeface="Kalinga"/>
+        <a:font script="Mlym" typeface="Kartika"/>
+        <a:font script="Laoo" typeface="DokChampa"/>
+        <a:font script="Sinh" typeface="Iskoola Pota"/>
+        <a:font script="Mong" typeface="Mongolian Baiti"/>
+        <a:font script="Viet" typeface="Times New Roman"/>
+        <a:font script="Uigh" typeface="Microsoft Uighur"/>
+      </a:majorFont>
+      <a:minorFont>
+        <a:latin typeface="Calibri"/>
+        <a:ea typeface=""/>
+        <a:cs typeface=""/>
+        <a:font script="Jpan" typeface="ＭＳ Ｐゴシック"/>
+        <a:font script="Hang" typeface="맑은 고딕"/>
+        <a:font script="Hans" typeface="宋体"/>
+        <a:font script="Hant" typeface="新細明體"/>
+        <a:font script="Arab" typeface="Arial"/>
+        <a:font script="Hebr" typeface="Arial"/>
+        <a:font script="Thai" typeface="Cordia New"/>
+        <a:font script="Ethi" typeface="Nyala"/>
+        <a:font script="Beng" typeface="Vrinda"/>
+        <a:font script="Gujr" typeface="Shruti"/>
+        <a:font script="Khmr" typeface="DaunPenh"/>
+        <a:font script="Knda" typeface="Tunga"/>
+        <a:font script="Guru" typeface="Raavi"/>
+        <a:font script="Cans" typeface="Euphemia"/>
+        <a:font script="Cher" typeface="Plantagenet Cherokee"/>
+        <a:font script="Yiii" typeface="Microsoft Yi Baiti"/>
+        <a:font script="Tibt" typeface="Microsoft Himalaya"/>
+        <a:font script="Thaa" typeface="MV Boli"/>
+        <a:font script="Deva" typeface="Mangal"/>
+        <a:font script="Telu" typeface="Gautami"/>
+        <a:font script="Taml" typeface="Latha"/>
+        <a:font script="Syrc" typeface="Estrangelo Edessa"/>
+        <a:font script="Orya" typeface="Kalinga"/>
+        <a:font script="Mlym" typeface="Kartika"/>
+        <a:font script="Laoo" typeface="DokChampa"/>
+        <a:font script="Sinh" typeface="Iskoola Pota"/>
+        <a:font script="Mong" typeface="Mongolian Baiti"/>
+        <a:font script="Viet" typeface="Arial"/>
+        <a:font script="Uigh" typeface="Microsoft Uighur"/>
+      </a:minorFont>
+    </a:fontScheme>
+    <a:fmtScheme name="Office">
+      <a:fillStyleLst>
+        <a:solidFill>
+          <a:schemeClr val="phClr"/>
+        </a:solidFill>
+        <a:gradFill rotWithShape="1">
+          <a:gsLst>
+            <a:gs pos="0">
+              <a:schemeClr val="phClr">
+                <a:tint val="50000"/>
+                <a:satMod val="300000"/>
+              </a:schemeClr>
+            </a:gs>
+            <a:gs pos="35000">
+              <a:schemeClr val="phClr">
+                <a:tint val="37000"/>
+                <a:satMod val="300000"/>
+              </a:schemeClr>
+            </a:gs>
+            <a:gs pos="100000">
+              <a:schemeClr val="phClr">
+                <a:tint val="15000"/>
+                <a:satMod val="350000"/>
+              </a:schemeClr>
+            </a:gs>
+          </a:gsLst>
+          <a:lin ang="16200000" scaled="1"/>
+        </a:gradFill>
+        <a:gradFill rotWithShape="1">
+          <a:gsLst>
+            <a:gs pos="0">
+              <a:schemeClr val="phClr">
+                <a:shade val="51000"/>
+                <a:satMod val="130000"/>
+              </a:schemeClr>
+            </a:gs>
+            <a:gs pos="80000">
+              <a:schemeClr val="phClr">
+                <a:shade val="93000"/>
+                <a:satMod val="130000"/>
+              </a:schemeClr>
+            </a:gs>
+            <a:gs pos="100000">
+              <a:schemeClr val="phClr">
+                <a:shade val="94000"/>
+                <a:satMod val="135000"/>
+              </a:schemeClr>
+            </a:gs>
+          </a:gsLst>
+          <a:lin ang="16200000" scaled="0"/>
+        </a:gradFill>
+      </a:fillStyleLst>
+      <a:lnStyleLst>
+        <a:ln w="9525" cap="flat" cmpd="sng" algn="ctr">
+          <a:solidFill>
+            <a:schemeClr val="phClr">
+              <a:shade val="95000"/>
+              <a:satMod val="105000"/>
+            </a:schemeClr>
+          </a:solidFill>
+          <a:prstDash val="solid"/>
+        </a:ln>
+        <a:ln w="25400" cap="flat" cmpd="sng" algn="ctr">
+          <a:solidFill>
+            <a:schemeClr val="phClr"/>
+          </a:solidFill>
+          <a:prstDash val="solid"/>
+        </a:ln>
+        <a:ln w="38100" cap="flat" cmpd="sng" algn="ctr">
+          <a:solidFill>
+            <a:schemeClr val="phClr"/>
+          </a:solidFill>
+          <a:prstDash val="solid"/>
+        </a:ln>
+      </a:lnStyleLst>
+      <a:effectStyleLst>
+        <a:effectStyle>
+          <a:effectLst>
+            <a:outerShdw blurRad="40000" dist="20000" dir="5400000" rotWithShape="0">
+              <a:srgbClr val="000000">
+                <a:alpha val="38000"/>
+              </a:srgbClr>
+            </a:outerShdw>
+          </a:effectLst>
+        </a:effectStyle>
+        <a:effectStyle>
+          <a:effectLst>
+            <a:outerShdw blurRad="40000" dist="23000" dir="5400000" rotWithShape="0">
+              <a:srgbClr val="000000">
+                <a:alpha val="35000"/>
+              </a:srgbClr>
+            </a:outerShdw>
+          </a:effectLst>
+        </a:effectStyle>
+        <a:effectStyle>
+          <a:effectLst>
+            <a:outerShdw blurRad="40000" dist="23000" dir="5400000" rotWithShape="0">
+              <a:srgbClr val="000000">
+                <a:alpha val="35000"/>
+              </a:srgbClr>
+            </a:outerShdw>
+          </a:effectLst>
+          <a:scene3d>
+            <a:camera prst="orthographicFront">
+              <a:rot lat="0" lon="0" rev="0"/>
+            </a:camera>
+            <a:lightRig rig="threePt" dir="t">
+              <a:rot lat="0" lon="0" rev="1200000"/>
+            </a:lightRig>
+          </a:scene3d>
+          <a:sp3d>
+            <a:bevelT w="63500" h="25400"/>
+          </a:sp3d>
+        </a:effectStyle>
+      </a:effectStyleLst>
+      <a:bgFillStyleLst>
+        <a:solidFill>
+          <a:schemeClr val="phClr"/>
+        </a:solidFill>
+        <a:gradFill rotWithShape="1">
+          <a:gsLst>
+            <a:gs pos="0">
+              <a:schemeClr val="phClr">
+                <a:tint val="40000"/>
+                <a:satMod val="350000"/>
+              </a:schemeClr>
+            </a:gs>
+            <a:gs pos="40000">
+              <a:schemeClr val="phClr">
+                <a:tint val="45000"/>
+                <a:shade val="99000"/>
+                <a:satMod val="350000"/>
+              </a:schemeClr>
+            </a:gs>
+            <a:gs pos="100000">
+              <a:schemeClr val="phClr">
+                <a:shade val="20000"/>
+                <a:satMod val="255000"/>
+              </a:schemeClr>
+            </a:gs>
+          </a:gsLst>
+          <a:path path="circle">
+            <a:fillToRect l="50000" t="-80000" r="50000" b="180000"/>
+          </a:path>
+        </a:gradFill>
+        <a:gradFill rotWithShape="1">
+          <a:gsLst>
+            <a:gs pos="0">
+              <a:schemeClr val="phClr">
+                <a:tint val="80000"/>
+                <a:satMod val="300000"/>
+              </a:schemeClr>
+            </a:gs>
+            <a:gs pos="100000">
+              <a:schemeClr val="phClr">
+                <a:shade val="30000"/>
+                <a:satMod val="200000"/>
+              </a:schemeClr>
+            </a:gs>
+          </a:gsLst>
+          <a:path path="circle">
+            <a:fillToRect l="50000" t="50000" r="50000" b="50000"/>
+          </a:path>
+        </a:gradFill>
+      </a:bgFillStyleLst>
+    </a:fmtScheme>
+  </a:themeElements>
+  <a:objectDefaults/>
+  <a:extraClrSchemeLst/>
+</a:theme>
+</file>
+
+<file path=ppt/theme/theme3.xml><?xml version="1.0" encoding="utf-8"?>
+<a:theme xmlns:a="http://schemas.openxmlformats.org/drawingml/2006/main" name="Office Theme">
+  <a:themeElements>
+    <a:clrScheme name="Office">
+      <a:dk1>
+        <a:sysClr val="windowText" lastClr="000000"/>
+      </a:dk1>
+      <a:lt1>
+        <a:sysClr val="window" lastClr="FFFFFF"/>
+      </a:lt1>
+      <a:dk2>
+        <a:srgbClr val="44546A"/>
+      </a:dk2>
+      <a:lt2>
+        <a:srgbClr val="E7E6E6"/>
+      </a:lt2>
+      <a:accent1>
+        <a:srgbClr val="4472C4"/>
+      </a:accent1>
+      <a:accent2>
+        <a:srgbClr val="ED7D31"/>
+      </a:accent2>
+      <a:accent3>
+        <a:srgbClr val="A5A5A5"/>
+      </a:accent3>
+      <a:accent4>
+        <a:srgbClr val="FFC000"/>
+      </a:accent4>
+      <a:accent5>
+        <a:srgbClr val="5B9BD5"/>
+      </a:accent5>
+      <a:accent6>
+        <a:srgbClr val="70AD47"/>
+      </a:accent6>
+      <a:hlink>
+        <a:srgbClr val="0563C1"/>
+      </a:hlink>
+      <a:folHlink>
+        <a:srgbClr val="954F72"/>
+      </a:folHlink>
+    </a:clrScheme>
+    <a:fontScheme name="Office">
+      <a:majorFont>
+        <a:latin typeface="Calibri Light" panose="020F0302020204030204"/>
+        <a:ea typeface=""/>
+        <a:cs typeface=""/>
+        <a:font script="Jpan" typeface="游ゴシック Light"/>
+        <a:font script="Hang" typeface="맑은 고딕"/>
+        <a:font script="Hans" typeface="等线 Light"/>
+        <a:font script="Hant" typeface="新細明體"/>
+        <a:font script="Arab" typeface="Times New Roman"/>
+        <a:font script="Hebr" typeface="Times New Roman"/>
+        <a:font script="Thai" typeface="Angsana New"/>
+        <a:font script="Ethi" typeface="Nyala"/>
+        <a:font script="Beng" typeface="Vrinda"/>
+        <a:font script="Gujr" typeface="Shruti"/>
+        <a:font script="Khmr" typeface="MoolBoran"/>
+        <a:font script="Knda" typeface="Tunga"/>
+        <a:font script="Guru" typeface="Raavi"/>
+        <a:font script="Cans" typeface="Euphemia"/>
+        <a:font script="Cher" typeface="Plantagenet Cherokee"/>
+        <a:font script="Yiii" typeface="Microsoft Yi Baiti"/>
+        <a:font script="Tibt" typeface="Microsoft Himalaya"/>
+        <a:font script="Thaa" typeface="MV Boli"/>
+        <a:font script="Deva" typeface="Mangal"/>
+        <a:font script="Telu" typeface="Gautami"/>
+        <a:font script="Taml" typeface="Latha"/>
+        <a:font script="Syrc" typeface="Estrangelo Edessa"/>
+        <a:font script="Orya" typeface="Kalinga"/>
+        <a:font script="Mlym" typeface="Kartika"/>
+        <a:font script="Laoo" typeface="DokChampa"/>
+        <a:font script="Sinh" typeface="Iskoola Pota"/>
+        <a:font script="Mong" typeface="Mongolian Baiti"/>
+        <a:font script="Viet" typeface="Times New Roman"/>
+        <a:font script="Uigh" typeface="Microsoft Uighur"/>
+        <a:font script="Geor" typeface="Sylfaen"/>
+        <a:font script="Armn" typeface="Arial"/>
+        <a:font script="Bugi" typeface="Leelawadee UI"/>
+        <a:font script="Bopo" typeface="Microsoft JhengHei"/>
+        <a:font script="Java" typeface="Javanese Text"/>
+        <a:font script="Lisu" typeface="Segoe UI"/>
+        <a:font script="Mymr" typeface="Myanmar Text"/>
+        <a:font script="Nkoo" typeface="Ebrima"/>
+        <a:font script="Olck" typeface="Nirmala UI"/>
+        <a:font script="Osma" typeface="Ebrima"/>
+        <a:font script="Phag" typeface="Phagspa"/>
+        <a:font script="Syrn" typeface="Estrangelo Edessa"/>
+        <a:font script="Syrj" typeface="Estrangelo Edessa"/>
+        <a:font script="Syre" typeface="Estrangelo Edessa"/>
+        <a:font script="Sora" typeface="Nirmala UI"/>
+        <a:font script="Tale" typeface="Microsoft Tai Le"/>
+        <a:font script="Talu" typeface="Microsoft New Tai Lue"/>
+        <a:font script="Tfng" typeface="Ebrima"/>
+      </a:majorFont>
+      <a:minorFont>
+        <a:latin typeface="Calibri" panose="020F0502020204030204"/>
+        <a:ea typeface=""/>
+        <a:cs typeface=""/>
+        <a:font script="Jpan" typeface="游ゴシック"/>
+        <a:font script="Hang" typeface="맑은 고딕"/>
+        <a:font script="Hans" typeface="等线"/>
+        <a:font script="Hant" typeface="新細明體"/>
+        <a:font script="Arab" typeface="Arial"/>
+        <a:font script="Hebr" typeface="Arial"/>
+        <a:font script="Thai" typeface="Cordia New"/>
+        <a:font script="Ethi" typeface="Nyala"/>
+        <a:font script="Beng" typeface="Vrinda"/>
+        <a:font script="Gujr" typeface="Shruti"/>
+        <a:font script="Khmr" typeface="DaunPenh"/>
+        <a:font script="Knda" typeface="Tunga"/>
+        <a:font script="Guru" typeface="Raavi"/>
+        <a:font script="Cans" typeface="Euphemia"/>
+        <a:font script="Cher" typeface="Plantagenet Cherokee"/>
+        <a:font script="Yiii" typeface="Microsoft Yi Baiti"/>
+        <a:font script="Tibt" typeface="Microsoft Himalaya"/>
+        <a:font script="Thaa" typeface="MV Boli"/>
+        <a:font script="Deva" typeface="Mangal"/>
+        <a:font script="Telu" typeface="Gautami"/>
+        <a:font script="Taml" typeface="Latha"/>
+        <a:font script="Syrc" typeface="Estrangelo Edessa"/>
+        <a:font script="Orya" typeface="Kalinga"/>
+        <a:font script="Mlym" typeface="Kartika"/>
+        <a:font script="Laoo" typeface="DokChampa"/>
+        <a:font script="Sinh" typeface="Iskoola Pota"/>
+        <a:font script="Mong" typeface="Mongolian Baiti"/>
+        <a:font script="Viet" typeface="Arial"/>
+        <a:font script="Uigh" typeface="Microsoft Uighur"/>
+        <a:font script="Geor" typeface="Sylfaen"/>
+        <a:font script="Armn" typeface="Arial"/>
+        <a:font script="Bugi" typeface="Leelawadee UI"/>
+        <a:font script="Bopo" typeface="Microsoft JhengHei"/>
+        <a:font script="Java" typeface="Javanese Text"/>
+        <a:font script="Lisu" typeface="Segoe UI"/>
+        <a:font script="Mymr" typeface="Myanmar Text"/>
+        <a:font script="Nkoo" typeface="Ebrima"/>
+        <a:font script="Olck" typeface="Nirmala UI"/>
+        <a:font script="Osma" typeface="Ebrima"/>
+        <a:font script="Phag" typeface="Phagspa"/>
+        <a:font script="Syrn" typeface="Estrangelo Edessa"/>
+        <a:font script="Syrj" typeface="Estrangelo Edessa"/>
+        <a:font script="Syre" typeface="Estrangelo Edessa"/>
+        <a:font script="Sora" typeface="Nirmala UI"/>
+        <a:font script="Tale" typeface="Microsoft Tai Le"/>
+        <a:font script="Talu" typeface="Microsoft New Tai Lue"/>
+        <a:font script="Tfng" typeface="Ebrima"/>
+      </a:minorFont>
+    </a:fontScheme>
+    <a:fmtScheme name="Office">
+      <a:fillStyleLst>
+        <a:solidFill>
+          <a:schemeClr val="phClr"/>
+        </a:solidFill>
+        <a:gradFill rotWithShape="1">
+          <a:gsLst>
+            <a:gs pos="0">
+              <a:schemeClr val="phClr">
+                <a:lumMod val="110000"/>
+                <a:satMod val="105000"/>
+                <a:tint val="67000"/>
+              </a:schemeClr>
+            </a:gs>
+            <a:gs pos="50000">
+              <a:schemeClr val="phClr">
+                <a:lumMod val="105000"/>
+                <a:satMod val="103000"/>
+                <a:tint val="73000"/>
+              </a:schemeClr>
+            </a:gs>
+            <a:gs pos="100000">
+              <a:schemeClr val="phClr">
+                <a:lumMod val="105000"/>
+                <a:satMod val="109000"/>
+                <a:tint val="81000"/>
+              </a:schemeClr>
+            </a:gs>
+          </a:gsLst>
+          <a:lin ang="5400000" scaled="0"/>
+        </a:gradFill>
+        <a:gradFill rotWithShape="1">
+          <a:gsLst>
+            <a:gs pos="0">
+              <a:schemeClr val="phClr">
+                <a:satMod val="103000"/>
+                <a:lumMod val="102000"/>
+                <a:tint val="94000"/>
+              </a:schemeClr>
+            </a:gs>
+            <a:gs pos="50000">
+              <a:schemeClr val="phClr">
+                <a:satMod val="110000"/>
+                <a:lumMod val="100000"/>
+                <a:shade val="100000"/>
+              </a:schemeClr>
+            </a:gs>
+            <a:gs pos="100000">
+              <a:schemeClr val="phClr">
+                <a:lumMod val="99000"/>
+                <a:satMod val="120000"/>
+                <a:shade val="78000"/>
+              </a:schemeClr>
+            </a:gs>
+          </a:gsLst>
+          <a:lin ang="5400000" scaled="0"/>
+        </a:gradFill>
+      </a:fillStyleLst>
+      <a:lnStyleLst>
+        <a:ln w="6350" cap="flat" cmpd="sng" algn="ctr">
+          <a:solidFill>
+            <a:schemeClr val="phClr"/>
+          </a:solidFill>
+          <a:prstDash val="solid"/>
+          <a:miter lim="800000"/>
+        </a:ln>
+        <a:ln w="12700" cap="flat" cmpd="sng" algn="ctr">
+          <a:solidFill>
+            <a:schemeClr val="phClr"/>
+          </a:solidFill>
+          <a:prstDash val="solid"/>
+          <a:miter lim="800000"/>
+        </a:ln>
+        <a:ln w="19050" cap="flat" cmpd="sng" algn="ctr">
+          <a:solidFill>
+            <a:schemeClr val="phClr"/>
+          </a:solidFill>
+          <a:prstDash val="solid"/>
+          <a:miter lim="800000"/>
+        </a:ln>
+      </a:lnStyleLst>
+      <a:effectStyleLst>
+        <a:effectStyle>
+          <a:effectLst/>
+        </a:effectStyle>
+        <a:effectStyle>
+          <a:effectLst/>
+        </a:effectStyle>
+        <a:effectStyle>
+          <a:effectLst>
+            <a:outerShdw blurRad="57150" dist="19050" dir="5400000" algn="ctr" rotWithShape="0">
+              <a:srgbClr val="000000">
+                <a:alpha val="63000"/>
+              </a:srgbClr>
+            </a:outerShdw>
+          </a:effectLst>
+        </a:effectStyle>
+      </a:effectStyleLst>
+      <a:bgFillStyleLst>
+        <a:solidFill>
+          <a:schemeClr val="phClr"/>
+        </a:solidFill>
+        <a:solidFill>
+          <a:schemeClr val="phClr">
+            <a:tint val="95000"/>
+            <a:satMod val="170000"/>
+          </a:schemeClr>
+        </a:solidFill>
+        <a:gradFill rotWithShape="1">
+          <a:gsLst>
+            <a:gs pos="0">
+              <a:schemeClr val="phClr">
+                <a:tint val="93000"/>
+                <a:satMod val="150000"/>
+                <a:shade val="98000"/>
+                <a:lumMod val="102000"/>
+              </a:schemeClr>
+            </a:gs>
+            <a:gs pos="50000">
+              <a:schemeClr val="phClr">
+                <a:tint val="98000"/>
+                <a:satMod val="130000"/>
+                <a:shade val="90000"/>
+                <a:lumMod val="103000"/>
+              </a:schemeClr>
+            </a:gs>
+            <a:gs pos="100000">
+              <a:schemeClr val="phClr">
+                <a:shade val="63000"/>
+                <a:satMod val="120000"/>
+              </a:schemeClr>
+            </a:gs>
+          </a:gsLst>
+          <a:lin ang="5400000" scaled="0"/>
+        </a:gradFill>
+      </a:bgFillStyleLst>
+    </a:fmtScheme>
+  </a:themeElements>
+  <a:objectDefaults/>
+  <a:extraClrSchemeLst/>
+  <a:extLst>
+    <a:ext uri="{05A4C25C-085E-4340-85A3-A5531E510DB2}">
+      <thm15:themeFamily xmlns:thm15="http://schemas.microsoft.com/office/thememl/2012/main" name="Office Theme" id="{62F939B6-93AF-4DB8-9C6B-D6C7DFDC589F}" vid="{4A3C46E8-61CC-4603-A589-7422A47A8E4A}"/>
+    </a:ext>
+  </a:extLst>
 </a:theme>
 </file>
--- a/java/slides/ppt/04 - Java Data Structures.pptx
+++ b/java/slides/ppt/04 - Java Data Structures.pptx
@@ -5,10 +5,10 @@
     <p:sldMasterId id="2147483672" r:id="rId1"/>
   </p:sldMasterIdLst>
   <p:notesMasterIdLst>
-    <p:notesMasterId r:id="rId55"/>
+    <p:notesMasterId r:id="rId56"/>
   </p:notesMasterIdLst>
   <p:handoutMasterIdLst>
-    <p:handoutMasterId r:id="rId56"/>
+    <p:handoutMasterId r:id="rId57"/>
   </p:handoutMasterIdLst>
   <p:sldIdLst>
     <p:sldId id="256" r:id="rId2"/>
@@ -64,6 +64,7 @@
     <p:sldId id="308" r:id="rId52"/>
     <p:sldId id="331" r:id="rId53"/>
     <p:sldId id="330" r:id="rId54"/>
+    <p:sldId id="335" r:id="rId55"/>
   </p:sldIdLst>
   <p:sldSz cx="12192000" cy="6858000"/>
   <p:notesSz cx="6858000" cy="9144000"/>
@@ -275,7 +276,7 @@
           <a:p>
             <a:fld id="{5591E39A-28E5-5D4D-B97C-ECEB96F19817}" type="datetimeFigureOut">
               <a:rPr lang="en-IT" smtClean="0"/>
-              <a:t>29/09/21</a:t>
+              <a:t>04/10/21</a:t>
             </a:fld>
             <a:endParaRPr lang="en-IT"/>
           </a:p>
@@ -454,7 +455,7 @@
             <a:fld id="{BAEB7694-8561-4BE2-948D-EDF7A201F8BB}" type="datetimeFigureOut">
               <a:rPr lang="it-IT" smtClean="0"/>
               <a:pPr/>
-              <a:t>29/09/21</a:t>
+              <a:t>04/10/21</a:t>
             </a:fld>
             <a:endParaRPr lang="it-IT"/>
           </a:p>
@@ -22410,6 +22411,164 @@
     <p:extLst>
       <p:ext uri="{BB962C8B-B14F-4D97-AF65-F5344CB8AC3E}">
         <p14:creationId xmlns:p14="http://schemas.microsoft.com/office/powerpoint/2010/main" val="3214050206"/>
+      </p:ext>
+    </p:extLst>
+  </p:cSld>
+  <p:clrMapOvr>
+    <a:masterClrMapping/>
+  </p:clrMapOvr>
+</p:sld>
+</file>
+
+<file path=ppt/slides/slide54.xml><?xml version="1.0" encoding="utf-8"?>
+<p:sld xmlns:a="http://schemas.openxmlformats.org/drawingml/2006/main" xmlns:r="http://schemas.openxmlformats.org/officeDocument/2006/relationships" xmlns:p="http://schemas.openxmlformats.org/presentationml/2006/main">
+  <p:cSld>
+    <p:spTree>
+      <p:nvGrpSpPr>
+        <p:cNvPr id="1" name=""/>
+        <p:cNvGrpSpPr/>
+        <p:nvPr/>
+      </p:nvGrpSpPr>
+      <p:grpSpPr>
+        <a:xfrm>
+          <a:off x="0" y="0"/>
+          <a:ext cx="0" cy="0"/>
+          <a:chOff x="0" y="0"/>
+          <a:chExt cx="0" cy="0"/>
+        </a:xfrm>
+      </p:grpSpPr>
+      <p:sp>
+        <p:nvSpPr>
+          <p:cNvPr id="6" name="Title 5">
+            <a:extLst>
+              <a:ext uri="{FF2B5EF4-FFF2-40B4-BE49-F238E27FC236}">
+                <a16:creationId xmlns:a16="http://schemas.microsoft.com/office/drawing/2014/main" id="{24666001-5E82-AB47-BFD3-37D6D0490B78}"/>
+              </a:ext>
+            </a:extLst>
+          </p:cNvPr>
+          <p:cNvSpPr>
+            <a:spLocks noGrp="1"/>
+          </p:cNvSpPr>
+          <p:nvPr>
+            <p:ph type="title"/>
+          </p:nvPr>
+        </p:nvSpPr>
+        <p:spPr/>
+        <p:txBody>
+          <a:bodyPr/>
+          <a:lstStyle/>
+          <a:p>
+            <a:r>
+              <a:rPr lang="en-IT" dirty="0"/>
+              <a:t>Wisdom Pills</a:t>
+            </a:r>
+          </a:p>
+        </p:txBody>
+      </p:sp>
+      <p:sp>
+        <p:nvSpPr>
+          <p:cNvPr id="7" name="Content Placeholder 6">
+            <a:extLst>
+              <a:ext uri="{FF2B5EF4-FFF2-40B4-BE49-F238E27FC236}">
+                <a16:creationId xmlns:a16="http://schemas.microsoft.com/office/drawing/2014/main" id="{8FA15DEE-23D7-AF4C-9CBB-2EF980695DB7}"/>
+              </a:ext>
+            </a:extLst>
+          </p:cNvPr>
+          <p:cNvSpPr>
+            <a:spLocks noGrp="1"/>
+          </p:cNvSpPr>
+          <p:nvPr>
+            <p:ph idx="1"/>
+          </p:nvPr>
+        </p:nvSpPr>
+        <p:spPr/>
+        <p:txBody>
+          <a:bodyPr/>
+          <a:lstStyle/>
+          <a:p>
+            <a:r>
+              <a:rPr lang="en-GB" sz="2800" i="1" dirty="0"/>
+              <a:t>Making messes is always slower than staying clean</a:t>
+            </a:r>
+          </a:p>
+          <a:p>
+            <a:pPr marL="0" indent="0">
+              <a:buNone/>
+            </a:pPr>
+            <a:r>
+              <a:rPr lang="en-GB" sz="2800" b="1" i="1" dirty="0"/>
+              <a:t>	</a:t>
+            </a:r>
+            <a:r>
+              <a:rPr lang="en-GB" sz="2800" b="1" dirty="0"/>
+              <a:t>Clean Architecture, Robert C. Martin</a:t>
+            </a:r>
+            <a:endParaRPr lang="en-GB" sz="2800" i="1" dirty="0"/>
+          </a:p>
+          <a:p>
+            <a:endParaRPr lang="en-GB" sz="2800" dirty="0"/>
+          </a:p>
+          <a:p>
+            <a:r>
+              <a:rPr lang="en-GB" sz="2800" i="1" dirty="0"/>
+              <a:t>The only way to go fast, is to go well. </a:t>
+            </a:r>
+          </a:p>
+          <a:p>
+            <a:pPr marL="457200" lvl="1" indent="0">
+              <a:buNone/>
+            </a:pPr>
+            <a:r>
+              <a:rPr lang="en-GB" b="1" dirty="0"/>
+              <a:t>Clean Architecture, Robert C. Martin</a:t>
+            </a:r>
+            <a:endParaRPr lang="en-GB" i="1" dirty="0"/>
+          </a:p>
+          <a:p>
+            <a:pPr marL="457200" lvl="1" indent="0">
+              <a:buNone/>
+            </a:pPr>
+            <a:endParaRPr lang="en-GB" dirty="0"/>
+          </a:p>
+          <a:p>
+            <a:endParaRPr lang="en-IT" dirty="0"/>
+          </a:p>
+        </p:txBody>
+      </p:sp>
+      <p:sp>
+        <p:nvSpPr>
+          <p:cNvPr id="5" name="Slide Number Placeholder 4">
+            <a:extLst>
+              <a:ext uri="{FF2B5EF4-FFF2-40B4-BE49-F238E27FC236}">
+                <a16:creationId xmlns:a16="http://schemas.microsoft.com/office/drawing/2014/main" id="{C57DF635-1F59-E540-B67E-75161787A2D2}"/>
+              </a:ext>
+            </a:extLst>
+          </p:cNvPr>
+          <p:cNvSpPr>
+            <a:spLocks noGrp="1"/>
+          </p:cNvSpPr>
+          <p:nvPr>
+            <p:ph type="sldNum" sz="quarter" idx="12"/>
+          </p:nvPr>
+        </p:nvSpPr>
+        <p:spPr/>
+        <p:txBody>
+          <a:bodyPr/>
+          <a:lstStyle/>
+          <a:p>
+            <a:fld id="{D2040F39-7941-49A4-B48D-F201B18B6351}" type="slidenum">
+              <a:rPr lang="it-IT" smtClean="0"/>
+              <a:pPr/>
+              <a:t>54</a:t>
+            </a:fld>
+            <a:endParaRPr lang="it-IT" dirty="0"/>
+          </a:p>
+        </p:txBody>
+      </p:sp>
+    </p:spTree>
+    <p:extLst>
+      <p:ext uri="{BB962C8B-B14F-4D97-AF65-F5344CB8AC3E}">
+        <p14:creationId xmlns:p14="http://schemas.microsoft.com/office/powerpoint/2010/main" val="46185916"/>
       </p:ext>
     </p:extLst>
   </p:cSld>

--- a/java/slides/ppt/04 - Java Data Structures.pptx
+++ b/java/slides/ppt/04 - Java Data Structures.pptx
@@ -276,7 +276,7 @@
           <a:p>
             <a:fld id="{5591E39A-28E5-5D4D-B97C-ECEB96F19817}" type="datetimeFigureOut">
               <a:rPr lang="en-IT" smtClean="0"/>
-              <a:t>04/10/21</a:t>
+              <a:t>14/10/21</a:t>
             </a:fld>
             <a:endParaRPr lang="en-IT"/>
           </a:p>
@@ -455,7 +455,7 @@
             <a:fld id="{BAEB7694-8561-4BE2-948D-EDF7A201F8BB}" type="datetimeFigureOut">
               <a:rPr lang="it-IT" smtClean="0"/>
               <a:pPr/>
-              <a:t>04/10/21</a:t>
+              <a:t>14/10/21</a:t>
             </a:fld>
             <a:endParaRPr lang="it-IT"/>
           </a:p>
@@ -18175,9 +18175,10 @@
           <a:lstStyle/>
           <a:p>
             <a:r>
-              <a:rPr lang="en-US" dirty="0"/>
-              <a:t>Algorithms</a:t>
-            </a:r>
+              <a:rPr lang="en-US" dirty="0" err="1"/>
+              <a:t>java.util.Collections</a:t>
+            </a:r>
+            <a:endParaRPr lang="en-US" dirty="0"/>
           </a:p>
         </p:txBody>
       </p:sp>
@@ -18194,62 +18195,239 @@
         <p:spPr/>
         <p:txBody>
           <a:bodyPr>
-            <a:normAutofit/>
+            <a:normAutofit lnSpcReduction="10000"/>
           </a:bodyPr>
           <a:lstStyle/>
           <a:p>
             <a:r>
-              <a:rPr lang="en-US" sz="2400" dirty="0" err="1">
-                <a:solidFill>
-                  <a:srgbClr val="E46C0A"/>
-                </a:solidFill>
-              </a:rPr>
-              <a:t>java.util.Collections</a:t>
-            </a:r>
-            <a:r>
-              <a:rPr lang="en-US" sz="2400" dirty="0"/>
-              <a:t> provide frequently used utilities for manipulating collections (lists, sets, queues)</a:t>
-            </a:r>
-          </a:p>
-          <a:p>
-            <a:r>
-              <a:rPr lang="en-US" sz="2400" dirty="0" err="1">
-                <a:solidFill>
-                  <a:srgbClr val="E46C0A"/>
-                </a:solidFill>
-              </a:rPr>
+              <a:rPr lang="it-IT" sz="2800" i="1" dirty="0"/>
+              <a:t>Alter-ego of </a:t>
+            </a:r>
+            <a:r>
+              <a:rPr lang="it-IT" sz="2800" i="1" dirty="0" err="1"/>
               <a:t>java.util.Arrays</a:t>
             </a:r>
             <a:r>
-              <a:rPr lang="en-US" sz="2400" dirty="0"/>
-              <a:t> provide frequently used utilities for manipulating arrays</a:t>
-            </a:r>
-          </a:p>
-          <a:p>
-            <a:r>
-              <a:rPr lang="en-US" sz="2400" dirty="0"/>
-              <a:t>Both of them contain </a:t>
-            </a:r>
-            <a:r>
-              <a:rPr lang="en-US" sz="2400" dirty="0">
+              <a:rPr lang="it-IT" sz="2800" i="1" dirty="0"/>
+              <a:t> for </a:t>
+            </a:r>
+            <a:r>
+              <a:rPr lang="it-IT" sz="2800" i="1" dirty="0" err="1"/>
+              <a:t>Collections</a:t>
+            </a:r>
+            <a:endParaRPr lang="it-IT" sz="2800" i="1" dirty="0"/>
+          </a:p>
+          <a:p>
+            <a:r>
+              <a:rPr lang="it-IT" sz="2800" dirty="0" err="1"/>
+              <a:t>This</a:t>
+            </a:r>
+            <a:r>
+              <a:rPr lang="it-IT" sz="2800" dirty="0"/>
+              <a:t> </a:t>
+            </a:r>
+            <a:r>
+              <a:rPr lang="it-IT" sz="2800" dirty="0" err="1"/>
+              <a:t>class</a:t>
+            </a:r>
+            <a:r>
+              <a:rPr lang="it-IT" sz="2800" dirty="0"/>
+              <a:t> </a:t>
+            </a:r>
+            <a:r>
+              <a:rPr lang="it-IT" sz="2800" dirty="0" err="1"/>
+              <a:t>contains</a:t>
+            </a:r>
+            <a:r>
+              <a:rPr lang="it-IT" sz="2800" dirty="0"/>
+              <a:t> </a:t>
+            </a:r>
+            <a:r>
+              <a:rPr lang="it-IT" sz="2800" dirty="0" err="1"/>
+              <a:t>various</a:t>
+            </a:r>
+            <a:r>
+              <a:rPr lang="it-IT" sz="2800" dirty="0"/>
+              <a:t> </a:t>
+            </a:r>
+            <a:r>
+              <a:rPr lang="it-IT" sz="2800" dirty="0" err="1"/>
+              <a:t>methods</a:t>
+            </a:r>
+            <a:r>
+              <a:rPr lang="it-IT" sz="2800" dirty="0"/>
+              <a:t> for </a:t>
+            </a:r>
+            <a:r>
+              <a:rPr lang="it-IT" sz="2800" dirty="0" err="1"/>
+              <a:t>manipulating</a:t>
+            </a:r>
+            <a:r>
+              <a:rPr lang="it-IT" sz="2800" dirty="0"/>
+              <a:t> arrays </a:t>
+            </a:r>
+            <a:r>
+              <a:rPr lang="it-IT" sz="2800" dirty="0" err="1"/>
+              <a:t>such</a:t>
+            </a:r>
+            <a:r>
+              <a:rPr lang="it-IT" sz="2800" dirty="0"/>
+              <a:t> </a:t>
+            </a:r>
+            <a:r>
+              <a:rPr lang="it-IT" sz="2800" dirty="0" err="1"/>
+              <a:t>as</a:t>
+            </a:r>
+            <a:r>
+              <a:rPr lang="it-IT" sz="2800" dirty="0"/>
+              <a:t> </a:t>
+            </a:r>
+            <a:r>
+              <a:rPr lang="it-IT" sz="2800" dirty="0" err="1">
                 <a:solidFill>
                   <a:schemeClr val="accent6">
                     <a:lumMod val="75000"/>
                   </a:schemeClr>
                 </a:solidFill>
               </a:rPr>
-              <a:t>only static methods</a:t>
-            </a:r>
-            <a:r>
-              <a:rPr lang="en-US" sz="2400" dirty="0"/>
-              <a:t>!</a:t>
-            </a:r>
-          </a:p>
-          <a:p>
-            <a:pPr marL="0" indent="0">
-              <a:buNone/>
-            </a:pPr>
-            <a:endParaRPr lang="en-US" sz="2000" dirty="0">
+              <a:t>sorting</a:t>
+            </a:r>
+            <a:r>
+              <a:rPr lang="it-IT" sz="2800" dirty="0">
+                <a:solidFill>
+                  <a:schemeClr val="accent6">
+                    <a:lumMod val="75000"/>
+                  </a:schemeClr>
+                </a:solidFill>
+              </a:rPr>
+              <a:t>, </a:t>
+            </a:r>
+            <a:r>
+              <a:rPr lang="it-IT" sz="2800" dirty="0" err="1">
+                <a:solidFill>
+                  <a:schemeClr val="accent6">
+                    <a:lumMod val="75000"/>
+                  </a:schemeClr>
+                </a:solidFill>
+              </a:rPr>
+              <a:t>searching</a:t>
+            </a:r>
+            <a:r>
+              <a:rPr lang="it-IT" sz="2800" dirty="0">
+                <a:solidFill>
+                  <a:schemeClr val="accent6">
+                    <a:lumMod val="75000"/>
+                  </a:schemeClr>
+                </a:solidFill>
+              </a:rPr>
+              <a:t>, </a:t>
+            </a:r>
+            <a:r>
+              <a:rPr lang="it-IT" sz="2800" dirty="0" err="1">
+                <a:solidFill>
+                  <a:schemeClr val="accent6">
+                    <a:lumMod val="75000"/>
+                  </a:schemeClr>
+                </a:solidFill>
+              </a:rPr>
+              <a:t>filling</a:t>
+            </a:r>
+            <a:r>
+              <a:rPr lang="it-IT" sz="2800" dirty="0">
+                <a:solidFill>
+                  <a:schemeClr val="accent6">
+                    <a:lumMod val="75000"/>
+                  </a:schemeClr>
+                </a:solidFill>
+              </a:rPr>
+              <a:t>, </a:t>
+            </a:r>
+            <a:r>
+              <a:rPr lang="it-IT" sz="2800" dirty="0" err="1">
+                <a:solidFill>
+                  <a:schemeClr val="accent6">
+                    <a:lumMod val="75000"/>
+                  </a:schemeClr>
+                </a:solidFill>
+              </a:rPr>
+              <a:t>printing</a:t>
+            </a:r>
+            <a:r>
+              <a:rPr lang="it-IT" sz="2800" dirty="0">
+                <a:solidFill>
+                  <a:schemeClr val="accent6">
+                    <a:lumMod val="75000"/>
+                  </a:schemeClr>
+                </a:solidFill>
+              </a:rPr>
+              <a:t> or </a:t>
+            </a:r>
+            <a:r>
+              <a:rPr lang="it-IT" sz="2800" dirty="0" err="1">
+                <a:solidFill>
+                  <a:schemeClr val="accent6">
+                    <a:lumMod val="75000"/>
+                  </a:schemeClr>
+                </a:solidFill>
+              </a:rPr>
+              <a:t>being</a:t>
+            </a:r>
+            <a:r>
+              <a:rPr lang="it-IT" sz="2800" dirty="0">
+                <a:solidFill>
+                  <a:schemeClr val="accent6">
+                    <a:lumMod val="75000"/>
+                  </a:schemeClr>
+                </a:solidFill>
+              </a:rPr>
+              <a:t> </a:t>
+            </a:r>
+            <a:r>
+              <a:rPr lang="it-IT" sz="2800" dirty="0" err="1">
+                <a:solidFill>
+                  <a:schemeClr val="accent6">
+                    <a:lumMod val="75000"/>
+                  </a:schemeClr>
+                </a:solidFill>
+              </a:rPr>
+              <a:t>viewed</a:t>
+            </a:r>
+            <a:r>
+              <a:rPr lang="it-IT" sz="2800" dirty="0">
+                <a:solidFill>
+                  <a:schemeClr val="accent6">
+                    <a:lumMod val="75000"/>
+                  </a:schemeClr>
+                </a:solidFill>
+              </a:rPr>
+              <a:t> </a:t>
+            </a:r>
+            <a:r>
+              <a:rPr lang="it-IT" sz="2800" dirty="0" err="1">
+                <a:solidFill>
+                  <a:schemeClr val="accent6">
+                    <a:lumMod val="75000"/>
+                  </a:schemeClr>
+                </a:solidFill>
+              </a:rPr>
+              <a:t>as</a:t>
+            </a:r>
+            <a:r>
+              <a:rPr lang="it-IT" sz="2800" dirty="0">
+                <a:solidFill>
+                  <a:schemeClr val="accent6">
+                    <a:lumMod val="75000"/>
+                  </a:schemeClr>
+                </a:solidFill>
+              </a:rPr>
+              <a:t> an array</a:t>
+            </a:r>
+          </a:p>
+          <a:p>
+            <a:pPr marL="0" indent="0">
+              <a:buNone/>
+            </a:pPr>
+            <a:endParaRPr lang="en-US" sz="2400" dirty="0">
               <a:solidFill>
                 <a:srgbClr val="E46C0A"/>
               </a:solidFill>
@@ -18259,137 +18437,67 @@
           </a:p>
           <a:p>
             <a:r>
-              <a:rPr lang="en-US" sz="2000" dirty="0">
-                <a:solidFill>
-                  <a:srgbClr val="E46C0A"/>
-                </a:solidFill>
-                <a:latin typeface="Consolas"/>
-                <a:cs typeface="Consolas"/>
-              </a:rPr>
-              <a:t>sort</a:t>
-            </a:r>
-            <a:r>
-              <a:rPr lang="en-US" sz="2000" dirty="0">
-                <a:latin typeface="Consolas"/>
-                <a:cs typeface="Consolas"/>
-              </a:rPr>
-              <a:t>() - merge sort implementation, n log(n)</a:t>
-            </a:r>
-          </a:p>
-          <a:p>
-            <a:r>
-              <a:rPr lang="en-US" sz="2000" dirty="0" err="1">
-                <a:solidFill>
-                  <a:srgbClr val="E46C0A"/>
-                </a:solidFill>
-                <a:latin typeface="Consolas"/>
-                <a:cs typeface="Consolas"/>
+              <a:rPr lang="en-US" sz="2400" dirty="0">
+                <a:latin typeface="Calibri" panose="020F0502020204030204" pitchFamily="34" charset="0"/>
+                <a:cs typeface="Calibri" panose="020F0502020204030204" pitchFamily="34" charset="0"/>
+              </a:rPr>
+              <a:t>sort() - merge sort implementation, n log(n)</a:t>
+            </a:r>
+          </a:p>
+          <a:p>
+            <a:r>
+              <a:rPr lang="en-US" sz="2400" dirty="0" err="1">
+                <a:latin typeface="Calibri" panose="020F0502020204030204" pitchFamily="34" charset="0"/>
+                <a:cs typeface="Calibri" panose="020F0502020204030204" pitchFamily="34" charset="0"/>
               </a:rPr>
               <a:t>binarySearch</a:t>
             </a:r>
             <a:r>
-              <a:rPr lang="en-US" sz="2000" dirty="0">
-                <a:latin typeface="Consolas"/>
-                <a:cs typeface="Consolas"/>
+              <a:rPr lang="en-US" sz="2400" dirty="0">
+                <a:latin typeface="Calibri" panose="020F0502020204030204" pitchFamily="34" charset="0"/>
+                <a:cs typeface="Calibri" panose="020F0502020204030204" pitchFamily="34" charset="0"/>
               </a:rPr>
               <a:t>() - requires ordered collection</a:t>
             </a:r>
           </a:p>
           <a:p>
             <a:r>
-              <a:rPr lang="en-US" sz="2000" dirty="0">
-                <a:solidFill>
-                  <a:srgbClr val="E46C0A"/>
-                </a:solidFill>
-                <a:latin typeface="Consolas"/>
-                <a:cs typeface="Consolas"/>
-              </a:rPr>
-              <a:t>shuffle</a:t>
-            </a:r>
-            <a:r>
-              <a:rPr lang="en-US" sz="2000" dirty="0">
-                <a:latin typeface="Consolas"/>
-                <a:cs typeface="Consolas"/>
-              </a:rPr>
-              <a:t>() - unsort</a:t>
-            </a:r>
-          </a:p>
-          <a:p>
-            <a:r>
-              <a:rPr lang="en-US" sz="2000" dirty="0">
-                <a:solidFill>
-                  <a:srgbClr val="E46C0A"/>
-                </a:solidFill>
-                <a:latin typeface="Consolas"/>
-                <a:cs typeface="Consolas"/>
-              </a:rPr>
-              <a:t>reverse</a:t>
-            </a:r>
-            <a:r>
-              <a:rPr lang="en-US" sz="2000" dirty="0">
-                <a:latin typeface="Consolas"/>
-                <a:cs typeface="Consolas"/>
-              </a:rPr>
-              <a:t>() - requires ordered collection</a:t>
-            </a:r>
-          </a:p>
-          <a:p>
-            <a:r>
-              <a:rPr lang="en-US" sz="2000" dirty="0">
-                <a:solidFill>
-                  <a:srgbClr val="E46C0A"/>
-                </a:solidFill>
-                <a:latin typeface="Consolas"/>
-                <a:cs typeface="Consolas"/>
-              </a:rPr>
-              <a:t>rotate</a:t>
-            </a:r>
-            <a:r>
-              <a:rPr lang="en-US" sz="2000" dirty="0">
-                <a:latin typeface="Consolas"/>
-                <a:cs typeface="Consolas"/>
-              </a:rPr>
-              <a:t>() – rotate elements of a given distance</a:t>
-            </a:r>
-          </a:p>
-          <a:p>
-            <a:r>
-              <a:rPr lang="en-US" sz="2000" dirty="0">
-                <a:solidFill>
-                  <a:srgbClr val="E46C0A"/>
-                </a:solidFill>
-                <a:latin typeface="Consolas"/>
-                <a:cs typeface="Consolas"/>
-              </a:rPr>
-              <a:t>min</a:t>
-            </a:r>
-            <a:r>
-              <a:rPr lang="en-US" sz="2000" dirty="0">
-                <a:latin typeface="Consolas"/>
-                <a:cs typeface="Consolas"/>
-              </a:rPr>
-              <a:t>(), </a:t>
-            </a:r>
-            <a:r>
-              <a:rPr lang="en-US" sz="2000" dirty="0">
-                <a:solidFill>
-                  <a:srgbClr val="E46C0A"/>
-                </a:solidFill>
-                <a:latin typeface="Consolas"/>
-                <a:cs typeface="Consolas"/>
-              </a:rPr>
-              <a:t>max</a:t>
-            </a:r>
-            <a:r>
-              <a:rPr lang="en-US" sz="2000" dirty="0">
-                <a:latin typeface="Consolas"/>
-                <a:cs typeface="Consolas"/>
-              </a:rPr>
-              <a:t>() - in a collection </a:t>
-            </a:r>
-          </a:p>
-          <a:p>
-            <a:endParaRPr lang="en-US" sz="2000" dirty="0"/>
+              <a:rPr lang="en-US" sz="2400" dirty="0">
+                <a:latin typeface="Calibri" panose="020F0502020204030204" pitchFamily="34" charset="0"/>
+                <a:cs typeface="Calibri" panose="020F0502020204030204" pitchFamily="34" charset="0"/>
+              </a:rPr>
+              <a:t>shuffle() - unsort</a:t>
+            </a:r>
+          </a:p>
+          <a:p>
+            <a:r>
+              <a:rPr lang="en-US" sz="2400" dirty="0">
+                <a:latin typeface="Calibri" panose="020F0502020204030204" pitchFamily="34" charset="0"/>
+                <a:cs typeface="Calibri" panose="020F0502020204030204" pitchFamily="34" charset="0"/>
+              </a:rPr>
+              <a:t>reverse() - requires ordered collection</a:t>
+            </a:r>
+          </a:p>
+          <a:p>
+            <a:r>
+              <a:rPr lang="en-US" sz="2400" dirty="0">
+                <a:latin typeface="Calibri" panose="020F0502020204030204" pitchFamily="34" charset="0"/>
+                <a:cs typeface="Calibri" panose="020F0502020204030204" pitchFamily="34" charset="0"/>
+              </a:rPr>
+              <a:t>rotate() – rotate elements of a given distance</a:t>
+            </a:r>
+          </a:p>
+          <a:p>
+            <a:r>
+              <a:rPr lang="en-US" sz="2400" dirty="0">
+                <a:latin typeface="Calibri" panose="020F0502020204030204" pitchFamily="34" charset="0"/>
+                <a:cs typeface="Calibri" panose="020F0502020204030204" pitchFamily="34" charset="0"/>
+              </a:rPr>
+              <a:t>min(), max() - in a collection </a:t>
+            </a:r>
+          </a:p>
+          <a:p>
+            <a:endParaRPr lang="en-US" sz="2400" dirty="0"/>
           </a:p>
         </p:txBody>
       </p:sp>

--- a/java/slides/ppt/04 - Java Data Structures.pptx
+++ b/java/slides/ppt/04 - Java Data Structures.pptx
@@ -44,9 +44,9 @@
     <p:sldId id="333" r:id="rId32"/>
     <p:sldId id="321" r:id="rId33"/>
     <p:sldId id="322" r:id="rId34"/>
-    <p:sldId id="293" r:id="rId35"/>
-    <p:sldId id="294" r:id="rId36"/>
-    <p:sldId id="298" r:id="rId37"/>
+    <p:sldId id="294" r:id="rId35"/>
+    <p:sldId id="298" r:id="rId36"/>
+    <p:sldId id="293" r:id="rId37"/>
     <p:sldId id="300" r:id="rId38"/>
     <p:sldId id="274" r:id="rId39"/>
     <p:sldId id="275" r:id="rId40"/>
@@ -270,7 +270,7 @@
           <a:p>
             <a:fld id="{5591E39A-28E5-5D4D-B97C-ECEB96F19817}" type="datetimeFigureOut">
               <a:rPr lang="en-IT" smtClean="0"/>
-              <a:t>10/02/22</a:t>
+              <a:t>21/03/22</a:t>
             </a:fld>
             <a:endParaRPr lang="en-IT"/>
           </a:p>
@@ -449,7 +449,7 @@
             <a:fld id="{BAEB7694-8561-4BE2-948D-EDF7A201F8BB}" type="datetimeFigureOut">
               <a:rPr lang="it-IT" smtClean="0"/>
               <a:pPr/>
-              <a:t>10/02/22</a:t>
+              <a:t>21/03/22</a:t>
             </a:fld>
             <a:endParaRPr lang="it-IT"/>
           </a:p>
@@ -5756,7 +5756,7 @@
         <p:spPr/>
         <p:txBody>
           <a:bodyPr>
-            <a:normAutofit lnSpcReduction="10000"/>
+            <a:normAutofit fontScale="92500" lnSpcReduction="20000"/>
           </a:bodyPr>
           <a:lstStyle/>
           <a:p>
@@ -6008,14 +6008,7 @@
                 <a:latin typeface="Consolas" panose="020B0609020204030204" pitchFamily="49" charset="0"/>
                 <a:cs typeface="Consolas" panose="020B0609020204030204" pitchFamily="49" charset="0"/>
               </a:rPr>
-              <a:t>&lt;</a:t>
-            </a:r>
-            <a:r>
-              <a:rPr lang="it-IT" sz="2200" dirty="0" err="1">
-                <a:latin typeface="Consolas" panose="020B0609020204030204" pitchFamily="49" charset="0"/>
-                <a:cs typeface="Consolas" panose="020B0609020204030204" pitchFamily="49" charset="0"/>
-              </a:rPr>
-              <a:t>Integer</a:t>
+              <a:t>&lt;&gt;</a:t>
             </a:r>
             <a:r>
               <a:rPr lang="it-IT" sz="2200" dirty="0">
@@ -6027,7 +6020,7 @@
                 <a:latin typeface="Consolas" panose="020B0609020204030204" pitchFamily="49" charset="0"/>
                 <a:cs typeface="Consolas" panose="020B0609020204030204" pitchFamily="49" charset="0"/>
               </a:rPr>
-              <a:t>&gt;(</a:t>
+              <a:t>(</a:t>
             </a:r>
             <a:r>
               <a:rPr lang="it-IT" sz="2200" dirty="0" err="1">
@@ -6053,6 +6046,96 @@
               </a:rPr>
               <a:t>(14, 73, 18));</a:t>
             </a:r>
+          </a:p>
+          <a:p>
+            <a:pPr marL="0" indent="0">
+              <a:buNone/>
+            </a:pPr>
+            <a:r>
+              <a:rPr lang="it-IT" sz="2200" dirty="0">
+                <a:latin typeface="Consolas" panose="020B0609020204030204" pitchFamily="49" charset="0"/>
+                <a:cs typeface="Consolas" panose="020B0609020204030204" pitchFamily="49" charset="0"/>
+              </a:rPr>
+              <a:t>List&lt;</a:t>
+            </a:r>
+            <a:r>
+              <a:rPr lang="it-IT" sz="2200" dirty="0" err="1">
+                <a:latin typeface="Consolas" panose="020B0609020204030204" pitchFamily="49" charset="0"/>
+                <a:cs typeface="Consolas" panose="020B0609020204030204" pitchFamily="49" charset="0"/>
+              </a:rPr>
+              <a:t>Integer</a:t>
+            </a:r>
+            <a:r>
+              <a:rPr lang="it-IT" sz="2200" dirty="0">
+                <a:latin typeface="Consolas" panose="020B0609020204030204" pitchFamily="49" charset="0"/>
+                <a:cs typeface="Consolas" panose="020B0609020204030204" pitchFamily="49" charset="0"/>
+              </a:rPr>
+              <a:t>&gt; l = new </a:t>
+            </a:r>
+            <a:r>
+              <a:rPr lang="it-IT" sz="2200" dirty="0" err="1">
+                <a:latin typeface="Consolas" panose="020B0609020204030204" pitchFamily="49" charset="0"/>
+                <a:cs typeface="Consolas" panose="020B0609020204030204" pitchFamily="49" charset="0"/>
+              </a:rPr>
+              <a:t>ArrayList</a:t>
+            </a:r>
+            <a:r>
+              <a:rPr lang="it-IT" sz="2200" dirty="0">
+                <a:latin typeface="Consolas" panose="020B0609020204030204" pitchFamily="49" charset="0"/>
+                <a:cs typeface="Consolas" panose="020B0609020204030204" pitchFamily="49" charset="0"/>
+              </a:rPr>
+              <a:t>&lt;&gt;</a:t>
+            </a:r>
+            <a:r>
+              <a:rPr lang="it-IT" sz="2200" dirty="0">
+                <a:solidFill>
+                  <a:schemeClr val="accent6">
+                    <a:lumMod val="75000"/>
+                  </a:schemeClr>
+                </a:solidFill>
+                <a:latin typeface="Consolas" panose="020B0609020204030204" pitchFamily="49" charset="0"/>
+                <a:cs typeface="Consolas" panose="020B0609020204030204" pitchFamily="49" charset="0"/>
+              </a:rPr>
+              <a:t>(</a:t>
+            </a:r>
+            <a:r>
+              <a:rPr lang="it-IT" sz="2200" dirty="0" err="1">
+                <a:solidFill>
+                  <a:schemeClr val="accent6">
+                    <a:lumMod val="75000"/>
+                  </a:schemeClr>
+                </a:solidFill>
+                <a:latin typeface="Consolas" panose="020B0609020204030204" pitchFamily="49" charset="0"/>
+                <a:cs typeface="Consolas" panose="020B0609020204030204" pitchFamily="49" charset="0"/>
+              </a:rPr>
+              <a:t>List.of</a:t>
+            </a:r>
+            <a:r>
+              <a:rPr lang="it-IT" sz="2200" dirty="0">
+                <a:solidFill>
+                  <a:schemeClr val="accent6">
+                    <a:lumMod val="75000"/>
+                  </a:schemeClr>
+                </a:solidFill>
+                <a:latin typeface="Consolas" panose="020B0609020204030204" pitchFamily="49" charset="0"/>
+                <a:cs typeface="Consolas" panose="020B0609020204030204" pitchFamily="49" charset="0"/>
+              </a:rPr>
+              <a:t>(14, 73, 18));</a:t>
+            </a:r>
+          </a:p>
+          <a:p>
+            <a:pPr marL="0" indent="0">
+              <a:buNone/>
+            </a:pPr>
+            <a:endParaRPr lang="it-IT" sz="2200" dirty="0">
+              <a:solidFill>
+                <a:schemeClr val="accent6">
+                  <a:lumMod val="75000"/>
+                </a:schemeClr>
+              </a:solidFill>
+              <a:latin typeface="Consolas" panose="020B0609020204030204" pitchFamily="49" charset="0"/>
+              <a:cs typeface="Consolas" panose="020B0609020204030204" pitchFamily="49" charset="0"/>
+            </a:endParaRPr>
           </a:p>
           <a:p>
             <a:pPr marL="0" indent="0">
@@ -6251,259 +6334,12 @@
           </a:bodyPr>
           <a:lstStyle/>
           <a:p>
-            <a:pPr marL="0" indent="0">
-              <a:buNone/>
-            </a:pPr>
-            <a:r>
-              <a:rPr lang="en-US" sz="1400" dirty="0">
-                <a:solidFill>
-                  <a:schemeClr val="accent6">
-                    <a:lumMod val="75000"/>
-                  </a:schemeClr>
-                </a:solidFill>
-                <a:latin typeface="Consolas"/>
-                <a:cs typeface="Consolas"/>
-              </a:rPr>
-              <a:t>List&lt;Car&gt; garage = </a:t>
-            </a:r>
-          </a:p>
-          <a:p>
-            <a:pPr marL="0" indent="0">
-              <a:buNone/>
-            </a:pPr>
-            <a:r>
-              <a:rPr lang="en-US" sz="1400" dirty="0">
-                <a:solidFill>
-                  <a:schemeClr val="accent6">
-                    <a:lumMod val="75000"/>
-                  </a:schemeClr>
-                </a:solidFill>
-                <a:latin typeface="Consolas"/>
-                <a:cs typeface="Consolas"/>
-              </a:rPr>
-              <a:t>new </a:t>
-            </a:r>
-            <a:r>
-              <a:rPr lang="en-US" sz="1400" dirty="0" err="1">
-                <a:solidFill>
-                  <a:schemeClr val="accent6">
-                    <a:lumMod val="75000"/>
-                  </a:schemeClr>
-                </a:solidFill>
-                <a:latin typeface="Consolas"/>
-                <a:cs typeface="Consolas"/>
-              </a:rPr>
-              <a:t>ArrayList</a:t>
-            </a:r>
-            <a:r>
-              <a:rPr lang="en-US" sz="1400" dirty="0">
-                <a:solidFill>
-                  <a:schemeClr val="accent6">
-                    <a:lumMod val="75000"/>
-                  </a:schemeClr>
-                </a:solidFill>
-                <a:latin typeface="Consolas"/>
-                <a:cs typeface="Consolas"/>
-              </a:rPr>
-              <a:t>&lt;Car&gt;();</a:t>
-            </a:r>
-          </a:p>
-          <a:p>
-            <a:pPr marL="0" indent="0">
-              <a:buNone/>
-            </a:pPr>
-            <a:endParaRPr lang="en-US" sz="1400" dirty="0">
-              <a:latin typeface="Consolas"/>
-              <a:cs typeface="Consolas"/>
-            </a:endParaRPr>
-          </a:p>
-          <a:p>
-            <a:pPr marL="0" indent="0">
-              <a:buNone/>
-            </a:pPr>
-            <a:r>
-              <a:rPr lang="en-US" sz="1400" dirty="0" err="1">
-                <a:latin typeface="Consolas"/>
-                <a:cs typeface="Consolas"/>
-              </a:rPr>
-              <a:t>garage.add</a:t>
-            </a:r>
-            <a:r>
-              <a:rPr lang="en-US" sz="1400" dirty="0">
-                <a:latin typeface="Consolas"/>
-                <a:cs typeface="Consolas"/>
-              </a:rPr>
-              <a:t>(new Car());</a:t>
-            </a:r>
-          </a:p>
-          <a:p>
-            <a:pPr marL="0" indent="0">
-              <a:buNone/>
-            </a:pPr>
-            <a:r>
-              <a:rPr lang="en-US" sz="1400" dirty="0" err="1">
-                <a:latin typeface="Consolas"/>
-                <a:cs typeface="Consolas"/>
-              </a:rPr>
-              <a:t>garage.add</a:t>
-            </a:r>
-            <a:r>
-              <a:rPr lang="en-US" sz="1400" dirty="0">
-                <a:latin typeface="Consolas"/>
-                <a:cs typeface="Consolas"/>
-              </a:rPr>
-              <a:t>(new </a:t>
-            </a:r>
-            <a:r>
-              <a:rPr lang="en-US" sz="1400" dirty="0" err="1">
-                <a:latin typeface="Consolas"/>
-                <a:cs typeface="Consolas"/>
-              </a:rPr>
-              <a:t>SDCar</a:t>
-            </a:r>
-            <a:r>
-              <a:rPr lang="en-US" sz="1400" dirty="0">
-                <a:latin typeface="Consolas"/>
-                <a:cs typeface="Consolas"/>
-              </a:rPr>
-              <a:t>());</a:t>
-            </a:r>
-          </a:p>
-          <a:p>
-            <a:pPr marL="0" indent="0">
-              <a:buNone/>
-            </a:pPr>
-            <a:r>
-              <a:rPr lang="en-US" sz="1400" dirty="0" err="1">
-                <a:latin typeface="Consolas"/>
-                <a:cs typeface="Consolas"/>
-              </a:rPr>
-              <a:t>garage.add</a:t>
-            </a:r>
-            <a:r>
-              <a:rPr lang="en-US" sz="1400" dirty="0">
-                <a:latin typeface="Consolas"/>
-                <a:cs typeface="Consolas"/>
-              </a:rPr>
-              <a:t>(new </a:t>
-            </a:r>
-            <a:r>
-              <a:rPr lang="en-US" sz="1400" dirty="0" err="1">
-                <a:latin typeface="Consolas"/>
-                <a:cs typeface="Consolas"/>
-              </a:rPr>
-              <a:t>SDCar</a:t>
-            </a:r>
-            <a:r>
-              <a:rPr lang="en-US" sz="1400" dirty="0">
-                <a:latin typeface="Consolas"/>
-                <a:cs typeface="Consolas"/>
-              </a:rPr>
-              <a:t>());</a:t>
-            </a:r>
-          </a:p>
-          <a:p>
-            <a:pPr marL="0" indent="0">
-              <a:buNone/>
-            </a:pPr>
-            <a:r>
-              <a:rPr lang="en-US" sz="1400" dirty="0" err="1">
-                <a:latin typeface="Consolas"/>
-                <a:cs typeface="Consolas"/>
-              </a:rPr>
-              <a:t>garage.add</a:t>
-            </a:r>
-            <a:r>
-              <a:rPr lang="en-US" sz="1400" dirty="0">
-                <a:latin typeface="Consolas"/>
-                <a:cs typeface="Consolas"/>
-              </a:rPr>
-              <a:t>(new Car());</a:t>
-            </a:r>
-          </a:p>
-          <a:p>
-            <a:pPr marL="0" indent="0">
-              <a:buNone/>
-            </a:pPr>
-            <a:endParaRPr lang="en-US" sz="1400" dirty="0">
-              <a:latin typeface="Consolas"/>
-              <a:cs typeface="Consolas"/>
-            </a:endParaRPr>
-          </a:p>
-          <a:p>
-            <a:pPr marL="0" indent="0">
-              <a:buNone/>
-            </a:pPr>
-            <a:r>
-              <a:rPr lang="en-US" sz="1400" dirty="0">
-                <a:latin typeface="Consolas"/>
-                <a:cs typeface="Consolas"/>
-              </a:rPr>
-              <a:t>for(Car c : garage) {</a:t>
-            </a:r>
-          </a:p>
-          <a:p>
-            <a:pPr marL="0" indent="0">
-              <a:buNone/>
-            </a:pPr>
-            <a:r>
-              <a:rPr lang="en-US" sz="1400" dirty="0">
-                <a:latin typeface="Consolas"/>
-                <a:cs typeface="Consolas"/>
-              </a:rPr>
-              <a:t>	</a:t>
-            </a:r>
-            <a:r>
-              <a:rPr lang="en-US" sz="1400" dirty="0" err="1">
-                <a:latin typeface="Consolas"/>
-                <a:cs typeface="Consolas"/>
-              </a:rPr>
-              <a:t>c.turnOn</a:t>
-            </a:r>
-            <a:r>
-              <a:rPr lang="en-US" sz="1400" dirty="0">
-                <a:latin typeface="Consolas"/>
-                <a:cs typeface="Consolas"/>
-              </a:rPr>
-              <a:t>();</a:t>
-            </a:r>
-          </a:p>
-          <a:p>
-            <a:pPr marL="0" indent="0">
-              <a:buNone/>
-            </a:pPr>
-            <a:r>
-              <a:rPr lang="en-US" sz="1400" dirty="0">
-                <a:latin typeface="Consolas"/>
-                <a:cs typeface="Consolas"/>
-              </a:rPr>
-              <a:t>}</a:t>
-            </a:r>
-          </a:p>
-          <a:p>
-            <a:pPr marL="0" indent="0">
-              <a:buNone/>
-            </a:pPr>
-            <a:endParaRPr lang="en-US" sz="1400" dirty="0">
-              <a:latin typeface="Consolas"/>
-              <a:cs typeface="Consolas"/>
-            </a:endParaRPr>
-          </a:p>
-          <a:p>
-            <a:pPr marL="0" indent="0">
-              <a:buNone/>
-            </a:pPr>
-            <a:r>
-              <a:rPr lang="en-US" sz="1400" dirty="0">
-                <a:solidFill>
-                  <a:schemeClr val="accent6">
-                    <a:lumMod val="75000"/>
-                  </a:schemeClr>
-                </a:solidFill>
-                <a:latin typeface="Consolas"/>
-                <a:cs typeface="Consolas"/>
-              </a:rPr>
-              <a:t>/* Decoupling references from actual objects allows to change implementation (and related performance!) by changing a single line of code! */ </a:t>
+            <a:r>
+              <a:rPr lang="en-US" sz="2400" dirty="0">
+                <a:latin typeface="Calibri" panose="020F0502020204030204" pitchFamily="34" charset="0"/>
+                <a:cs typeface="Calibri" panose="020F0502020204030204" pitchFamily="34" charset="0"/>
+              </a:rPr>
+              <a:t>Decoupling references from actual objects allows to change implementation (and related performance!) by changing a single line of code! </a:t>
             </a:r>
           </a:p>
         </p:txBody>
@@ -6535,7 +6371,7 @@
               <a:buNone/>
             </a:pPr>
             <a:r>
-              <a:rPr lang="en-US" sz="1400" dirty="0">
+              <a:rPr lang="en-US" sz="1600" dirty="0">
                 <a:solidFill>
                   <a:schemeClr val="accent6">
                     <a:lumMod val="75000"/>
@@ -6544,15 +6380,15 @@
                 <a:latin typeface="Consolas"/>
                 <a:cs typeface="Consolas"/>
               </a:rPr>
-              <a:t>List&lt;Car&gt; garage = </a:t>
-            </a:r>
-          </a:p>
-          <a:p>
-            <a:pPr marL="0" indent="0">
-              <a:buNone/>
-            </a:pPr>
-            <a:r>
-              <a:rPr lang="en-US" sz="1400" dirty="0">
+              <a:t>List&lt;Car&gt; garage = new LinkedList&lt;Car&gt;();</a:t>
+            </a:r>
+          </a:p>
+          <a:p>
+            <a:pPr marL="0" indent="0">
+              <a:buNone/>
+            </a:pPr>
+            <a:r>
+              <a:rPr lang="en-US" sz="1600" dirty="0">
                 <a:solidFill>
                   <a:schemeClr val="accent6">
                     <a:lumMod val="75000"/>
@@ -6561,14 +6397,43 @@
                 <a:latin typeface="Consolas"/>
                 <a:cs typeface="Consolas"/>
               </a:rPr>
-              <a:t>new LinkedList&lt;Car&gt;();</a:t>
-            </a:r>
-          </a:p>
-          <a:p>
-            <a:pPr marL="0" indent="0">
-              <a:buNone/>
-            </a:pPr>
-            <a:endParaRPr lang="en-US" sz="1400" dirty="0">
+              <a:t>//List&lt;Car&gt; garage = new </a:t>
+            </a:r>
+            <a:r>
+              <a:rPr lang="en-US" sz="1600" dirty="0" err="1">
+                <a:solidFill>
+                  <a:schemeClr val="accent6">
+                    <a:lumMod val="75000"/>
+                  </a:schemeClr>
+                </a:solidFill>
+                <a:latin typeface="Consolas"/>
+                <a:cs typeface="Consolas"/>
+              </a:rPr>
+              <a:t>ArrayList</a:t>
+            </a:r>
+            <a:r>
+              <a:rPr lang="en-US" sz="1600" dirty="0">
+                <a:solidFill>
+                  <a:schemeClr val="accent6">
+                    <a:lumMod val="75000"/>
+                  </a:schemeClr>
+                </a:solidFill>
+                <a:latin typeface="Consolas"/>
+                <a:cs typeface="Consolas"/>
+              </a:rPr>
+              <a:t>&lt;Car&gt;();</a:t>
+            </a:r>
+          </a:p>
+          <a:p>
+            <a:pPr marL="0" indent="0">
+              <a:buNone/>
+            </a:pPr>
+            <a:endParaRPr lang="en-US" sz="1600" dirty="0">
+              <a:solidFill>
+                <a:schemeClr val="accent6">
+                  <a:lumMod val="75000"/>
+                </a:schemeClr>
+              </a:solidFill>
               <a:latin typeface="Consolas"/>
               <a:cs typeface="Consolas"/>
             </a:endParaRPr>
@@ -6577,111 +6442,7 @@
             <a:pPr marL="0" indent="0">
               <a:buNone/>
             </a:pPr>
-            <a:r>
-              <a:rPr lang="en-US" sz="1400" dirty="0" err="1">
-                <a:latin typeface="Consolas"/>
-                <a:cs typeface="Consolas"/>
-              </a:rPr>
-              <a:t>garage.add</a:t>
-            </a:r>
-            <a:r>
-              <a:rPr lang="en-US" sz="1400" dirty="0">
-                <a:latin typeface="Consolas"/>
-                <a:cs typeface="Consolas"/>
-              </a:rPr>
-              <a:t>(new Car());</a:t>
-            </a:r>
-          </a:p>
-          <a:p>
-            <a:pPr marL="0" indent="0">
-              <a:buNone/>
-            </a:pPr>
-            <a:r>
-              <a:rPr lang="en-US" sz="1400" dirty="0" err="1">
-                <a:latin typeface="Consolas"/>
-                <a:cs typeface="Consolas"/>
-              </a:rPr>
-              <a:t>garage.add</a:t>
-            </a:r>
-            <a:r>
-              <a:rPr lang="en-US" sz="1400" dirty="0">
-                <a:latin typeface="Consolas"/>
-                <a:cs typeface="Consolas"/>
-              </a:rPr>
-              <a:t>(new </a:t>
-            </a:r>
-            <a:r>
-              <a:rPr lang="en-US" sz="1400" dirty="0" err="1">
-                <a:latin typeface="Consolas"/>
-                <a:cs typeface="Consolas"/>
-              </a:rPr>
-              <a:t>SDCar</a:t>
-            </a:r>
-            <a:r>
-              <a:rPr lang="en-US" sz="1400" dirty="0">
-                <a:latin typeface="Consolas"/>
-                <a:cs typeface="Consolas"/>
-              </a:rPr>
-              <a:t>());</a:t>
-            </a:r>
-          </a:p>
-          <a:p>
-            <a:pPr marL="0" indent="0">
-              <a:buNone/>
-            </a:pPr>
-            <a:r>
-              <a:rPr lang="en-US" sz="1400" dirty="0" err="1">
-                <a:latin typeface="Consolas"/>
-                <a:cs typeface="Consolas"/>
-              </a:rPr>
-              <a:t>garage.add</a:t>
-            </a:r>
-            <a:r>
-              <a:rPr lang="en-US" sz="1400" dirty="0">
-                <a:latin typeface="Consolas"/>
-                <a:cs typeface="Consolas"/>
-              </a:rPr>
-              <a:t>(new </a:t>
-            </a:r>
-            <a:r>
-              <a:rPr lang="en-US" sz="1400" dirty="0" err="1">
-                <a:latin typeface="Consolas"/>
-                <a:cs typeface="Consolas"/>
-              </a:rPr>
-              <a:t>SDCar</a:t>
-            </a:r>
-            <a:r>
-              <a:rPr lang="en-US" sz="1400" dirty="0">
-                <a:latin typeface="Consolas"/>
-                <a:cs typeface="Consolas"/>
-              </a:rPr>
-              <a:t>());</a:t>
-            </a:r>
-          </a:p>
-          <a:p>
-            <a:pPr marL="0" indent="0">
-              <a:buNone/>
-            </a:pPr>
-            <a:r>
-              <a:rPr lang="en-US" sz="1400" dirty="0" err="1">
-                <a:latin typeface="Consolas"/>
-                <a:cs typeface="Consolas"/>
-              </a:rPr>
-              <a:t>garage.add</a:t>
-            </a:r>
-            <a:r>
-              <a:rPr lang="en-US" sz="1400" dirty="0">
-                <a:latin typeface="Consolas"/>
-                <a:cs typeface="Consolas"/>
-              </a:rPr>
-              <a:t>(new Car());</a:t>
-            </a:r>
-          </a:p>
-          <a:p>
-            <a:pPr marL="0" indent="0">
-              <a:buNone/>
-            </a:pPr>
-            <a:endParaRPr lang="en-US" sz="1400" dirty="0">
+            <a:endParaRPr lang="en-US" sz="1600" dirty="0">
               <a:latin typeface="Consolas"/>
               <a:cs typeface="Consolas"/>
             </a:endParaRPr>
@@ -6691,62 +6452,172 @@
               <a:buNone/>
             </a:pPr>
             <a:r>
-              <a:rPr lang="en-US" sz="1400" dirty="0">
-                <a:latin typeface="Consolas"/>
-                <a:cs typeface="Consolas"/>
-              </a:rPr>
-              <a:t>for(Car c : garage) {</a:t>
-            </a:r>
-          </a:p>
-          <a:p>
-            <a:pPr marL="0" indent="0">
-              <a:buNone/>
-            </a:pPr>
-            <a:r>
-              <a:rPr lang="en-US" sz="1400" dirty="0">
-                <a:latin typeface="Consolas"/>
-                <a:cs typeface="Consolas"/>
-              </a:rPr>
-              <a:t>	</a:t>
-            </a:r>
-            <a:r>
-              <a:rPr lang="en-US" sz="1400" dirty="0" err="1">
-                <a:latin typeface="Consolas"/>
-                <a:cs typeface="Consolas"/>
-              </a:rPr>
-              <a:t>c.turnOn</a:t>
-            </a:r>
-            <a:r>
-              <a:rPr lang="en-US" sz="1400" dirty="0">
-                <a:latin typeface="Consolas"/>
-                <a:cs typeface="Consolas"/>
-              </a:rPr>
-              <a:t>();</a:t>
-            </a:r>
-          </a:p>
-          <a:p>
-            <a:pPr marL="0" indent="0">
-              <a:buNone/>
-            </a:pPr>
-            <a:r>
-              <a:rPr lang="en-US" sz="1400" dirty="0">
-                <a:latin typeface="Consolas"/>
-                <a:cs typeface="Consolas"/>
-              </a:rPr>
-              <a:t>}</a:t>
-            </a:r>
-          </a:p>
-          <a:p>
-            <a:pPr marL="0" indent="0">
-              <a:buNone/>
-            </a:pPr>
-            <a:endParaRPr lang="en-US" sz="1400" dirty="0">
+              <a:rPr lang="en-US" sz="1600" dirty="0" err="1">
+                <a:latin typeface="Consolas"/>
+                <a:cs typeface="Consolas"/>
+              </a:rPr>
+              <a:t>garage.add</a:t>
+            </a:r>
+            <a:r>
+              <a:rPr lang="en-US" sz="1600" dirty="0">
+                <a:latin typeface="Consolas"/>
+                <a:cs typeface="Consolas"/>
+              </a:rPr>
+              <a:t>(new Car());</a:t>
+            </a:r>
+          </a:p>
+          <a:p>
+            <a:pPr marL="0" indent="0">
+              <a:buNone/>
+            </a:pPr>
+            <a:r>
+              <a:rPr lang="en-US" sz="1600" dirty="0" err="1">
+                <a:latin typeface="Consolas"/>
+                <a:cs typeface="Consolas"/>
+              </a:rPr>
+              <a:t>garage.add</a:t>
+            </a:r>
+            <a:r>
+              <a:rPr lang="en-US" sz="1600" dirty="0">
+                <a:latin typeface="Consolas"/>
+                <a:cs typeface="Consolas"/>
+              </a:rPr>
+              <a:t>(new </a:t>
+            </a:r>
+            <a:r>
+              <a:rPr lang="en-US" sz="1600" dirty="0" err="1">
+                <a:latin typeface="Consolas"/>
+                <a:cs typeface="Consolas"/>
+              </a:rPr>
+              <a:t>SDCar</a:t>
+            </a:r>
+            <a:r>
+              <a:rPr lang="en-US" sz="1600" dirty="0">
+                <a:latin typeface="Consolas"/>
+                <a:cs typeface="Consolas"/>
+              </a:rPr>
+              <a:t>());</a:t>
+            </a:r>
+          </a:p>
+          <a:p>
+            <a:pPr marL="0" indent="0">
+              <a:buNone/>
+            </a:pPr>
+            <a:r>
+              <a:rPr lang="en-US" sz="1600" dirty="0" err="1">
+                <a:latin typeface="Consolas"/>
+                <a:cs typeface="Consolas"/>
+              </a:rPr>
+              <a:t>garage.add</a:t>
+            </a:r>
+            <a:r>
+              <a:rPr lang="en-US" sz="1600" dirty="0">
+                <a:latin typeface="Consolas"/>
+                <a:cs typeface="Consolas"/>
+              </a:rPr>
+              <a:t>(new </a:t>
+            </a:r>
+            <a:r>
+              <a:rPr lang="en-US" sz="1600" dirty="0" err="1">
+                <a:latin typeface="Consolas"/>
+                <a:cs typeface="Consolas"/>
+              </a:rPr>
+              <a:t>SDCar</a:t>
+            </a:r>
+            <a:r>
+              <a:rPr lang="en-US" sz="1600" dirty="0">
+                <a:latin typeface="Consolas"/>
+                <a:cs typeface="Consolas"/>
+              </a:rPr>
+              <a:t>());</a:t>
+            </a:r>
+          </a:p>
+          <a:p>
+            <a:pPr marL="0" indent="0">
+              <a:buNone/>
+            </a:pPr>
+            <a:r>
+              <a:rPr lang="en-US" sz="1600" dirty="0" err="1">
+                <a:latin typeface="Consolas"/>
+                <a:cs typeface="Consolas"/>
+              </a:rPr>
+              <a:t>garage.add</a:t>
+            </a:r>
+            <a:r>
+              <a:rPr lang="en-US" sz="1600" dirty="0">
+                <a:latin typeface="Consolas"/>
+                <a:cs typeface="Consolas"/>
+              </a:rPr>
+              <a:t>(new Car());</a:t>
+            </a:r>
+          </a:p>
+          <a:p>
+            <a:pPr marL="0" indent="0">
+              <a:buNone/>
+            </a:pPr>
+            <a:endParaRPr lang="en-US" sz="1600" dirty="0">
               <a:latin typeface="Consolas"/>
               <a:cs typeface="Consolas"/>
             </a:endParaRPr>
           </a:p>
           <a:p>
-            <a:endParaRPr lang="it-IT" sz="1400" dirty="0"/>
+            <a:pPr marL="0" indent="0">
+              <a:buNone/>
+            </a:pPr>
+            <a:r>
+              <a:rPr lang="en-US" sz="1600" dirty="0">
+                <a:latin typeface="Consolas"/>
+                <a:cs typeface="Consolas"/>
+              </a:rPr>
+              <a:t>for(Car c : garage) {</a:t>
+            </a:r>
+          </a:p>
+          <a:p>
+            <a:pPr marL="0" indent="0">
+              <a:buNone/>
+            </a:pPr>
+            <a:r>
+              <a:rPr lang="en-US" sz="1600" dirty="0">
+                <a:latin typeface="Consolas"/>
+                <a:cs typeface="Consolas"/>
+              </a:rPr>
+              <a:t>	</a:t>
+            </a:r>
+            <a:r>
+              <a:rPr lang="en-US" sz="1600" dirty="0" err="1">
+                <a:latin typeface="Consolas"/>
+                <a:cs typeface="Consolas"/>
+              </a:rPr>
+              <a:t>c.turnOn</a:t>
+            </a:r>
+            <a:r>
+              <a:rPr lang="en-US" sz="1600" dirty="0">
+                <a:latin typeface="Consolas"/>
+                <a:cs typeface="Consolas"/>
+              </a:rPr>
+              <a:t>();</a:t>
+            </a:r>
+          </a:p>
+          <a:p>
+            <a:pPr marL="0" indent="0">
+              <a:buNone/>
+            </a:pPr>
+            <a:r>
+              <a:rPr lang="en-US" sz="1600" dirty="0">
+                <a:latin typeface="Consolas"/>
+                <a:cs typeface="Consolas"/>
+              </a:rPr>
+              <a:t>}</a:t>
+            </a:r>
+          </a:p>
+          <a:p>
+            <a:pPr marL="0" indent="0">
+              <a:buNone/>
+            </a:pPr>
+            <a:endParaRPr lang="en-US" sz="1600" dirty="0">
+              <a:latin typeface="Consolas"/>
+              <a:cs typeface="Consolas"/>
+            </a:endParaRPr>
           </a:p>
         </p:txBody>
       </p:sp>
@@ -10898,7 +10769,7 @@
             <a:pPr lvl="1"/>
             <a:r>
               <a:rPr lang="en-US" sz="2400" dirty="0"/>
-              <a:t>R-B trees as internal data structure </a:t>
+              <a:t>R-B trees as internal data structure (provide ordering) </a:t>
             </a:r>
           </a:p>
           <a:p>
@@ -11027,7 +10898,7 @@
                 <a:latin typeface="Consolas"/>
                 <a:cs typeface="Consolas"/>
               </a:rPr>
-              <a:t>&lt;String&gt;(</a:t>
+              <a:t>&lt;&gt;(</a:t>
             </a:r>
           </a:p>
           <a:p>
@@ -11046,111 +10917,63 @@
                 <a:latin typeface="Consolas"/>
                 <a:cs typeface="Consolas"/>
               </a:rPr>
-              <a:t>Arrays.asList</a:t>
+              <a:t>List.of</a:t>
             </a:r>
             <a:r>
               <a:rPr lang="en-US" sz="2000" dirty="0">
                 <a:latin typeface="Consolas"/>
                 <a:cs typeface="Consolas"/>
               </a:rPr>
-              <a:t>(“Nicola”, “</a:t>
+              <a:t>(“Nicola”, “Agata”, “</a:t>
             </a:r>
             <a:r>
               <a:rPr lang="en-US" sz="2000" dirty="0" err="1">
                 <a:latin typeface="Consolas"/>
                 <a:cs typeface="Consolas"/>
               </a:rPr>
-              <a:t>Agata</a:t>
+              <a:t>Marzia</a:t>
             </a:r>
             <a:r>
               <a:rPr lang="en-US" sz="2000" dirty="0">
                 <a:latin typeface="Consolas"/>
                 <a:cs typeface="Consolas"/>
               </a:rPr>
-              <a:t>”, “</a:t>
+              <a:t>”, “Agata”));</a:t>
+            </a:r>
+          </a:p>
+          <a:p>
+            <a:pPr marL="0" indent="0">
+              <a:buNone/>
+            </a:pPr>
+            <a:r>
+              <a:rPr lang="en-US" sz="2000" dirty="0">
+                <a:solidFill>
+                  <a:srgbClr val="E46C0A"/>
+                </a:solidFill>
+                <a:latin typeface="Consolas"/>
+                <a:cs typeface="Consolas"/>
+              </a:rPr>
+              <a:t>Set&lt;String&gt; </a:t>
             </a:r>
             <a:r>
               <a:rPr lang="en-US" sz="2000" dirty="0" err="1">
-                <a:latin typeface="Consolas"/>
-                <a:cs typeface="Consolas"/>
-              </a:rPr>
-              <a:t>Marzia</a:t>
+                <a:solidFill>
+                  <a:srgbClr val="E46C0A"/>
+                </a:solidFill>
+                <a:latin typeface="Consolas"/>
+                <a:cs typeface="Consolas"/>
+              </a:rPr>
+              <a:t>hs</a:t>
             </a:r>
             <a:r>
               <a:rPr lang="en-US" sz="2000" dirty="0">
-                <a:latin typeface="Consolas"/>
-                <a:cs typeface="Consolas"/>
-              </a:rPr>
-              <a:t>”, “</a:t>
-            </a:r>
-            <a:r>
-              <a:rPr lang="en-US" sz="2000" dirty="0" err="1">
-                <a:latin typeface="Consolas"/>
-                <a:cs typeface="Consolas"/>
-              </a:rPr>
-              <a:t>Agata</a:t>
-            </a:r>
-            <a:r>
-              <a:rPr lang="en-US" sz="2000" dirty="0">
-                <a:latin typeface="Consolas"/>
-                <a:cs typeface="Consolas"/>
-              </a:rPr>
-              <a:t>”));</a:t>
-            </a:r>
-          </a:p>
-          <a:p>
-            <a:pPr marL="0" indent="0">
-              <a:buNone/>
-            </a:pPr>
-            <a:r>
-              <a:rPr lang="en-US" sz="2000" dirty="0">
                 <a:solidFill>
                   <a:srgbClr val="E46C0A"/>
                 </a:solidFill>
                 <a:latin typeface="Consolas"/>
                 <a:cs typeface="Consolas"/>
               </a:rPr>
-              <a:t>Set&lt;String&gt; </a:t>
-            </a:r>
-            <a:r>
-              <a:rPr lang="en-US" sz="2000" dirty="0" err="1">
-                <a:solidFill>
-                  <a:srgbClr val="E46C0A"/>
-                </a:solidFill>
-                <a:latin typeface="Consolas"/>
-                <a:cs typeface="Consolas"/>
-              </a:rPr>
-              <a:t>hs</a:t>
-            </a:r>
-            <a:r>
-              <a:rPr lang="en-US" sz="2000" dirty="0">
-                <a:solidFill>
-                  <a:srgbClr val="E46C0A"/>
-                </a:solidFill>
-                <a:latin typeface="Consolas"/>
-                <a:cs typeface="Consolas"/>
-              </a:rPr>
-              <a:t> = new </a:t>
-            </a:r>
-            <a:r>
-              <a:rPr lang="en-US" sz="2000" dirty="0" err="1">
-                <a:solidFill>
-                  <a:srgbClr val="E46C0A"/>
-                </a:solidFill>
-                <a:latin typeface="Consolas"/>
-                <a:cs typeface="Consolas"/>
-              </a:rPr>
-              <a:t>HashSet</a:t>
-            </a:r>
-            <a:r>
-              <a:rPr lang="en-US" sz="2000" dirty="0">
-                <a:solidFill>
-                  <a:srgbClr val="E46C0A"/>
-                </a:solidFill>
-                <a:latin typeface="Consolas"/>
-                <a:cs typeface="Consolas"/>
-              </a:rPr>
-              <a:t>&lt;String&gt;(l);</a:t>
+              <a:t> = new HashSet&lt;&gt;(l);</a:t>
             </a:r>
           </a:p>
           <a:p>
@@ -11515,7 +11338,7 @@
                 <a:latin typeface="Consolas"/>
                 <a:cs typeface="Consolas"/>
               </a:rPr>
-              <a:t>&lt;String&gt;(</a:t>
+              <a:t>&lt;&gt;(</a:t>
             </a:r>
           </a:p>
           <a:p>
@@ -11534,111 +11357,83 @@
                 <a:latin typeface="Consolas"/>
                 <a:cs typeface="Consolas"/>
               </a:rPr>
-              <a:t>Arrays.asList</a:t>
+              <a:t>List.of</a:t>
             </a:r>
             <a:r>
               <a:rPr lang="en-US" sz="2000" dirty="0">
                 <a:latin typeface="Consolas"/>
                 <a:cs typeface="Consolas"/>
               </a:rPr>
-              <a:t>(“Nicola”, “</a:t>
+              <a:t>(“Nicola”, “Agata”, “</a:t>
             </a:r>
             <a:r>
               <a:rPr lang="en-US" sz="2000" dirty="0" err="1">
                 <a:latin typeface="Consolas"/>
                 <a:cs typeface="Consolas"/>
               </a:rPr>
-              <a:t>Agata</a:t>
+              <a:t>Marzia</a:t>
             </a:r>
             <a:r>
               <a:rPr lang="en-US" sz="2000" dirty="0">
                 <a:latin typeface="Consolas"/>
                 <a:cs typeface="Consolas"/>
               </a:rPr>
-              <a:t>”, “</a:t>
+              <a:t>”, “Agata”));</a:t>
+            </a:r>
+          </a:p>
+          <a:p>
+            <a:pPr marL="0" indent="0">
+              <a:buNone/>
+            </a:pPr>
+            <a:r>
+              <a:rPr lang="en-US" sz="2000" dirty="0">
+                <a:solidFill>
+                  <a:srgbClr val="E46C0A"/>
+                </a:solidFill>
+                <a:latin typeface="Consolas"/>
+                <a:cs typeface="Consolas"/>
+              </a:rPr>
+              <a:t>Set&lt;String&gt; </a:t>
             </a:r>
             <a:r>
               <a:rPr lang="en-US" sz="2000" dirty="0" err="1">
-                <a:latin typeface="Consolas"/>
-                <a:cs typeface="Consolas"/>
-              </a:rPr>
-              <a:t>Marzia</a:t>
+                <a:solidFill>
+                  <a:srgbClr val="E46C0A"/>
+                </a:solidFill>
+                <a:latin typeface="Consolas"/>
+                <a:cs typeface="Consolas"/>
+              </a:rPr>
+              <a:t>lhs</a:t>
             </a:r>
             <a:r>
               <a:rPr lang="en-US" sz="2000" dirty="0">
-                <a:latin typeface="Consolas"/>
-                <a:cs typeface="Consolas"/>
-              </a:rPr>
-              <a:t>”, “</a:t>
+                <a:solidFill>
+                  <a:srgbClr val="E46C0A"/>
+                </a:solidFill>
+                <a:latin typeface="Consolas"/>
+                <a:cs typeface="Consolas"/>
+              </a:rPr>
+              <a:t> = new </a:t>
             </a:r>
             <a:r>
               <a:rPr lang="en-US" sz="2000" dirty="0" err="1">
-                <a:latin typeface="Consolas"/>
-                <a:cs typeface="Consolas"/>
-              </a:rPr>
-              <a:t>Agata</a:t>
+                <a:solidFill>
+                  <a:srgbClr val="E46C0A"/>
+                </a:solidFill>
+                <a:latin typeface="Consolas"/>
+                <a:cs typeface="Consolas"/>
+              </a:rPr>
+              <a:t>LinkedHashSet</a:t>
             </a:r>
             <a:r>
               <a:rPr lang="en-US" sz="2000" dirty="0">
-                <a:latin typeface="Consolas"/>
-                <a:cs typeface="Consolas"/>
-              </a:rPr>
-              <a:t>”));</a:t>
-            </a:r>
-          </a:p>
-          <a:p>
-            <a:pPr marL="0" indent="0">
-              <a:buNone/>
-            </a:pPr>
-            <a:r>
-              <a:rPr lang="en-US" sz="2000" dirty="0">
                 <a:solidFill>
                   <a:srgbClr val="E46C0A"/>
                 </a:solidFill>
                 <a:latin typeface="Consolas"/>
                 <a:cs typeface="Consolas"/>
               </a:rPr>
-              <a:t>Set&lt;String&gt; </a:t>
-            </a:r>
-            <a:r>
-              <a:rPr lang="en-US" sz="2000" dirty="0" err="1">
-                <a:solidFill>
-                  <a:srgbClr val="E46C0A"/>
-                </a:solidFill>
-                <a:latin typeface="Consolas"/>
-                <a:cs typeface="Consolas"/>
-              </a:rPr>
-              <a:t>lhs</a:t>
-            </a:r>
-            <a:r>
-              <a:rPr lang="en-US" sz="2000" dirty="0">
-                <a:solidFill>
-                  <a:srgbClr val="E46C0A"/>
-                </a:solidFill>
-                <a:latin typeface="Consolas"/>
-                <a:cs typeface="Consolas"/>
-              </a:rPr>
-              <a:t> = new </a:t>
-            </a:r>
-            <a:r>
-              <a:rPr lang="en-US" sz="2000" dirty="0" err="1">
-                <a:solidFill>
-                  <a:srgbClr val="E46C0A"/>
-                </a:solidFill>
-                <a:latin typeface="Consolas"/>
-                <a:cs typeface="Consolas"/>
-              </a:rPr>
-              <a:t>LinkedHashSet</a:t>
-            </a:r>
-            <a:r>
-              <a:rPr lang="en-US" sz="2000" dirty="0">
-                <a:solidFill>
-                  <a:srgbClr val="E46C0A"/>
-                </a:solidFill>
-                <a:latin typeface="Consolas"/>
-                <a:cs typeface="Consolas"/>
-              </a:rPr>
-              <a:t>&lt;String&gt;(l);</a:t>
+              <a:t>&lt;&gt;(l);</a:t>
             </a:r>
           </a:p>
           <a:p>
@@ -11989,7 +11784,7 @@
                 <a:latin typeface="Consolas"/>
                 <a:cs typeface="Consolas"/>
               </a:rPr>
-              <a:t>&lt;String&gt;(</a:t>
+              <a:t>&lt;&gt;(</a:t>
             </a:r>
           </a:p>
           <a:p>
@@ -12008,111 +11803,83 @@
                 <a:latin typeface="Consolas"/>
                 <a:cs typeface="Consolas"/>
               </a:rPr>
-              <a:t>Arrays.asList</a:t>
+              <a:t>List.of</a:t>
             </a:r>
             <a:r>
               <a:rPr lang="en-US" sz="2000" dirty="0">
                 <a:latin typeface="Consolas"/>
                 <a:cs typeface="Consolas"/>
               </a:rPr>
-              <a:t>(“Nicola”, “</a:t>
+              <a:t>(“Nicola”, “Agata”, “</a:t>
             </a:r>
             <a:r>
               <a:rPr lang="en-US" sz="2000" dirty="0" err="1">
                 <a:latin typeface="Consolas"/>
                 <a:cs typeface="Consolas"/>
               </a:rPr>
-              <a:t>Agata</a:t>
+              <a:t>Marzia</a:t>
             </a:r>
             <a:r>
               <a:rPr lang="en-US" sz="2000" dirty="0">
                 <a:latin typeface="Consolas"/>
                 <a:cs typeface="Consolas"/>
               </a:rPr>
-              <a:t>”, “</a:t>
+              <a:t>”, “Agata”));</a:t>
+            </a:r>
+          </a:p>
+          <a:p>
+            <a:pPr marL="0" indent="0">
+              <a:buNone/>
+            </a:pPr>
+            <a:r>
+              <a:rPr lang="en-US" sz="2000" dirty="0">
+                <a:solidFill>
+                  <a:srgbClr val="E46C0A"/>
+                </a:solidFill>
+                <a:latin typeface="Consolas"/>
+                <a:cs typeface="Consolas"/>
+              </a:rPr>
+              <a:t>Set&lt;String&gt; </a:t>
             </a:r>
             <a:r>
               <a:rPr lang="en-US" sz="2000" dirty="0" err="1">
-                <a:latin typeface="Consolas"/>
-                <a:cs typeface="Consolas"/>
-              </a:rPr>
-              <a:t>Marzia</a:t>
+                <a:solidFill>
+                  <a:srgbClr val="E46C0A"/>
+                </a:solidFill>
+                <a:latin typeface="Consolas"/>
+                <a:cs typeface="Consolas"/>
+              </a:rPr>
+              <a:t>ts</a:t>
             </a:r>
             <a:r>
               <a:rPr lang="en-US" sz="2000" dirty="0">
-                <a:latin typeface="Consolas"/>
-                <a:cs typeface="Consolas"/>
-              </a:rPr>
-              <a:t>”, “</a:t>
+                <a:solidFill>
+                  <a:srgbClr val="E46C0A"/>
+                </a:solidFill>
+                <a:latin typeface="Consolas"/>
+                <a:cs typeface="Consolas"/>
+              </a:rPr>
+              <a:t> = new </a:t>
             </a:r>
             <a:r>
               <a:rPr lang="en-US" sz="2000" dirty="0" err="1">
-                <a:latin typeface="Consolas"/>
-                <a:cs typeface="Consolas"/>
-              </a:rPr>
-              <a:t>Agata</a:t>
+                <a:solidFill>
+                  <a:srgbClr val="E46C0A"/>
+                </a:solidFill>
+                <a:latin typeface="Consolas"/>
+                <a:cs typeface="Consolas"/>
+              </a:rPr>
+              <a:t>TreeSet</a:t>
             </a:r>
             <a:r>
               <a:rPr lang="en-US" sz="2000" dirty="0">
-                <a:latin typeface="Consolas"/>
-                <a:cs typeface="Consolas"/>
-              </a:rPr>
-              <a:t>”));</a:t>
-            </a:r>
-          </a:p>
-          <a:p>
-            <a:pPr marL="0" indent="0">
-              <a:buNone/>
-            </a:pPr>
-            <a:r>
-              <a:rPr lang="en-US" sz="2000" dirty="0">
                 <a:solidFill>
                   <a:srgbClr val="E46C0A"/>
                 </a:solidFill>
                 <a:latin typeface="Consolas"/>
                 <a:cs typeface="Consolas"/>
               </a:rPr>
-              <a:t>Set&lt;String&gt; </a:t>
-            </a:r>
-            <a:r>
-              <a:rPr lang="en-US" sz="2000" dirty="0" err="1">
-                <a:solidFill>
-                  <a:srgbClr val="E46C0A"/>
-                </a:solidFill>
-                <a:latin typeface="Consolas"/>
-                <a:cs typeface="Consolas"/>
-              </a:rPr>
-              <a:t>ts</a:t>
-            </a:r>
-            <a:r>
-              <a:rPr lang="en-US" sz="2000" dirty="0">
-                <a:solidFill>
-                  <a:srgbClr val="E46C0A"/>
-                </a:solidFill>
-                <a:latin typeface="Consolas"/>
-                <a:cs typeface="Consolas"/>
-              </a:rPr>
-              <a:t> = new </a:t>
-            </a:r>
-            <a:r>
-              <a:rPr lang="en-US" sz="2000" dirty="0" err="1">
-                <a:solidFill>
-                  <a:srgbClr val="E46C0A"/>
-                </a:solidFill>
-                <a:latin typeface="Consolas"/>
-                <a:cs typeface="Consolas"/>
-              </a:rPr>
-              <a:t>TreeSet</a:t>
-            </a:r>
-            <a:r>
-              <a:rPr lang="en-US" sz="2000" dirty="0">
-                <a:solidFill>
-                  <a:srgbClr val="E46C0A"/>
-                </a:solidFill>
-                <a:latin typeface="Consolas"/>
-                <a:cs typeface="Consolas"/>
-              </a:rPr>
-              <a:t>&lt;String&gt;(l);</a:t>
+              <a:t>&lt;&gt;(l);</a:t>
             </a:r>
           </a:p>
           <a:p>
@@ -12929,14 +12696,14 @@
                 <a:latin typeface="Consolas"/>
                 <a:cs typeface="Consolas"/>
               </a:rPr>
-              <a:t>not throwing </a:t>
+              <a:t>return null </a:t>
             </a:r>
             <a:r>
               <a:rPr lang="en-US" sz="2600" dirty="0">
                 <a:latin typeface="Consolas"/>
                 <a:cs typeface="Consolas"/>
               </a:rPr>
-              <a:t>exception on error */</a:t>
+              <a:t>on error */</a:t>
             </a:r>
           </a:p>
           <a:p>
@@ -12962,7 +12729,7 @@
                 <a:latin typeface="Consolas"/>
                 <a:cs typeface="Consolas"/>
               </a:rPr>
-              <a:t>()</a:t>
+              <a:t>()  //retrieves, not removes</a:t>
             </a:r>
           </a:p>
           <a:p>
@@ -12988,7 +12755,7 @@
                 <a:latin typeface="Consolas"/>
                 <a:cs typeface="Consolas"/>
               </a:rPr>
-              <a:t>()</a:t>
+              <a:t>()  //retrieves, and removes</a:t>
             </a:r>
           </a:p>
           <a:p>
@@ -13013,14 +12780,14 @@
                 <a:latin typeface="Consolas"/>
                 <a:cs typeface="Consolas"/>
               </a:rPr>
-              <a:t>throwing </a:t>
+              <a:t>throw an exception </a:t>
             </a:r>
             <a:r>
               <a:rPr lang="en-US" sz="2600" dirty="0">
                 <a:latin typeface="Consolas"/>
                 <a:cs typeface="Consolas"/>
               </a:rPr>
-              <a:t>exception on error */</a:t>
+              <a:t>on error */</a:t>
             </a:r>
           </a:p>
           <a:p>
@@ -13046,7 +12813,7 @@
                 <a:latin typeface="Consolas"/>
                 <a:cs typeface="Consolas"/>
               </a:rPr>
-              <a:t>()</a:t>
+              <a:t>() //retrieves, not removes</a:t>
             </a:r>
           </a:p>
           <a:p>
@@ -13072,7 +12839,7 @@
                 <a:latin typeface="Consolas"/>
                 <a:cs typeface="Consolas"/>
               </a:rPr>
-              <a:t>()</a:t>
+              <a:t>()  //retrieves, and removes</a:t>
             </a:r>
           </a:p>
           <a:p>
@@ -13467,26 +13234,14 @@
                 <a:latin typeface="Consolas"/>
                 <a:cs typeface="Consolas"/>
               </a:rPr>
-              <a:t>&lt;Integer&gt;(</a:t>
-            </a:r>
-          </a:p>
-          <a:p>
-            <a:pPr marL="0" indent="0">
-              <a:buNone/>
-            </a:pPr>
-            <a:r>
-              <a:rPr lang="en-US" sz="2000" dirty="0">
-                <a:latin typeface="Consolas"/>
-                <a:cs typeface="Consolas"/>
-              </a:rPr>
-              <a:t>  </a:t>
+              <a:t>&lt;&gt;(</a:t>
             </a:r>
             <a:r>
               <a:rPr lang="en-US" sz="2000" dirty="0" err="1">
                 <a:latin typeface="Consolas"/>
                 <a:cs typeface="Consolas"/>
               </a:rPr>
-              <a:t>Arrays.asList</a:t>
+              <a:t>List.of</a:t>
             </a:r>
             <a:r>
               <a:rPr lang="en-US" sz="2000" dirty="0">
@@ -15024,9 +14779,10 @@
           <a:lstStyle/>
           <a:p>
             <a:r>
-              <a:rPr lang="en-US" dirty="0"/>
-              <a:t>Map Implementations</a:t>
-            </a:r>
+              <a:rPr lang="en-US" dirty="0" err="1"/>
+              <a:t>HashMap</a:t>
+            </a:r>
+            <a:endParaRPr lang="en-US" dirty="0"/>
           </a:p>
         </p:txBody>
       </p:sp>
@@ -15042,165 +14798,77 @@
         </p:nvSpPr>
         <p:spPr/>
         <p:txBody>
-          <a:bodyPr>
-            <a:normAutofit/>
-          </a:bodyPr>
+          <a:bodyPr/>
           <a:lstStyle/>
           <a:p>
             <a:r>
-              <a:rPr lang="en-US" sz="2200" dirty="0">
+              <a:rPr lang="en-US" dirty="0"/>
+              <a:t>Get/set takes </a:t>
+            </a:r>
+            <a:r>
+              <a:rPr lang="en-US" dirty="0">
                 <a:solidFill>
                   <a:srgbClr val="E46C0A"/>
                 </a:solidFill>
               </a:rPr>
-              <a:t>HashMap </a:t>
-            </a:r>
-            <a:r>
-              <a:rPr lang="en-US" sz="2200" dirty="0"/>
-              <a:t>implements </a:t>
-            </a:r>
-            <a:r>
-              <a:rPr lang="en-US" sz="2200" dirty="0">
+              <a:t>constant time </a:t>
+            </a:r>
+            <a:r>
+              <a:rPr lang="en-US" dirty="0"/>
+              <a:t>(without considering collisions)</a:t>
+            </a:r>
+          </a:p>
+          <a:p>
+            <a:r>
+              <a:rPr lang="en-US" dirty="0"/>
+              <a:t>Automatic re-allocation when load factor reached</a:t>
+            </a:r>
+          </a:p>
+          <a:p>
+            <a:r>
+              <a:rPr lang="en-US" dirty="0"/>
+              <a:t>Constructor optional arguments</a:t>
+            </a:r>
+          </a:p>
+          <a:p>
+            <a:pPr lvl="1"/>
+            <a:r>
+              <a:rPr lang="en-US" dirty="0">
                 <a:solidFill>
                   <a:srgbClr val="E46C0A"/>
                 </a:solidFill>
               </a:rPr>
-              <a:t>Map</a:t>
+              <a:t>load factor</a:t>
+            </a:r>
+            <a:r>
+              <a:rPr lang="en-US" dirty="0"/>
+              <a:t>(default = .75)</a:t>
             </a:r>
           </a:p>
           <a:p>
             <a:pPr lvl="1"/>
             <a:r>
-              <a:rPr lang="en-US" sz="2000" dirty="0"/>
-              <a:t>Hash tables as internal data structure (fast!)</a:t>
-            </a:r>
-          </a:p>
-          <a:p>
-            <a:pPr lvl="1"/>
-            <a:r>
-              <a:rPr lang="en-US" sz="2000" dirty="0"/>
-              <a:t>Insertion order not preserved</a:t>
-            </a:r>
-          </a:p>
-          <a:p>
-            <a:r>
-              <a:rPr lang="en-US" sz="2200" dirty="0" err="1">
+              <a:rPr lang="en-US" dirty="0">
                 <a:solidFill>
                   <a:srgbClr val="E46C0A"/>
                 </a:solidFill>
               </a:rPr>
-              <a:t>LinkedHashMap</a:t>
-            </a:r>
-            <a:r>
-              <a:rPr lang="en-US" sz="2200" dirty="0">
-                <a:solidFill>
-                  <a:srgbClr val="E46C0A"/>
-                </a:solidFill>
-              </a:rPr>
-              <a:t> </a:t>
-            </a:r>
-            <a:r>
-              <a:rPr lang="en-US" sz="2200" dirty="0"/>
-              <a:t>extends </a:t>
-            </a:r>
-            <a:r>
-              <a:rPr lang="en-US" sz="2200" dirty="0" err="1">
-                <a:solidFill>
-                  <a:srgbClr val="E46C0A"/>
-                </a:solidFill>
-              </a:rPr>
-              <a:t>HashMap</a:t>
-            </a:r>
-            <a:endParaRPr lang="en-US" sz="2200" dirty="0">
-              <a:solidFill>
-                <a:srgbClr val="E46C0A"/>
-              </a:solidFill>
-            </a:endParaRPr>
-          </a:p>
-          <a:p>
-            <a:pPr lvl="1"/>
-            <a:r>
-              <a:rPr lang="en-US" sz="2000" dirty="0"/>
-              <a:t>Insertion order preserved</a:t>
-            </a:r>
-          </a:p>
-          <a:p>
-            <a:r>
-              <a:rPr lang="en-US" sz="2200" dirty="0" err="1">
-                <a:solidFill>
-                  <a:srgbClr val="E46C0A"/>
-                </a:solidFill>
-              </a:rPr>
-              <a:t>TreeMap</a:t>
-            </a:r>
-            <a:r>
-              <a:rPr lang="en-US" sz="2200" dirty="0">
-                <a:solidFill>
-                  <a:srgbClr val="E46C0A"/>
-                </a:solidFill>
-              </a:rPr>
-              <a:t> </a:t>
-            </a:r>
-            <a:r>
-              <a:rPr lang="en-US" sz="2200" dirty="0"/>
-              <a:t>implements </a:t>
-            </a:r>
-            <a:r>
-              <a:rPr lang="en-US" sz="2200" dirty="0" err="1">
-                <a:solidFill>
-                  <a:srgbClr val="E46C0A"/>
-                </a:solidFill>
-              </a:rPr>
-              <a:t>SortedMap</a:t>
-            </a:r>
-            <a:endParaRPr lang="en-US" sz="2200" dirty="0">
-              <a:solidFill>
-                <a:srgbClr val="E46C0A"/>
-              </a:solidFill>
-            </a:endParaRPr>
-          </a:p>
-          <a:p>
-            <a:pPr lvl="1"/>
-            <a:r>
-              <a:rPr lang="en-US" sz="2000" dirty="0"/>
-              <a:t>R-B trees as internal data structure </a:t>
-            </a:r>
-          </a:p>
-          <a:p>
-            <a:pPr lvl="1"/>
-            <a:r>
-              <a:rPr lang="en-US" sz="2000" dirty="0"/>
-              <a:t>User definable internal ordering</a:t>
-            </a:r>
-          </a:p>
-          <a:p>
-            <a:pPr lvl="1"/>
-            <a:r>
-              <a:rPr lang="en-US" sz="2000" dirty="0"/>
-              <a:t>Slow when compared to hash-based implementations</a:t>
-            </a:r>
-          </a:p>
-          <a:p>
-            <a:endParaRPr lang="en-US" sz="2000" dirty="0"/>
-          </a:p>
-          <a:p>
-            <a:pPr marL="0" indent="0">
-              <a:buNone/>
-            </a:pPr>
-            <a:r>
-              <a:rPr lang="en-US" sz="2000" dirty="0"/>
-              <a:t>* Similar to Set implementations</a:t>
-            </a:r>
-          </a:p>
-          <a:p>
-            <a:endParaRPr lang="en-US" sz="2000" dirty="0"/>
+              <a:t>initial capacity</a:t>
+            </a:r>
+            <a:r>
+              <a:rPr lang="en-US" dirty="0"/>
+              <a:t>(default = 16)</a:t>
+            </a:r>
+          </a:p>
+          <a:p>
+            <a:endParaRPr lang="en-US" dirty="0"/>
           </a:p>
         </p:txBody>
       </p:sp>
     </p:spTree>
     <p:extLst>
       <p:ext uri="{BB962C8B-B14F-4D97-AF65-F5344CB8AC3E}">
-        <p14:creationId xmlns:p14="http://schemas.microsoft.com/office/powerpoint/2010/main" val="897957614"/>
+        <p14:creationId xmlns:p14="http://schemas.microsoft.com/office/powerpoint/2010/main" val="1905488322"/>
       </p:ext>
     </p:extLst>
   </p:cSld>
@@ -15243,10 +14911,9 @@
           <a:lstStyle/>
           <a:p>
             <a:r>
-              <a:rPr lang="en-US" dirty="0" err="1"/>
-              <a:t>HashMap</a:t>
-            </a:r>
-            <a:endParaRPr lang="en-US" dirty="0"/>
+              <a:rPr lang="en-US" dirty="0"/>
+              <a:t>Map Example I</a:t>
+            </a:r>
           </a:p>
         </p:txBody>
       </p:sp>
@@ -15262,77 +14929,390 @@
         </p:nvSpPr>
         <p:spPr/>
         <p:txBody>
-          <a:bodyPr/>
+          <a:bodyPr>
+            <a:noAutofit/>
+          </a:bodyPr>
           <a:lstStyle/>
           <a:p>
-            <a:r>
-              <a:rPr lang="en-US" dirty="0"/>
-              <a:t>Get/set takes </a:t>
-            </a:r>
-            <a:r>
-              <a:rPr lang="en-US" dirty="0">
-                <a:solidFill>
-                  <a:srgbClr val="E46C0A"/>
-                </a:solidFill>
-              </a:rPr>
-              <a:t>constant time </a:t>
-            </a:r>
-            <a:r>
-              <a:rPr lang="en-US" dirty="0"/>
-              <a:t>(without considering collisions)</a:t>
-            </a:r>
-          </a:p>
-          <a:p>
-            <a:r>
-              <a:rPr lang="en-US" dirty="0"/>
-              <a:t>Automatic re-allocation when load factor reached</a:t>
-            </a:r>
-          </a:p>
-          <a:p>
-            <a:r>
-              <a:rPr lang="en-US" dirty="0"/>
-              <a:t>Constructor optional arguments</a:t>
-            </a:r>
-          </a:p>
-          <a:p>
-            <a:pPr lvl="1"/>
-            <a:r>
-              <a:rPr lang="en-US" dirty="0">
-                <a:solidFill>
-                  <a:srgbClr val="E46C0A"/>
-                </a:solidFill>
-              </a:rPr>
-              <a:t>load factor</a:t>
-            </a:r>
-            <a:r>
-              <a:rPr lang="en-US" dirty="0"/>
-              <a:t>(default = .75)</a:t>
-            </a:r>
-          </a:p>
-          <a:p>
-            <a:pPr lvl="1"/>
-            <a:r>
-              <a:rPr lang="en-US" dirty="0">
-                <a:solidFill>
-                  <a:srgbClr val="E46C0A"/>
-                </a:solidFill>
-              </a:rPr>
-              <a:t>initial capacity</a:t>
-            </a:r>
-            <a:r>
-              <a:rPr lang="en-US" dirty="0"/>
-              <a:t>(default = 16)</a:t>
-            </a:r>
-          </a:p>
-          <a:p>
-            <a:endParaRPr lang="en-US" dirty="0"/>
+            <a:pPr marL="0" indent="0">
+              <a:buNone/>
+            </a:pPr>
+            <a:r>
+              <a:rPr lang="en-US" sz="1800" dirty="0">
+                <a:latin typeface="Consolas"/>
+                <a:cs typeface="Consolas"/>
+              </a:rPr>
+              <a:t>Map&lt;String, Integer&gt; m = new HashMap&lt;&gt;();	</a:t>
+            </a:r>
+          </a:p>
+          <a:p>
+            <a:pPr marL="0" indent="0">
+              <a:buNone/>
+            </a:pPr>
+            <a:r>
+              <a:rPr lang="mr-IN" sz="1800" dirty="0">
+                <a:latin typeface="Consolas"/>
+                <a:cs typeface="Consolas"/>
+              </a:rPr>
+              <a:t>m.put(</a:t>
+            </a:r>
+            <a:r>
+              <a:rPr lang="it-IT" sz="1800" dirty="0">
+                <a:latin typeface="Consolas"/>
+                <a:cs typeface="Consolas"/>
+              </a:rPr>
+              <a:t>“Agata”</a:t>
+            </a:r>
+            <a:r>
+              <a:rPr lang="mr-IN" sz="1800" dirty="0">
+                <a:latin typeface="Consolas"/>
+                <a:cs typeface="Consolas"/>
+              </a:rPr>
+              <a:t>, </a:t>
+            </a:r>
+            <a:r>
+              <a:rPr lang="it-IT" sz="1800" dirty="0">
+                <a:latin typeface="Consolas"/>
+                <a:cs typeface="Consolas"/>
+              </a:rPr>
+              <a:t> </a:t>
+            </a:r>
+            <a:r>
+              <a:rPr lang="mr-IN" sz="1800" dirty="0">
+                <a:latin typeface="Consolas"/>
+                <a:cs typeface="Consolas"/>
+              </a:rPr>
+              <a:t>2);</a:t>
+            </a:r>
+            <a:r>
+              <a:rPr lang="it-IT" sz="1800" dirty="0">
+                <a:latin typeface="Consolas"/>
+                <a:cs typeface="Consolas"/>
+              </a:rPr>
+              <a:t> </a:t>
+            </a:r>
+          </a:p>
+          <a:p>
+            <a:pPr marL="0" indent="0">
+              <a:buNone/>
+            </a:pPr>
+            <a:r>
+              <a:rPr lang="it-IT" sz="1800" dirty="0" err="1">
+                <a:latin typeface="Consolas"/>
+                <a:cs typeface="Consolas"/>
+              </a:rPr>
+              <a:t>m.put</a:t>
+            </a:r>
+            <a:r>
+              <a:rPr lang="it-IT" sz="1800" dirty="0">
+                <a:latin typeface="Consolas"/>
+                <a:cs typeface="Consolas"/>
+              </a:rPr>
+              <a:t>(“Marzia”, 3);</a:t>
+            </a:r>
+          </a:p>
+          <a:p>
+            <a:pPr marL="0" indent="0">
+              <a:buNone/>
+            </a:pPr>
+            <a:r>
+              <a:rPr lang="mr-IN" sz="1800" dirty="0">
+                <a:latin typeface="Consolas"/>
+                <a:cs typeface="Consolas"/>
+              </a:rPr>
+              <a:t>m.put(</a:t>
+            </a:r>
+            <a:r>
+              <a:rPr lang="it-IT" sz="1800" dirty="0">
+                <a:latin typeface="Consolas"/>
+                <a:cs typeface="Consolas"/>
+              </a:rPr>
+              <a:t>“Agata”</a:t>
+            </a:r>
+            <a:r>
+              <a:rPr lang="mr-IN" sz="1800" dirty="0">
+                <a:latin typeface="Consolas"/>
+                <a:cs typeface="Consolas"/>
+              </a:rPr>
+              <a:t>, </a:t>
+            </a:r>
+            <a:r>
+              <a:rPr lang="it-IT" sz="1800" dirty="0">
+                <a:latin typeface="Consolas"/>
+                <a:cs typeface="Consolas"/>
+              </a:rPr>
+              <a:t> </a:t>
+            </a:r>
+            <a:r>
+              <a:rPr lang="mr-IN" sz="1800" dirty="0">
+                <a:latin typeface="Consolas"/>
+                <a:cs typeface="Consolas"/>
+              </a:rPr>
+              <a:t>4);</a:t>
+            </a:r>
+            <a:r>
+              <a:rPr lang="it-IT" sz="1800" dirty="0">
+                <a:latin typeface="Consolas"/>
+                <a:cs typeface="Consolas"/>
+              </a:rPr>
+              <a:t> </a:t>
+            </a:r>
+          </a:p>
+          <a:p>
+            <a:pPr marL="0" indent="0">
+              <a:buNone/>
+            </a:pPr>
+            <a:r>
+              <a:rPr lang="mr-IN" sz="1800" dirty="0">
+                <a:latin typeface="Consolas"/>
+                <a:cs typeface="Consolas"/>
+              </a:rPr>
+              <a:t>m.put(</a:t>
+            </a:r>
+            <a:r>
+              <a:rPr lang="it-IT" sz="1800" dirty="0">
+                <a:latin typeface="Consolas"/>
+                <a:cs typeface="Consolas"/>
+              </a:rPr>
+              <a:t>“</a:t>
+            </a:r>
+            <a:r>
+              <a:rPr lang="mr-IN" sz="1800" dirty="0">
+                <a:latin typeface="Consolas"/>
+                <a:cs typeface="Consolas"/>
+              </a:rPr>
+              <a:t>Nicola</a:t>
+            </a:r>
+            <a:r>
+              <a:rPr lang="it-IT" sz="1800" dirty="0">
+                <a:latin typeface="Consolas"/>
+                <a:cs typeface="Consolas"/>
+              </a:rPr>
+              <a:t>”</a:t>
+            </a:r>
+            <a:r>
+              <a:rPr lang="mr-IN" sz="1800" dirty="0">
+                <a:latin typeface="Consolas"/>
+                <a:cs typeface="Consolas"/>
+              </a:rPr>
+              <a:t>, 1);</a:t>
+            </a:r>
+            <a:endParaRPr lang="it-IT" sz="1800" dirty="0">
+              <a:latin typeface="Consolas"/>
+              <a:cs typeface="Consolas"/>
+            </a:endParaRPr>
+          </a:p>
+          <a:p>
+            <a:pPr marL="0" indent="0">
+              <a:buNone/>
+            </a:pPr>
+            <a:endParaRPr lang="it-IT" sz="1800" dirty="0">
+              <a:latin typeface="Consolas"/>
+              <a:cs typeface="Consolas"/>
+            </a:endParaRPr>
+          </a:p>
+          <a:p>
+            <a:pPr marL="0" indent="0">
+              <a:buNone/>
+            </a:pPr>
+            <a:r>
+              <a:rPr lang="it-IT" sz="1800" dirty="0">
+                <a:latin typeface="Consolas"/>
+                <a:cs typeface="Consolas"/>
+              </a:rPr>
+              <a:t>/* more compact </a:t>
+            </a:r>
+            <a:r>
+              <a:rPr lang="it-IT" sz="1800" dirty="0" err="1">
+                <a:latin typeface="Consolas"/>
+                <a:cs typeface="Consolas"/>
+              </a:rPr>
+              <a:t>version</a:t>
+            </a:r>
+            <a:r>
+              <a:rPr lang="it-IT" sz="1800" dirty="0">
+                <a:latin typeface="Consolas"/>
+                <a:cs typeface="Consolas"/>
+              </a:rPr>
+              <a:t> */</a:t>
+            </a:r>
+          </a:p>
+          <a:p>
+            <a:pPr marL="0" indent="0">
+              <a:buNone/>
+            </a:pPr>
+            <a:r>
+              <a:rPr lang="en-US" sz="1800" dirty="0">
+                <a:latin typeface="Consolas"/>
+                <a:cs typeface="Consolas"/>
+              </a:rPr>
+              <a:t>Map&lt;String, Integer&gt; m = new HashMap&lt;&gt;(</a:t>
+            </a:r>
+          </a:p>
+          <a:p>
+            <a:pPr marL="0" indent="0">
+              <a:buNone/>
+            </a:pPr>
+            <a:r>
+              <a:rPr lang="en-US" sz="1800" dirty="0">
+                <a:latin typeface="Consolas"/>
+                <a:cs typeface="Consolas"/>
+              </a:rPr>
+              <a:t>	</a:t>
+            </a:r>
+            <a:r>
+              <a:rPr lang="en-US" sz="1800" dirty="0" err="1">
+                <a:latin typeface="Consolas"/>
+                <a:cs typeface="Consolas"/>
+              </a:rPr>
+              <a:t>Map.of</a:t>
+            </a:r>
+            <a:r>
+              <a:rPr lang="en-US" sz="1800" dirty="0">
+                <a:latin typeface="Consolas"/>
+                <a:cs typeface="Consolas"/>
+              </a:rPr>
+              <a:t>(“Agata”, 2, “</a:t>
+            </a:r>
+            <a:r>
+              <a:rPr lang="en-US" sz="1800" dirty="0" err="1">
+                <a:latin typeface="Consolas"/>
+                <a:cs typeface="Consolas"/>
+              </a:rPr>
+              <a:t>Marzia</a:t>
+            </a:r>
+            <a:r>
+              <a:rPr lang="en-US" sz="1800" dirty="0">
+                <a:latin typeface="Consolas"/>
+                <a:cs typeface="Consolas"/>
+              </a:rPr>
+              <a:t>”, 3, “Agata”, 4, “Nicola”, 1));</a:t>
+            </a:r>
+            <a:endParaRPr lang="mr-IN" sz="1800" dirty="0">
+              <a:latin typeface="Consolas"/>
+              <a:cs typeface="Consolas"/>
+            </a:endParaRPr>
+          </a:p>
+          <a:p>
+            <a:pPr marL="0" indent="0">
+              <a:buNone/>
+            </a:pPr>
+            <a:endParaRPr lang="it-IT" sz="1800" dirty="0">
+              <a:latin typeface="Consolas"/>
+              <a:cs typeface="Consolas"/>
+            </a:endParaRPr>
+          </a:p>
+          <a:p>
+            <a:pPr marL="0" indent="0">
+              <a:buNone/>
+            </a:pPr>
+            <a:r>
+              <a:rPr lang="it-IT" sz="1800" dirty="0">
+                <a:latin typeface="Consolas"/>
+                <a:cs typeface="Consolas"/>
+              </a:rPr>
+              <a:t>/* </a:t>
+            </a:r>
+            <a:r>
+              <a:rPr lang="it-IT" sz="1800" dirty="0" err="1">
+                <a:latin typeface="Consolas"/>
+                <a:cs typeface="Consolas"/>
+              </a:rPr>
+              <a:t>immutable</a:t>
+            </a:r>
+            <a:r>
+              <a:rPr lang="it-IT" sz="1800" dirty="0">
+                <a:latin typeface="Consolas"/>
+                <a:cs typeface="Consolas"/>
+              </a:rPr>
+              <a:t> </a:t>
+            </a:r>
+            <a:r>
+              <a:rPr lang="it-IT" sz="1800" dirty="0" err="1">
+                <a:latin typeface="Consolas"/>
+                <a:cs typeface="Consolas"/>
+              </a:rPr>
+              <a:t>version</a:t>
+            </a:r>
+            <a:r>
+              <a:rPr lang="it-IT" sz="1800" dirty="0">
+                <a:latin typeface="Consolas"/>
+                <a:cs typeface="Consolas"/>
+              </a:rPr>
+              <a:t> */</a:t>
+            </a:r>
+          </a:p>
+          <a:p>
+            <a:pPr marL="0" indent="0">
+              <a:buNone/>
+            </a:pPr>
+            <a:r>
+              <a:rPr lang="en-US" sz="1800" dirty="0">
+                <a:latin typeface="Consolas"/>
+                <a:cs typeface="Consolas"/>
+              </a:rPr>
+              <a:t>Map&lt;String, Integer&gt; m = </a:t>
+            </a:r>
+          </a:p>
+          <a:p>
+            <a:pPr marL="0" indent="0">
+              <a:buNone/>
+            </a:pPr>
+            <a:r>
+              <a:rPr lang="en-US" sz="1800" dirty="0">
+                <a:latin typeface="Consolas"/>
+                <a:cs typeface="Consolas"/>
+              </a:rPr>
+              <a:t>	</a:t>
+            </a:r>
+            <a:r>
+              <a:rPr lang="en-US" sz="1800" dirty="0" err="1">
+                <a:latin typeface="Consolas"/>
+                <a:cs typeface="Consolas"/>
+              </a:rPr>
+              <a:t>Map.of</a:t>
+            </a:r>
+            <a:r>
+              <a:rPr lang="en-US" sz="1800" dirty="0">
+                <a:latin typeface="Consolas"/>
+                <a:cs typeface="Consolas"/>
+              </a:rPr>
+              <a:t>(“Agata”, 2, “</a:t>
+            </a:r>
+            <a:r>
+              <a:rPr lang="en-US" sz="1800" dirty="0" err="1">
+                <a:latin typeface="Consolas"/>
+                <a:cs typeface="Consolas"/>
+              </a:rPr>
+              <a:t>Marzia</a:t>
+            </a:r>
+            <a:r>
+              <a:rPr lang="en-US" sz="1800" dirty="0">
+                <a:latin typeface="Consolas"/>
+                <a:cs typeface="Consolas"/>
+              </a:rPr>
+              <a:t>”, 3, “Agata”, 4, “Nicola”, 1);</a:t>
+            </a:r>
+            <a:endParaRPr lang="mr-IN" sz="1800" dirty="0">
+              <a:latin typeface="Consolas"/>
+              <a:cs typeface="Consolas"/>
+            </a:endParaRPr>
+          </a:p>
+          <a:p>
+            <a:pPr marL="0" indent="0">
+              <a:buNone/>
+            </a:pPr>
+            <a:endParaRPr lang="en-US" sz="1800" i="1" dirty="0">
+              <a:latin typeface="Consolas"/>
+              <a:cs typeface="Consolas"/>
+            </a:endParaRPr>
           </a:p>
         </p:txBody>
       </p:sp>
     </p:spTree>
     <p:extLst>
       <p:ext uri="{BB962C8B-B14F-4D97-AF65-F5344CB8AC3E}">
-        <p14:creationId xmlns:p14="http://schemas.microsoft.com/office/powerpoint/2010/main" val="1905488322"/>
+        <p14:creationId xmlns:p14="http://schemas.microsoft.com/office/powerpoint/2010/main" val="2077211841"/>
       </p:ext>
     </p:extLst>
   </p:cSld>
@@ -15376,7 +15356,7 @@
           <a:p>
             <a:r>
               <a:rPr lang="en-US" dirty="0"/>
-              <a:t>Map Example I</a:t>
+              <a:t>Map Implementations</a:t>
             </a:r>
           </a:p>
         </p:txBody>
@@ -15388,355 +15368,760 @@
             <a:spLocks noGrp="1"/>
           </p:cNvSpPr>
           <p:nvPr>
-            <p:ph idx="1"/>
+            <p:ph sz="half" idx="1"/>
           </p:nvPr>
         </p:nvSpPr>
         <p:spPr/>
         <p:txBody>
           <a:bodyPr>
-            <a:noAutofit/>
+            <a:normAutofit lnSpcReduction="10000"/>
           </a:bodyPr>
           <a:lstStyle/>
           <a:p>
-            <a:pPr marL="0" indent="0">
-              <a:buNone/>
-            </a:pPr>
-            <a:r>
-              <a:rPr lang="en-US" sz="2000" dirty="0">
-                <a:latin typeface="Consolas"/>
-                <a:cs typeface="Consolas"/>
-              </a:rPr>
-              <a:t>Map&lt;String, Integer&gt; m = new HashMap&lt;String, Integer&gt;();	</a:t>
-            </a:r>
-          </a:p>
-          <a:p>
-            <a:pPr marL="0" indent="0">
-              <a:buNone/>
-            </a:pPr>
-            <a:r>
-              <a:rPr lang="mr-IN" sz="2000" dirty="0">
-                <a:latin typeface="Consolas"/>
-                <a:cs typeface="Consolas"/>
-              </a:rPr>
-              <a:t>m.put(</a:t>
-            </a:r>
-            <a:r>
-              <a:rPr lang="it-IT" sz="2000" dirty="0">
-                <a:latin typeface="Consolas"/>
-                <a:cs typeface="Consolas"/>
-              </a:rPr>
-              <a:t>“Agata”</a:t>
-            </a:r>
-            <a:r>
-              <a:rPr lang="mr-IN" sz="2000" dirty="0">
-                <a:latin typeface="Consolas"/>
-                <a:cs typeface="Consolas"/>
-              </a:rPr>
-              <a:t>, </a:t>
-            </a:r>
-            <a:r>
-              <a:rPr lang="it-IT" sz="2000" dirty="0">
-                <a:latin typeface="Consolas"/>
-                <a:cs typeface="Consolas"/>
+            <a:r>
+              <a:rPr lang="en-US" sz="2200" dirty="0">
+                <a:solidFill>
+                  <a:srgbClr val="E46C0A"/>
+                </a:solidFill>
+              </a:rPr>
+              <a:t>HashMap </a:t>
+            </a:r>
+            <a:r>
+              <a:rPr lang="en-US" sz="2200" dirty="0"/>
+              <a:t>implements </a:t>
+            </a:r>
+            <a:r>
+              <a:rPr lang="en-US" sz="2200" dirty="0">
+                <a:solidFill>
+                  <a:srgbClr val="E46C0A"/>
+                </a:solidFill>
+              </a:rPr>
+              <a:t>Map</a:t>
+            </a:r>
+          </a:p>
+          <a:p>
+            <a:pPr lvl="1"/>
+            <a:r>
+              <a:rPr lang="en-US" sz="2000" dirty="0"/>
+              <a:t>Hash tables as internal data structure (fast!)</a:t>
+            </a:r>
+          </a:p>
+          <a:p>
+            <a:pPr lvl="1"/>
+            <a:r>
+              <a:rPr lang="en-US" sz="2000" dirty="0"/>
+              <a:t>Insertion order not preserved</a:t>
+            </a:r>
+          </a:p>
+          <a:p>
+            <a:r>
+              <a:rPr lang="en-US" sz="2200" dirty="0" err="1">
+                <a:solidFill>
+                  <a:srgbClr val="E46C0A"/>
+                </a:solidFill>
+              </a:rPr>
+              <a:t>LinkedHashMap</a:t>
+            </a:r>
+            <a:r>
+              <a:rPr lang="en-US" sz="2200" dirty="0">
+                <a:solidFill>
+                  <a:srgbClr val="E46C0A"/>
+                </a:solidFill>
               </a:rPr>
               <a:t> </a:t>
             </a:r>
             <a:r>
-              <a:rPr lang="mr-IN" sz="2000" dirty="0">
-                <a:latin typeface="Consolas"/>
-                <a:cs typeface="Consolas"/>
-              </a:rPr>
-              <a:t>2);</a:t>
-            </a:r>
-            <a:r>
-              <a:rPr lang="it-IT" sz="2000" dirty="0">
-                <a:latin typeface="Consolas"/>
-                <a:cs typeface="Consolas"/>
+              <a:rPr lang="en-US" sz="2200" dirty="0"/>
+              <a:t>extends </a:t>
+            </a:r>
+            <a:r>
+              <a:rPr lang="en-US" sz="2200" dirty="0" err="1">
+                <a:solidFill>
+                  <a:srgbClr val="E46C0A"/>
+                </a:solidFill>
+              </a:rPr>
+              <a:t>HashMap</a:t>
+            </a:r>
+            <a:endParaRPr lang="en-US" sz="2200" dirty="0">
+              <a:solidFill>
+                <a:srgbClr val="E46C0A"/>
+              </a:solidFill>
+            </a:endParaRPr>
+          </a:p>
+          <a:p>
+            <a:pPr lvl="1"/>
+            <a:r>
+              <a:rPr lang="en-US" sz="2000" dirty="0"/>
+              <a:t>Insertion order preserved</a:t>
+            </a:r>
+          </a:p>
+          <a:p>
+            <a:r>
+              <a:rPr lang="en-US" sz="2200" dirty="0" err="1">
+                <a:solidFill>
+                  <a:srgbClr val="E46C0A"/>
+                </a:solidFill>
+              </a:rPr>
+              <a:t>TreeMap</a:t>
+            </a:r>
+            <a:r>
+              <a:rPr lang="en-US" sz="2200" dirty="0">
+                <a:solidFill>
+                  <a:srgbClr val="E46C0A"/>
+                </a:solidFill>
               </a:rPr>
               <a:t> </a:t>
             </a:r>
-          </a:p>
-          <a:p>
-            <a:pPr marL="0" indent="0">
-              <a:buNone/>
-            </a:pPr>
-            <a:r>
-              <a:rPr lang="it-IT" sz="2000" dirty="0" err="1">
-                <a:latin typeface="Consolas"/>
-                <a:cs typeface="Consolas"/>
-              </a:rPr>
-              <a:t>m.put</a:t>
-            </a:r>
-            <a:r>
-              <a:rPr lang="it-IT" sz="2000" dirty="0">
-                <a:latin typeface="Consolas"/>
-                <a:cs typeface="Consolas"/>
-              </a:rPr>
-              <a:t>(“Marzia”, 3);</a:t>
-            </a:r>
-          </a:p>
-          <a:p>
-            <a:pPr marL="0" indent="0">
-              <a:buNone/>
-            </a:pPr>
-            <a:r>
-              <a:rPr lang="mr-IN" sz="2000" dirty="0">
-                <a:latin typeface="Consolas"/>
-                <a:cs typeface="Consolas"/>
-              </a:rPr>
-              <a:t>m.put(</a:t>
-            </a:r>
-            <a:r>
-              <a:rPr lang="it-IT" sz="2000" dirty="0">
-                <a:latin typeface="Consolas"/>
-                <a:cs typeface="Consolas"/>
-              </a:rPr>
-              <a:t>“Agata”</a:t>
-            </a:r>
-            <a:r>
-              <a:rPr lang="mr-IN" sz="2000" dirty="0">
-                <a:latin typeface="Consolas"/>
-                <a:cs typeface="Consolas"/>
-              </a:rPr>
-              <a:t>, </a:t>
-            </a:r>
-            <a:r>
-              <a:rPr lang="it-IT" sz="2000" dirty="0">
-                <a:latin typeface="Consolas"/>
-                <a:cs typeface="Consolas"/>
-              </a:rPr>
-              <a:t> </a:t>
-            </a:r>
-            <a:r>
-              <a:rPr lang="mr-IN" sz="2000" dirty="0">
-                <a:latin typeface="Consolas"/>
-                <a:cs typeface="Consolas"/>
-              </a:rPr>
-              <a:t>4);</a:t>
-            </a:r>
-            <a:r>
-              <a:rPr lang="it-IT" sz="2000" dirty="0">
-                <a:latin typeface="Consolas"/>
-                <a:cs typeface="Consolas"/>
-              </a:rPr>
-              <a:t> </a:t>
-            </a:r>
-          </a:p>
-          <a:p>
-            <a:pPr marL="0" indent="0">
-              <a:buNone/>
-            </a:pPr>
-            <a:r>
-              <a:rPr lang="mr-IN" sz="2000" dirty="0">
-                <a:latin typeface="Consolas"/>
-                <a:cs typeface="Consolas"/>
-              </a:rPr>
-              <a:t>m.put(</a:t>
-            </a:r>
-            <a:r>
-              <a:rPr lang="it-IT" sz="2000" dirty="0">
-                <a:latin typeface="Consolas"/>
-                <a:cs typeface="Consolas"/>
-              </a:rPr>
-              <a:t>“</a:t>
-            </a:r>
-            <a:r>
-              <a:rPr lang="mr-IN" sz="2000" dirty="0">
-                <a:latin typeface="Consolas"/>
-                <a:cs typeface="Consolas"/>
-              </a:rPr>
-              <a:t>Nicola</a:t>
-            </a:r>
-            <a:r>
-              <a:rPr lang="it-IT" sz="2000" dirty="0">
-                <a:latin typeface="Consolas"/>
-                <a:cs typeface="Consolas"/>
-              </a:rPr>
-              <a:t>”</a:t>
-            </a:r>
-            <a:r>
-              <a:rPr lang="mr-IN" sz="2000" dirty="0">
-                <a:latin typeface="Consolas"/>
-                <a:cs typeface="Consolas"/>
-              </a:rPr>
-              <a:t>, 1);</a:t>
-            </a:r>
-            <a:endParaRPr lang="it-IT" sz="2000" dirty="0">
-              <a:latin typeface="Consolas"/>
-              <a:cs typeface="Consolas"/>
+            <a:r>
+              <a:rPr lang="en-US" sz="2200" dirty="0"/>
+              <a:t>implements </a:t>
+            </a:r>
+            <a:r>
+              <a:rPr lang="en-US" sz="2200" dirty="0" err="1">
+                <a:solidFill>
+                  <a:srgbClr val="E46C0A"/>
+                </a:solidFill>
+              </a:rPr>
+              <a:t>SortedMap</a:t>
+            </a:r>
+            <a:endParaRPr lang="en-US" sz="2200" dirty="0">
+              <a:solidFill>
+                <a:srgbClr val="E46C0A"/>
+              </a:solidFill>
             </a:endParaRPr>
           </a:p>
           <a:p>
-            <a:pPr marL="0" indent="0">
-              <a:buNone/>
-            </a:pPr>
-            <a:endParaRPr lang="it-IT" sz="2000" dirty="0">
-              <a:latin typeface="Consolas"/>
-              <a:cs typeface="Consolas"/>
-            </a:endParaRPr>
-          </a:p>
-          <a:p>
-            <a:pPr marL="0" indent="0">
-              <a:buNone/>
-            </a:pPr>
-            <a:r>
-              <a:rPr lang="it-IT" sz="2000" dirty="0">
-                <a:latin typeface="Consolas"/>
-                <a:cs typeface="Consolas"/>
-              </a:rPr>
-              <a:t>/* more compact </a:t>
-            </a:r>
-            <a:r>
-              <a:rPr lang="it-IT" sz="2000" dirty="0" err="1">
-                <a:latin typeface="Consolas"/>
-                <a:cs typeface="Consolas"/>
-              </a:rPr>
-              <a:t>version</a:t>
-            </a:r>
-            <a:r>
-              <a:rPr lang="it-IT" sz="2000" dirty="0">
-                <a:latin typeface="Consolas"/>
-                <a:cs typeface="Consolas"/>
-              </a:rPr>
-              <a:t> */</a:t>
-            </a:r>
-          </a:p>
-          <a:p>
-            <a:pPr marL="0" indent="0">
-              <a:buNone/>
-            </a:pPr>
-            <a:r>
-              <a:rPr lang="en-US" sz="2000" dirty="0">
-                <a:latin typeface="Consolas"/>
-                <a:cs typeface="Consolas"/>
-              </a:rPr>
-              <a:t>Map&lt;String, Integer&gt; m = new HashMap&lt;String, Integer&gt;(</a:t>
-            </a:r>
-          </a:p>
-          <a:p>
-            <a:pPr marL="0" indent="0">
-              <a:buNone/>
-            </a:pPr>
-            <a:r>
-              <a:rPr lang="en-US" sz="2000" dirty="0">
-                <a:latin typeface="Consolas"/>
-                <a:cs typeface="Consolas"/>
-              </a:rPr>
-              <a:t>	</a:t>
-            </a:r>
-            <a:r>
-              <a:rPr lang="en-US" sz="2000" dirty="0" err="1">
-                <a:latin typeface="Consolas"/>
-                <a:cs typeface="Consolas"/>
-              </a:rPr>
-              <a:t>Map.of</a:t>
-            </a:r>
-            <a:r>
-              <a:rPr lang="en-US" sz="2000" dirty="0">
-                <a:latin typeface="Consolas"/>
-                <a:cs typeface="Consolas"/>
-              </a:rPr>
-              <a:t>(“Agata”, 2, “</a:t>
-            </a:r>
-            <a:r>
-              <a:rPr lang="en-US" sz="2000" dirty="0" err="1">
-                <a:latin typeface="Consolas"/>
-                <a:cs typeface="Consolas"/>
+            <a:pPr lvl="1"/>
+            <a:r>
+              <a:rPr lang="en-US" sz="2000" dirty="0"/>
+              <a:t>R-B trees as internal data structure </a:t>
+            </a:r>
+          </a:p>
+          <a:p>
+            <a:pPr lvl="1"/>
+            <a:r>
+              <a:rPr lang="en-US" sz="2000" dirty="0"/>
+              <a:t>User definable internal ordering</a:t>
+            </a:r>
+          </a:p>
+          <a:p>
+            <a:pPr lvl="1"/>
+            <a:r>
+              <a:rPr lang="en-US" sz="2000" dirty="0"/>
+              <a:t>Slow when compared to hash-based implementations</a:t>
+            </a:r>
+          </a:p>
+          <a:p>
+            <a:endParaRPr lang="en-US" sz="2000" dirty="0"/>
+          </a:p>
+          <a:p>
+            <a:pPr marL="0" indent="0">
+              <a:buNone/>
+            </a:pPr>
+            <a:r>
+              <a:rPr lang="en-US" sz="2000" dirty="0"/>
+              <a:t>* Similar to Set implementations</a:t>
+            </a:r>
+          </a:p>
+          <a:p>
+            <a:endParaRPr lang="en-US" sz="2000" dirty="0"/>
+          </a:p>
+        </p:txBody>
+      </p:sp>
+      <p:sp>
+        <p:nvSpPr>
+          <p:cNvPr id="4" name="Content Placeholder 3">
+            <a:extLst>
+              <a:ext uri="{FF2B5EF4-FFF2-40B4-BE49-F238E27FC236}">
+                <a16:creationId xmlns:a16="http://schemas.microsoft.com/office/drawing/2014/main" id="{EDC82B2D-0DBF-214B-955C-4C418421EB1C}"/>
+              </a:ext>
+            </a:extLst>
+          </p:cNvPr>
+          <p:cNvSpPr>
+            <a:spLocks noGrp="1"/>
+          </p:cNvSpPr>
+          <p:nvPr>
+            <p:ph sz="half" idx="2"/>
+          </p:nvPr>
+        </p:nvSpPr>
+        <p:spPr/>
+        <p:txBody>
+          <a:bodyPr>
+            <a:normAutofit lnSpcReduction="10000"/>
+          </a:bodyPr>
+          <a:lstStyle/>
+          <a:p>
+            <a:pPr marL="0" indent="0">
+              <a:buNone/>
+            </a:pPr>
+            <a:r>
+              <a:rPr lang="en-GB" sz="1400" dirty="0">
+                <a:latin typeface="Consolas" panose="020B0609020204030204" pitchFamily="49" charset="0"/>
+                <a:cs typeface="Consolas" panose="020B0609020204030204" pitchFamily="49" charset="0"/>
+              </a:rPr>
+              <a:t>Map&lt;Integer, String&gt; </a:t>
+            </a:r>
+            <a:r>
+              <a:rPr lang="en-GB" sz="1400" dirty="0" err="1">
+                <a:latin typeface="Consolas" panose="020B0609020204030204" pitchFamily="49" charset="0"/>
+                <a:cs typeface="Consolas" panose="020B0609020204030204" pitchFamily="49" charset="0"/>
+              </a:rPr>
+              <a:t>src</a:t>
+            </a:r>
+            <a:r>
+              <a:rPr lang="en-GB" sz="1400" dirty="0">
+                <a:latin typeface="Consolas" panose="020B0609020204030204" pitchFamily="49" charset="0"/>
+                <a:cs typeface="Consolas" panose="020B0609020204030204" pitchFamily="49" charset="0"/>
+              </a:rPr>
+              <a:t>;</a:t>
+            </a:r>
+            <a:br>
+              <a:rPr lang="en-GB" sz="1400" dirty="0">
+                <a:latin typeface="Consolas" panose="020B0609020204030204" pitchFamily="49" charset="0"/>
+                <a:cs typeface="Consolas" panose="020B0609020204030204" pitchFamily="49" charset="0"/>
+              </a:rPr>
+            </a:br>
+            <a:r>
+              <a:rPr lang="en-GB" sz="1400" dirty="0" err="1">
+                <a:latin typeface="Consolas" panose="020B0609020204030204" pitchFamily="49" charset="0"/>
+                <a:cs typeface="Consolas" panose="020B0609020204030204" pitchFamily="49" charset="0"/>
+              </a:rPr>
+              <a:t>src</a:t>
+            </a:r>
+            <a:r>
+              <a:rPr lang="en-GB" sz="1400" dirty="0">
+                <a:latin typeface="Consolas" panose="020B0609020204030204" pitchFamily="49" charset="0"/>
+                <a:cs typeface="Consolas" panose="020B0609020204030204" pitchFamily="49" charset="0"/>
+              </a:rPr>
+              <a:t> = new HashMap&lt;&gt;();</a:t>
+            </a:r>
+            <a:br>
+              <a:rPr lang="en-GB" sz="1400" dirty="0">
+                <a:latin typeface="Consolas" panose="020B0609020204030204" pitchFamily="49" charset="0"/>
+                <a:cs typeface="Consolas" panose="020B0609020204030204" pitchFamily="49" charset="0"/>
+              </a:rPr>
+            </a:br>
+            <a:r>
+              <a:rPr lang="en-GB" sz="1400" dirty="0" err="1">
+                <a:latin typeface="Consolas" panose="020B0609020204030204" pitchFamily="49" charset="0"/>
+                <a:cs typeface="Consolas" panose="020B0609020204030204" pitchFamily="49" charset="0"/>
+              </a:rPr>
+              <a:t>src.put</a:t>
+            </a:r>
+            <a:r>
+              <a:rPr lang="en-GB" sz="1400" dirty="0">
+                <a:latin typeface="Consolas" panose="020B0609020204030204" pitchFamily="49" charset="0"/>
+                <a:cs typeface="Consolas" panose="020B0609020204030204" pitchFamily="49" charset="0"/>
+              </a:rPr>
+              <a:t>(77, "Nicola");</a:t>
+            </a:r>
+            <a:br>
+              <a:rPr lang="en-GB" sz="1400" dirty="0">
+                <a:latin typeface="Consolas" panose="020B0609020204030204" pitchFamily="49" charset="0"/>
+                <a:cs typeface="Consolas" panose="020B0609020204030204" pitchFamily="49" charset="0"/>
+              </a:rPr>
+            </a:br>
+            <a:r>
+              <a:rPr lang="en-GB" sz="1400" dirty="0" err="1">
+                <a:latin typeface="Consolas" panose="020B0609020204030204" pitchFamily="49" charset="0"/>
+                <a:cs typeface="Consolas" panose="020B0609020204030204" pitchFamily="49" charset="0"/>
+              </a:rPr>
+              <a:t>src.put</a:t>
+            </a:r>
+            <a:r>
+              <a:rPr lang="en-GB" sz="1400" dirty="0">
+                <a:latin typeface="Consolas" panose="020B0609020204030204" pitchFamily="49" charset="0"/>
+                <a:cs typeface="Consolas" panose="020B0609020204030204" pitchFamily="49" charset="0"/>
+              </a:rPr>
+              <a:t>(17, "</a:t>
+            </a:r>
+            <a:r>
+              <a:rPr lang="en-GB" sz="1400" dirty="0" err="1">
+                <a:latin typeface="Consolas" panose="020B0609020204030204" pitchFamily="49" charset="0"/>
+                <a:cs typeface="Consolas" panose="020B0609020204030204" pitchFamily="49" charset="0"/>
               </a:rPr>
               <a:t>Marzia</a:t>
             </a:r>
             <a:r>
-              <a:rPr lang="en-US" sz="2000" dirty="0">
-                <a:latin typeface="Consolas"/>
-                <a:cs typeface="Consolas"/>
-              </a:rPr>
-              <a:t>”, 3, “Agata”, 4, “Nicola”, 1));</a:t>
-            </a:r>
-            <a:endParaRPr lang="mr-IN" sz="2000" dirty="0">
-              <a:latin typeface="Consolas"/>
-              <a:cs typeface="Consolas"/>
-            </a:endParaRPr>
-          </a:p>
-          <a:p>
-            <a:pPr marL="0" indent="0">
-              <a:buNone/>
-            </a:pPr>
-            <a:r>
-              <a:rPr lang="mr-IN" sz="2000" dirty="0">
-                <a:latin typeface="Consolas"/>
-                <a:cs typeface="Consolas"/>
-              </a:rPr>
-              <a:t>		</a:t>
-            </a:r>
-          </a:p>
-          <a:p>
-            <a:pPr marL="0" indent="0">
-              <a:buNone/>
-            </a:pPr>
-            <a:r>
-              <a:rPr lang="en-US" sz="2000" dirty="0" err="1">
-                <a:latin typeface="Consolas"/>
-                <a:cs typeface="Consolas"/>
+              <a:rPr lang="en-GB" sz="1400" dirty="0">
+                <a:latin typeface="Consolas" panose="020B0609020204030204" pitchFamily="49" charset="0"/>
+                <a:cs typeface="Consolas" panose="020B0609020204030204" pitchFamily="49" charset="0"/>
+              </a:rPr>
+              <a:t>");</a:t>
+            </a:r>
+            <a:br>
+              <a:rPr lang="en-GB" sz="1400" dirty="0">
+                <a:latin typeface="Consolas" panose="020B0609020204030204" pitchFamily="49" charset="0"/>
+                <a:cs typeface="Consolas" panose="020B0609020204030204" pitchFamily="49" charset="0"/>
+              </a:rPr>
+            </a:br>
+            <a:r>
+              <a:rPr lang="en-GB" sz="1400" dirty="0" err="1">
+                <a:latin typeface="Consolas" panose="020B0609020204030204" pitchFamily="49" charset="0"/>
+                <a:cs typeface="Consolas" panose="020B0609020204030204" pitchFamily="49" charset="0"/>
+              </a:rPr>
+              <a:t>src.put</a:t>
+            </a:r>
+            <a:r>
+              <a:rPr lang="en-GB" sz="1400" dirty="0">
+                <a:latin typeface="Consolas" panose="020B0609020204030204" pitchFamily="49" charset="0"/>
+                <a:cs typeface="Consolas" panose="020B0609020204030204" pitchFamily="49" charset="0"/>
+              </a:rPr>
+              <a:t>(22, "Agata");</a:t>
+            </a:r>
+            <a:br>
+              <a:rPr lang="en-GB" sz="1400" dirty="0">
+                <a:latin typeface="Consolas" panose="020B0609020204030204" pitchFamily="49" charset="0"/>
+                <a:cs typeface="Consolas" panose="020B0609020204030204" pitchFamily="49" charset="0"/>
+              </a:rPr>
+            </a:br>
+            <a:r>
+              <a:rPr lang="en-GB" sz="1400" dirty="0" err="1">
+                <a:latin typeface="Consolas" panose="020B0609020204030204" pitchFamily="49" charset="0"/>
+                <a:cs typeface="Consolas" panose="020B0609020204030204" pitchFamily="49" charset="0"/>
               </a:rPr>
               <a:t>System.</a:t>
             </a:r>
             <a:r>
-              <a:rPr lang="en-US" sz="2000" i="1" dirty="0" err="1">
-                <a:latin typeface="Consolas"/>
-                <a:cs typeface="Consolas"/>
-              </a:rPr>
-              <a:t>out.println</a:t>
-            </a:r>
-            <a:r>
-              <a:rPr lang="en-US" sz="2000" i="1" dirty="0">
-                <a:latin typeface="Consolas"/>
-                <a:cs typeface="Consolas"/>
-              </a:rPr>
-              <a:t>(m);    </a:t>
-            </a:r>
-          </a:p>
-          <a:p>
-            <a:pPr marL="0" indent="0">
-              <a:buNone/>
-            </a:pPr>
-            <a:r>
-              <a:rPr lang="en-US" sz="2000" dirty="0">
-                <a:latin typeface="Consolas"/>
-                <a:cs typeface="Consolas"/>
-              </a:rPr>
-              <a:t>{</a:t>
-            </a:r>
-            <a:r>
-              <a:rPr lang="en-US" sz="2000" dirty="0" err="1">
-                <a:latin typeface="Consolas"/>
-                <a:cs typeface="Consolas"/>
-              </a:rPr>
-              <a:t>Agata</a:t>
-            </a:r>
-            <a:r>
-              <a:rPr lang="en-US" sz="2000" dirty="0">
-                <a:latin typeface="Consolas"/>
-                <a:cs typeface="Consolas"/>
-              </a:rPr>
-              <a:t>=4, Nicola=1, </a:t>
-            </a:r>
-            <a:r>
-              <a:rPr lang="en-US" sz="2000" dirty="0" err="1">
-                <a:latin typeface="Consolas"/>
-                <a:cs typeface="Consolas"/>
+              <a:rPr lang="en-GB" sz="1400" i="1" dirty="0" err="1">
+                <a:latin typeface="Consolas" panose="020B0609020204030204" pitchFamily="49" charset="0"/>
+                <a:cs typeface="Consolas" panose="020B0609020204030204" pitchFamily="49" charset="0"/>
+              </a:rPr>
+              <a:t>out</a:t>
+            </a:r>
+            <a:r>
+              <a:rPr lang="en-GB" sz="1400" dirty="0" err="1">
+                <a:latin typeface="Consolas" panose="020B0609020204030204" pitchFamily="49" charset="0"/>
+                <a:cs typeface="Consolas" panose="020B0609020204030204" pitchFamily="49" charset="0"/>
+              </a:rPr>
+              <a:t>.println</a:t>
+            </a:r>
+            <a:r>
+              <a:rPr lang="en-GB" sz="1400" dirty="0">
+                <a:latin typeface="Consolas" panose="020B0609020204030204" pitchFamily="49" charset="0"/>
+                <a:cs typeface="Consolas" panose="020B0609020204030204" pitchFamily="49" charset="0"/>
+              </a:rPr>
+              <a:t>(</a:t>
+            </a:r>
+            <a:r>
+              <a:rPr lang="en-GB" sz="1400" dirty="0" err="1">
+                <a:latin typeface="Consolas" panose="020B0609020204030204" pitchFamily="49" charset="0"/>
+                <a:cs typeface="Consolas" panose="020B0609020204030204" pitchFamily="49" charset="0"/>
+              </a:rPr>
+              <a:t>src</a:t>
+            </a:r>
+            <a:r>
+              <a:rPr lang="en-GB" sz="1400" dirty="0">
+                <a:latin typeface="Consolas" panose="020B0609020204030204" pitchFamily="49" charset="0"/>
+                <a:cs typeface="Consolas" panose="020B0609020204030204" pitchFamily="49" charset="0"/>
+              </a:rPr>
+              <a:t>);</a:t>
+            </a:r>
+          </a:p>
+          <a:p>
+            <a:pPr marL="0" indent="0">
+              <a:buNone/>
+            </a:pPr>
+            <a:r>
+              <a:rPr lang="en-GB" sz="1400" dirty="0">
+                <a:latin typeface="Consolas" panose="020B0609020204030204" pitchFamily="49" charset="0"/>
+                <a:cs typeface="Consolas" panose="020B0609020204030204" pitchFamily="49" charset="0"/>
+              </a:rPr>
+              <a:t>// {17=</a:t>
+            </a:r>
+            <a:r>
+              <a:rPr lang="en-GB" sz="1400" dirty="0" err="1">
+                <a:latin typeface="Consolas" panose="020B0609020204030204" pitchFamily="49" charset="0"/>
+                <a:cs typeface="Consolas" panose="020B0609020204030204" pitchFamily="49" charset="0"/>
               </a:rPr>
               <a:t>Marzia</a:t>
             </a:r>
             <a:r>
-              <a:rPr lang="en-US" sz="2000" dirty="0">
-                <a:latin typeface="Consolas"/>
-                <a:cs typeface="Consolas"/>
-              </a:rPr>
-              <a:t>=3}</a:t>
-            </a:r>
-            <a:endParaRPr lang="en-US" sz="2000" i="1" dirty="0">
-              <a:latin typeface="Consolas"/>
-              <a:cs typeface="Consolas"/>
+              <a:rPr lang="en-GB" sz="1400" dirty="0">
+                <a:latin typeface="Consolas" panose="020B0609020204030204" pitchFamily="49" charset="0"/>
+                <a:cs typeface="Consolas" panose="020B0609020204030204" pitchFamily="49" charset="0"/>
+              </a:rPr>
+              <a:t>, 22=Agata, 77=Nicola}</a:t>
+            </a:r>
+            <a:br>
+              <a:rPr lang="en-GB" sz="1400" dirty="0">
+                <a:latin typeface="Consolas" panose="020B0609020204030204" pitchFamily="49" charset="0"/>
+                <a:cs typeface="Consolas" panose="020B0609020204030204" pitchFamily="49" charset="0"/>
+              </a:rPr>
+            </a:br>
+            <a:br>
+              <a:rPr lang="en-GB" sz="1400" dirty="0">
+                <a:latin typeface="Consolas" panose="020B0609020204030204" pitchFamily="49" charset="0"/>
+                <a:cs typeface="Consolas" panose="020B0609020204030204" pitchFamily="49" charset="0"/>
+              </a:rPr>
+            </a:br>
+            <a:r>
+              <a:rPr lang="en-GB" sz="1400" dirty="0" err="1">
+                <a:latin typeface="Consolas" panose="020B0609020204030204" pitchFamily="49" charset="0"/>
+                <a:cs typeface="Consolas" panose="020B0609020204030204" pitchFamily="49" charset="0"/>
+              </a:rPr>
+              <a:t>src</a:t>
+            </a:r>
+            <a:r>
+              <a:rPr lang="en-GB" sz="1400" dirty="0">
+                <a:latin typeface="Consolas" panose="020B0609020204030204" pitchFamily="49" charset="0"/>
+                <a:cs typeface="Consolas" panose="020B0609020204030204" pitchFamily="49" charset="0"/>
+              </a:rPr>
+              <a:t> = new </a:t>
+            </a:r>
+            <a:r>
+              <a:rPr lang="en-GB" sz="1400" dirty="0" err="1">
+                <a:latin typeface="Consolas" panose="020B0609020204030204" pitchFamily="49" charset="0"/>
+                <a:cs typeface="Consolas" panose="020B0609020204030204" pitchFamily="49" charset="0"/>
+              </a:rPr>
+              <a:t>LinkedHashMap</a:t>
+            </a:r>
+            <a:r>
+              <a:rPr lang="en-GB" sz="1400" dirty="0">
+                <a:latin typeface="Consolas" panose="020B0609020204030204" pitchFamily="49" charset="0"/>
+                <a:cs typeface="Consolas" panose="020B0609020204030204" pitchFamily="49" charset="0"/>
+              </a:rPr>
+              <a:t>&lt;&gt;();</a:t>
+            </a:r>
+            <a:br>
+              <a:rPr lang="en-GB" sz="1400" dirty="0">
+                <a:latin typeface="Consolas" panose="020B0609020204030204" pitchFamily="49" charset="0"/>
+                <a:cs typeface="Consolas" panose="020B0609020204030204" pitchFamily="49" charset="0"/>
+              </a:rPr>
+            </a:br>
+            <a:r>
+              <a:rPr lang="en-GB" sz="1400" dirty="0" err="1">
+                <a:latin typeface="Consolas" panose="020B0609020204030204" pitchFamily="49" charset="0"/>
+                <a:cs typeface="Consolas" panose="020B0609020204030204" pitchFamily="49" charset="0"/>
+              </a:rPr>
+              <a:t>src.put</a:t>
+            </a:r>
+            <a:r>
+              <a:rPr lang="en-GB" sz="1400" dirty="0">
+                <a:latin typeface="Consolas" panose="020B0609020204030204" pitchFamily="49" charset="0"/>
+                <a:cs typeface="Consolas" panose="020B0609020204030204" pitchFamily="49" charset="0"/>
+              </a:rPr>
+              <a:t>(77, "Nicola");</a:t>
+            </a:r>
+            <a:br>
+              <a:rPr lang="en-GB" sz="1400" dirty="0">
+                <a:latin typeface="Consolas" panose="020B0609020204030204" pitchFamily="49" charset="0"/>
+                <a:cs typeface="Consolas" panose="020B0609020204030204" pitchFamily="49" charset="0"/>
+              </a:rPr>
+            </a:br>
+            <a:r>
+              <a:rPr lang="en-GB" sz="1400" dirty="0" err="1">
+                <a:latin typeface="Consolas" panose="020B0609020204030204" pitchFamily="49" charset="0"/>
+                <a:cs typeface="Consolas" panose="020B0609020204030204" pitchFamily="49" charset="0"/>
+              </a:rPr>
+              <a:t>src.put</a:t>
+            </a:r>
+            <a:r>
+              <a:rPr lang="en-GB" sz="1400" dirty="0">
+                <a:latin typeface="Consolas" panose="020B0609020204030204" pitchFamily="49" charset="0"/>
+                <a:cs typeface="Consolas" panose="020B0609020204030204" pitchFamily="49" charset="0"/>
+              </a:rPr>
+              <a:t>(17, "</a:t>
+            </a:r>
+            <a:r>
+              <a:rPr lang="en-GB" sz="1400" dirty="0" err="1">
+                <a:latin typeface="Consolas" panose="020B0609020204030204" pitchFamily="49" charset="0"/>
+                <a:cs typeface="Consolas" panose="020B0609020204030204" pitchFamily="49" charset="0"/>
+              </a:rPr>
+              <a:t>Marzia</a:t>
+            </a:r>
+            <a:r>
+              <a:rPr lang="en-GB" sz="1400" dirty="0">
+                <a:latin typeface="Consolas" panose="020B0609020204030204" pitchFamily="49" charset="0"/>
+                <a:cs typeface="Consolas" panose="020B0609020204030204" pitchFamily="49" charset="0"/>
+              </a:rPr>
+              <a:t>");</a:t>
+            </a:r>
+            <a:br>
+              <a:rPr lang="en-GB" sz="1400" dirty="0">
+                <a:latin typeface="Consolas" panose="020B0609020204030204" pitchFamily="49" charset="0"/>
+                <a:cs typeface="Consolas" panose="020B0609020204030204" pitchFamily="49" charset="0"/>
+              </a:rPr>
+            </a:br>
+            <a:r>
+              <a:rPr lang="en-GB" sz="1400" dirty="0" err="1">
+                <a:latin typeface="Consolas" panose="020B0609020204030204" pitchFamily="49" charset="0"/>
+                <a:cs typeface="Consolas" panose="020B0609020204030204" pitchFamily="49" charset="0"/>
+              </a:rPr>
+              <a:t>src.put</a:t>
+            </a:r>
+            <a:r>
+              <a:rPr lang="en-GB" sz="1400" dirty="0">
+                <a:latin typeface="Consolas" panose="020B0609020204030204" pitchFamily="49" charset="0"/>
+                <a:cs typeface="Consolas" panose="020B0609020204030204" pitchFamily="49" charset="0"/>
+              </a:rPr>
+              <a:t>(22, "Agata");</a:t>
+            </a:r>
+            <a:br>
+              <a:rPr lang="en-GB" sz="1400" dirty="0">
+                <a:latin typeface="Consolas" panose="020B0609020204030204" pitchFamily="49" charset="0"/>
+                <a:cs typeface="Consolas" panose="020B0609020204030204" pitchFamily="49" charset="0"/>
+              </a:rPr>
+            </a:br>
+            <a:r>
+              <a:rPr lang="en-GB" sz="1400" dirty="0" err="1">
+                <a:latin typeface="Consolas" panose="020B0609020204030204" pitchFamily="49" charset="0"/>
+                <a:cs typeface="Consolas" panose="020B0609020204030204" pitchFamily="49" charset="0"/>
+              </a:rPr>
+              <a:t>System.</a:t>
+            </a:r>
+            <a:r>
+              <a:rPr lang="en-GB" sz="1400" i="1" dirty="0" err="1">
+                <a:latin typeface="Consolas" panose="020B0609020204030204" pitchFamily="49" charset="0"/>
+                <a:cs typeface="Consolas" panose="020B0609020204030204" pitchFamily="49" charset="0"/>
+              </a:rPr>
+              <a:t>out</a:t>
+            </a:r>
+            <a:r>
+              <a:rPr lang="en-GB" sz="1400" dirty="0" err="1">
+                <a:latin typeface="Consolas" panose="020B0609020204030204" pitchFamily="49" charset="0"/>
+                <a:cs typeface="Consolas" panose="020B0609020204030204" pitchFamily="49" charset="0"/>
+              </a:rPr>
+              <a:t>.println</a:t>
+            </a:r>
+            <a:r>
+              <a:rPr lang="en-GB" sz="1400" dirty="0">
+                <a:latin typeface="Consolas" panose="020B0609020204030204" pitchFamily="49" charset="0"/>
+                <a:cs typeface="Consolas" panose="020B0609020204030204" pitchFamily="49" charset="0"/>
+              </a:rPr>
+              <a:t>(</a:t>
+            </a:r>
+            <a:r>
+              <a:rPr lang="en-GB" sz="1400" dirty="0" err="1">
+                <a:latin typeface="Consolas" panose="020B0609020204030204" pitchFamily="49" charset="0"/>
+                <a:cs typeface="Consolas" panose="020B0609020204030204" pitchFamily="49" charset="0"/>
+              </a:rPr>
+              <a:t>src</a:t>
+            </a:r>
+            <a:r>
+              <a:rPr lang="en-GB" sz="1400" dirty="0">
+                <a:latin typeface="Consolas" panose="020B0609020204030204" pitchFamily="49" charset="0"/>
+                <a:cs typeface="Consolas" panose="020B0609020204030204" pitchFamily="49" charset="0"/>
+              </a:rPr>
+              <a:t>);</a:t>
+            </a:r>
+          </a:p>
+          <a:p>
+            <a:pPr marL="0" indent="0">
+              <a:buNone/>
+            </a:pPr>
+            <a:r>
+              <a:rPr lang="en-GB" sz="1400" dirty="0">
+                <a:latin typeface="Consolas" panose="020B0609020204030204" pitchFamily="49" charset="0"/>
+                <a:cs typeface="Consolas" panose="020B0609020204030204" pitchFamily="49" charset="0"/>
+              </a:rPr>
+              <a:t>// {77=Nicola, 17=</a:t>
+            </a:r>
+            <a:r>
+              <a:rPr lang="en-GB" sz="1400" dirty="0" err="1">
+                <a:latin typeface="Consolas" panose="020B0609020204030204" pitchFamily="49" charset="0"/>
+                <a:cs typeface="Consolas" panose="020B0609020204030204" pitchFamily="49" charset="0"/>
+              </a:rPr>
+              <a:t>Marzia</a:t>
+            </a:r>
+            <a:r>
+              <a:rPr lang="en-GB" sz="1400" dirty="0">
+                <a:latin typeface="Consolas" panose="020B0609020204030204" pitchFamily="49" charset="0"/>
+                <a:cs typeface="Consolas" panose="020B0609020204030204" pitchFamily="49" charset="0"/>
+              </a:rPr>
+              <a:t>, 22=Agata}</a:t>
+            </a:r>
+            <a:br>
+              <a:rPr lang="en-GB" sz="1400" dirty="0">
+                <a:latin typeface="Consolas" panose="020B0609020204030204" pitchFamily="49" charset="0"/>
+                <a:cs typeface="Consolas" panose="020B0609020204030204" pitchFamily="49" charset="0"/>
+              </a:rPr>
+            </a:br>
+            <a:br>
+              <a:rPr lang="en-GB" sz="1400" dirty="0">
+                <a:latin typeface="Consolas" panose="020B0609020204030204" pitchFamily="49" charset="0"/>
+                <a:cs typeface="Consolas" panose="020B0609020204030204" pitchFamily="49" charset="0"/>
+              </a:rPr>
+            </a:br>
+            <a:r>
+              <a:rPr lang="en-GB" sz="1400" dirty="0" err="1">
+                <a:latin typeface="Consolas" panose="020B0609020204030204" pitchFamily="49" charset="0"/>
+                <a:cs typeface="Consolas" panose="020B0609020204030204" pitchFamily="49" charset="0"/>
+              </a:rPr>
+              <a:t>src</a:t>
+            </a:r>
+            <a:r>
+              <a:rPr lang="en-GB" sz="1400" dirty="0">
+                <a:latin typeface="Consolas" panose="020B0609020204030204" pitchFamily="49" charset="0"/>
+                <a:cs typeface="Consolas" panose="020B0609020204030204" pitchFamily="49" charset="0"/>
+              </a:rPr>
+              <a:t> = new </a:t>
+            </a:r>
+            <a:r>
+              <a:rPr lang="en-GB" sz="1400" dirty="0" err="1">
+                <a:latin typeface="Consolas" panose="020B0609020204030204" pitchFamily="49" charset="0"/>
+                <a:cs typeface="Consolas" panose="020B0609020204030204" pitchFamily="49" charset="0"/>
+              </a:rPr>
+              <a:t>TreeMap</a:t>
+            </a:r>
+            <a:r>
+              <a:rPr lang="en-GB" sz="1400" dirty="0">
+                <a:latin typeface="Consolas" panose="020B0609020204030204" pitchFamily="49" charset="0"/>
+                <a:cs typeface="Consolas" panose="020B0609020204030204" pitchFamily="49" charset="0"/>
+              </a:rPr>
+              <a:t>&lt;&gt;();</a:t>
+            </a:r>
+            <a:br>
+              <a:rPr lang="en-GB" sz="1400" dirty="0">
+                <a:latin typeface="Consolas" panose="020B0609020204030204" pitchFamily="49" charset="0"/>
+                <a:cs typeface="Consolas" panose="020B0609020204030204" pitchFamily="49" charset="0"/>
+              </a:rPr>
+            </a:br>
+            <a:r>
+              <a:rPr lang="en-GB" sz="1400" dirty="0" err="1">
+                <a:latin typeface="Consolas" panose="020B0609020204030204" pitchFamily="49" charset="0"/>
+                <a:cs typeface="Consolas" panose="020B0609020204030204" pitchFamily="49" charset="0"/>
+              </a:rPr>
+              <a:t>src.put</a:t>
+            </a:r>
+            <a:r>
+              <a:rPr lang="en-GB" sz="1400" dirty="0">
+                <a:latin typeface="Consolas" panose="020B0609020204030204" pitchFamily="49" charset="0"/>
+                <a:cs typeface="Consolas" panose="020B0609020204030204" pitchFamily="49" charset="0"/>
+              </a:rPr>
+              <a:t>(77, "Nicola");</a:t>
+            </a:r>
+            <a:br>
+              <a:rPr lang="en-GB" sz="1400" dirty="0">
+                <a:latin typeface="Consolas" panose="020B0609020204030204" pitchFamily="49" charset="0"/>
+                <a:cs typeface="Consolas" panose="020B0609020204030204" pitchFamily="49" charset="0"/>
+              </a:rPr>
+            </a:br>
+            <a:r>
+              <a:rPr lang="en-GB" sz="1400" dirty="0" err="1">
+                <a:latin typeface="Consolas" panose="020B0609020204030204" pitchFamily="49" charset="0"/>
+                <a:cs typeface="Consolas" panose="020B0609020204030204" pitchFamily="49" charset="0"/>
+              </a:rPr>
+              <a:t>src.put</a:t>
+            </a:r>
+            <a:r>
+              <a:rPr lang="en-GB" sz="1400" dirty="0">
+                <a:latin typeface="Consolas" panose="020B0609020204030204" pitchFamily="49" charset="0"/>
+                <a:cs typeface="Consolas" panose="020B0609020204030204" pitchFamily="49" charset="0"/>
+              </a:rPr>
+              <a:t>(17, "</a:t>
+            </a:r>
+            <a:r>
+              <a:rPr lang="en-GB" sz="1400" dirty="0" err="1">
+                <a:latin typeface="Consolas" panose="020B0609020204030204" pitchFamily="49" charset="0"/>
+                <a:cs typeface="Consolas" panose="020B0609020204030204" pitchFamily="49" charset="0"/>
+              </a:rPr>
+              <a:t>Marzia</a:t>
+            </a:r>
+            <a:r>
+              <a:rPr lang="en-GB" sz="1400" dirty="0">
+                <a:latin typeface="Consolas" panose="020B0609020204030204" pitchFamily="49" charset="0"/>
+                <a:cs typeface="Consolas" panose="020B0609020204030204" pitchFamily="49" charset="0"/>
+              </a:rPr>
+              <a:t>");</a:t>
+            </a:r>
+            <a:br>
+              <a:rPr lang="en-GB" sz="1400" dirty="0">
+                <a:latin typeface="Consolas" panose="020B0609020204030204" pitchFamily="49" charset="0"/>
+                <a:cs typeface="Consolas" panose="020B0609020204030204" pitchFamily="49" charset="0"/>
+              </a:rPr>
+            </a:br>
+            <a:r>
+              <a:rPr lang="en-GB" sz="1400" dirty="0" err="1">
+                <a:latin typeface="Consolas" panose="020B0609020204030204" pitchFamily="49" charset="0"/>
+                <a:cs typeface="Consolas" panose="020B0609020204030204" pitchFamily="49" charset="0"/>
+              </a:rPr>
+              <a:t>src.put</a:t>
+            </a:r>
+            <a:r>
+              <a:rPr lang="en-GB" sz="1400" dirty="0">
+                <a:latin typeface="Consolas" panose="020B0609020204030204" pitchFamily="49" charset="0"/>
+                <a:cs typeface="Consolas" panose="020B0609020204030204" pitchFamily="49" charset="0"/>
+              </a:rPr>
+              <a:t>(22, "Agata");</a:t>
+            </a:r>
+            <a:br>
+              <a:rPr lang="en-GB" sz="1400" dirty="0">
+                <a:latin typeface="Consolas" panose="020B0609020204030204" pitchFamily="49" charset="0"/>
+                <a:cs typeface="Consolas" panose="020B0609020204030204" pitchFamily="49" charset="0"/>
+              </a:rPr>
+            </a:br>
+            <a:r>
+              <a:rPr lang="en-GB" sz="1400" dirty="0" err="1">
+                <a:latin typeface="Consolas" panose="020B0609020204030204" pitchFamily="49" charset="0"/>
+                <a:cs typeface="Consolas" panose="020B0609020204030204" pitchFamily="49" charset="0"/>
+              </a:rPr>
+              <a:t>System.</a:t>
+            </a:r>
+            <a:r>
+              <a:rPr lang="en-GB" sz="1400" i="1" dirty="0" err="1">
+                <a:latin typeface="Consolas" panose="020B0609020204030204" pitchFamily="49" charset="0"/>
+                <a:cs typeface="Consolas" panose="020B0609020204030204" pitchFamily="49" charset="0"/>
+              </a:rPr>
+              <a:t>out</a:t>
+            </a:r>
+            <a:r>
+              <a:rPr lang="en-GB" sz="1400" dirty="0" err="1">
+                <a:latin typeface="Consolas" panose="020B0609020204030204" pitchFamily="49" charset="0"/>
+                <a:cs typeface="Consolas" panose="020B0609020204030204" pitchFamily="49" charset="0"/>
+              </a:rPr>
+              <a:t>.println</a:t>
+            </a:r>
+            <a:r>
+              <a:rPr lang="en-GB" sz="1400" dirty="0">
+                <a:latin typeface="Consolas" panose="020B0609020204030204" pitchFamily="49" charset="0"/>
+                <a:cs typeface="Consolas" panose="020B0609020204030204" pitchFamily="49" charset="0"/>
+              </a:rPr>
+              <a:t>(</a:t>
+            </a:r>
+            <a:r>
+              <a:rPr lang="en-GB" sz="1400" dirty="0" err="1">
+                <a:latin typeface="Consolas" panose="020B0609020204030204" pitchFamily="49" charset="0"/>
+                <a:cs typeface="Consolas" panose="020B0609020204030204" pitchFamily="49" charset="0"/>
+              </a:rPr>
+              <a:t>src</a:t>
+            </a:r>
+            <a:r>
+              <a:rPr lang="en-GB" sz="1400" dirty="0">
+                <a:latin typeface="Consolas" panose="020B0609020204030204" pitchFamily="49" charset="0"/>
+                <a:cs typeface="Consolas" panose="020B0609020204030204" pitchFamily="49" charset="0"/>
+              </a:rPr>
+              <a:t>);</a:t>
+            </a:r>
+          </a:p>
+          <a:p>
+            <a:pPr marL="0" indent="0">
+              <a:buNone/>
+            </a:pPr>
+            <a:r>
+              <a:rPr lang="en-GB" sz="1400" dirty="0">
+                <a:latin typeface="Consolas" panose="020B0609020204030204" pitchFamily="49" charset="0"/>
+                <a:cs typeface="Consolas" panose="020B0609020204030204" pitchFamily="49" charset="0"/>
+              </a:rPr>
+              <a:t>// {17=</a:t>
+            </a:r>
+            <a:r>
+              <a:rPr lang="en-GB" sz="1400" dirty="0" err="1">
+                <a:latin typeface="Consolas" panose="020B0609020204030204" pitchFamily="49" charset="0"/>
+                <a:cs typeface="Consolas" panose="020B0609020204030204" pitchFamily="49" charset="0"/>
+              </a:rPr>
+              <a:t>Marzia</a:t>
+            </a:r>
+            <a:r>
+              <a:rPr lang="en-GB" sz="1400" dirty="0">
+                <a:latin typeface="Consolas" panose="020B0609020204030204" pitchFamily="49" charset="0"/>
+                <a:cs typeface="Consolas" panose="020B0609020204030204" pitchFamily="49" charset="0"/>
+              </a:rPr>
+              <a:t>, 22=Agata, 77=Nicola}</a:t>
+            </a:r>
+            <a:endParaRPr lang="en-IT" sz="1400" dirty="0">
+              <a:latin typeface="Consolas" panose="020B0609020204030204" pitchFamily="49" charset="0"/>
+              <a:cs typeface="Consolas" panose="020B0609020204030204" pitchFamily="49" charset="0"/>
             </a:endParaRPr>
           </a:p>
         </p:txBody>
@@ -15744,7 +16129,7 @@
     </p:spTree>
     <p:extLst>
       <p:ext uri="{BB962C8B-B14F-4D97-AF65-F5344CB8AC3E}">
-        <p14:creationId xmlns:p14="http://schemas.microsoft.com/office/powerpoint/2010/main" val="2077211841"/>
+        <p14:creationId xmlns:p14="http://schemas.microsoft.com/office/powerpoint/2010/main" val="897957614"/>
       </p:ext>
     </p:extLst>
   </p:cSld>
@@ -16239,6 +16624,13 @@
           <a:p>
             <a:r>
               <a:rPr lang="en-US" sz="2800" dirty="0">
+                <a:latin typeface="Calibri" panose="020F0502020204030204" pitchFamily="34" charset="0"/>
+                <a:cs typeface="Calibri" panose="020F0502020204030204" pitchFamily="34" charset="0"/>
+              </a:rPr>
+              <a:t>It is </a:t>
+            </a:r>
+            <a:r>
+              <a:rPr lang="en-US" sz="2800" dirty="0">
                 <a:solidFill>
                   <a:schemeClr val="accent6">
                     <a:lumMod val="75000"/>
@@ -16247,7 +16639,14 @@
                 <a:latin typeface="Calibri" panose="020F0502020204030204" pitchFamily="34" charset="0"/>
                 <a:cs typeface="Calibri" panose="020F0502020204030204" pitchFamily="34" charset="0"/>
               </a:rPr>
-              <a:t>It is unsafe to modify (adding or removing elements) a Collection while iterating over it! </a:t>
+              <a:t>unsafe</a:t>
+            </a:r>
+            <a:r>
+              <a:rPr lang="en-US" sz="2800" dirty="0">
+                <a:latin typeface="Calibri" panose="020F0502020204030204" pitchFamily="34" charset="0"/>
+                <a:cs typeface="Calibri" panose="020F0502020204030204" pitchFamily="34" charset="0"/>
+              </a:rPr>
+              <a:t> to modify (adding or removing elements) a Collection while iterating over it! </a:t>
             </a:r>
           </a:p>
           <a:p>
@@ -19932,188 +20331,197 @@
           </a:bodyPr>
           <a:lstStyle/>
           <a:p>
-            <a:pPr marL="0" indent="0">
-              <a:buNone/>
-            </a:pPr>
-            <a:r>
-              <a:rPr lang="en-US" sz="2000" dirty="0">
-                <a:latin typeface="Consolas"/>
-                <a:cs typeface="Consolas"/>
-              </a:rPr>
-              <a:t>public </a:t>
-            </a:r>
-            <a:r>
-              <a:rPr lang="en-US" sz="2000" dirty="0">
+            <a:r>
+              <a:rPr lang="en-US" sz="1800" dirty="0"/>
+              <a:t>For sorting collections of objects, the </a:t>
+            </a:r>
+            <a:r>
+              <a:rPr lang="en-US" sz="1800" dirty="0">
                 <a:solidFill>
                   <a:schemeClr val="accent6">
                     <a:lumMod val="75000"/>
                   </a:schemeClr>
                 </a:solidFill>
-                <a:latin typeface="Consolas"/>
-                <a:cs typeface="Consolas"/>
-              </a:rPr>
-              <a:t>interface Comparable</a:t>
-            </a:r>
-            <a:r>
-              <a:rPr lang="en-US" sz="2000" dirty="0">
-                <a:latin typeface="Consolas"/>
-                <a:cs typeface="Consolas"/>
-              </a:rPr>
-              <a:t>&lt;T&gt; { </a:t>
-            </a:r>
-          </a:p>
-          <a:p>
-            <a:pPr marL="0" indent="0">
-              <a:buNone/>
-            </a:pPr>
-            <a:r>
-              <a:rPr lang="en-US" sz="2000" dirty="0">
-                <a:latin typeface="Consolas"/>
-                <a:cs typeface="Consolas"/>
-              </a:rPr>
-              <a:t>  public </a:t>
-            </a:r>
-            <a:r>
-              <a:rPr lang="en-US" sz="2000" dirty="0" err="1">
-                <a:latin typeface="Consolas"/>
-                <a:cs typeface="Consolas"/>
-              </a:rPr>
-              <a:t>int</a:t>
-            </a:r>
-            <a:r>
-              <a:rPr lang="en-US" sz="2000" dirty="0">
-                <a:latin typeface="Consolas"/>
-                <a:cs typeface="Consolas"/>
-              </a:rPr>
-              <a:t> </a:t>
-            </a:r>
-            <a:r>
-              <a:rPr lang="en-US" sz="2000" dirty="0" err="1">
-                <a:latin typeface="Consolas"/>
-                <a:cs typeface="Consolas"/>
-              </a:rPr>
-              <a:t>compareTo</a:t>
-            </a:r>
-            <a:r>
-              <a:rPr lang="en-US" sz="2000" dirty="0">
-                <a:latin typeface="Consolas"/>
-                <a:cs typeface="Consolas"/>
-              </a:rPr>
-              <a:t>(T </a:t>
-            </a:r>
-            <a:r>
-              <a:rPr lang="en-US" sz="2000" dirty="0" err="1">
-                <a:latin typeface="Consolas"/>
-                <a:cs typeface="Consolas"/>
-              </a:rPr>
-              <a:t>obj</a:t>
-            </a:r>
-            <a:r>
-              <a:rPr lang="en-US" sz="2000" dirty="0">
-                <a:latin typeface="Consolas"/>
-                <a:cs typeface="Consolas"/>
-              </a:rPr>
-              <a:t>); </a:t>
-            </a:r>
-          </a:p>
-          <a:p>
-            <a:pPr marL="0" indent="0">
-              <a:buNone/>
-            </a:pPr>
-            <a:r>
-              <a:rPr lang="en-US" sz="2000" dirty="0">
-                <a:latin typeface="Consolas"/>
-                <a:cs typeface="Consolas"/>
-              </a:rPr>
-              <a:t>}</a:t>
-            </a:r>
-          </a:p>
-          <a:p>
-            <a:pPr marL="0" indent="0">
-              <a:buNone/>
-            </a:pPr>
-            <a:endParaRPr lang="en-US" sz="2000" dirty="0">
-              <a:latin typeface="Consolas"/>
-              <a:cs typeface="Consolas"/>
-            </a:endParaRPr>
-          </a:p>
-          <a:p>
-            <a:pPr marL="0" indent="0">
-              <a:buNone/>
-            </a:pPr>
-            <a:r>
-              <a:rPr lang="en-US" sz="2000" dirty="0">
-                <a:latin typeface="Consolas"/>
-                <a:cs typeface="Consolas"/>
-              </a:rPr>
-              <a:t>public </a:t>
-            </a:r>
-            <a:r>
-              <a:rPr lang="en-US" sz="2000" dirty="0">
+              </a:rPr>
+              <a:t>Comparable interface</a:t>
+            </a:r>
+            <a:r>
+              <a:rPr lang="en-US" sz="1800" dirty="0"/>
+              <a:t> must be implemented for </a:t>
+            </a:r>
+            <a:r>
+              <a:rPr lang="en-US" sz="1800" dirty="0">
                 <a:solidFill>
                   <a:schemeClr val="accent6">
                     <a:lumMod val="75000"/>
                   </a:schemeClr>
                 </a:solidFill>
-                <a:latin typeface="Consolas"/>
-                <a:cs typeface="Consolas"/>
-              </a:rPr>
-              <a:t>interface Comparator</a:t>
-            </a:r>
-            <a:r>
-              <a:rPr lang="en-US" sz="2000" dirty="0">
-                <a:latin typeface="Consolas"/>
-                <a:cs typeface="Consolas"/>
-              </a:rPr>
-              <a:t>&lt;T&gt; { </a:t>
-            </a:r>
-          </a:p>
-          <a:p>
-            <a:pPr marL="0" indent="0">
-              <a:buNone/>
-            </a:pPr>
-            <a:r>
-              <a:rPr lang="en-US" sz="2000" dirty="0">
-                <a:latin typeface="Consolas"/>
-                <a:cs typeface="Consolas"/>
-              </a:rPr>
-              <a:t>  public </a:t>
-            </a:r>
-            <a:r>
-              <a:rPr lang="en-US" sz="2000" dirty="0" err="1">
-                <a:latin typeface="Consolas"/>
-                <a:cs typeface="Consolas"/>
-              </a:rPr>
-              <a:t>int</a:t>
-            </a:r>
-            <a:r>
-              <a:rPr lang="en-US" sz="2000" dirty="0">
-                <a:latin typeface="Consolas"/>
-                <a:cs typeface="Consolas"/>
-              </a:rPr>
-              <a:t> compare(T obj1, T obj2);</a:t>
-            </a:r>
-          </a:p>
-          <a:p>
-            <a:pPr marL="0" indent="0">
-              <a:buNone/>
-            </a:pPr>
-            <a:r>
-              <a:rPr lang="en-US" sz="2000" dirty="0">
-                <a:latin typeface="Consolas"/>
-                <a:cs typeface="Consolas"/>
-              </a:rPr>
-              <a:t>} </a:t>
-            </a:r>
-          </a:p>
-          <a:p>
-            <a:pPr marL="0" indent="0">
-              <a:buNone/>
-            </a:pPr>
-            <a:endParaRPr lang="en-US" sz="2000" dirty="0"/>
-          </a:p>
-          <a:p>
-            <a:endParaRPr lang="en-US" sz="2000" dirty="0"/>
+              </a:rPr>
+              <a:t>making objects comparable to each other</a:t>
+            </a:r>
+            <a:r>
+              <a:rPr lang="en-US" sz="1800" dirty="0"/>
+              <a:t>.</a:t>
+            </a:r>
+          </a:p>
+          <a:p>
+            <a:r>
+              <a:rPr lang="en-US" sz="1800" dirty="0">
+                <a:solidFill>
+                  <a:schemeClr val="accent6">
+                    <a:lumMod val="75000"/>
+                  </a:schemeClr>
+                </a:solidFill>
+                <a:latin typeface="Calibri" panose="020F0502020204030204" pitchFamily="34" charset="0"/>
+                <a:cs typeface="Calibri" panose="020F0502020204030204" pitchFamily="34" charset="0"/>
+              </a:rPr>
+              <a:t>The Comparable Interface is implemented by default in common types in packages </a:t>
+            </a:r>
+            <a:r>
+              <a:rPr lang="en-US" sz="1800" dirty="0" err="1">
+                <a:solidFill>
+                  <a:schemeClr val="accent6">
+                    <a:lumMod val="75000"/>
+                  </a:schemeClr>
+                </a:solidFill>
+                <a:latin typeface="Calibri" panose="020F0502020204030204" pitchFamily="34" charset="0"/>
+                <a:cs typeface="Calibri" panose="020F0502020204030204" pitchFamily="34" charset="0"/>
+              </a:rPr>
+              <a:t>java.lang</a:t>
+            </a:r>
+            <a:r>
+              <a:rPr lang="en-US" sz="1800" dirty="0">
+                <a:solidFill>
+                  <a:schemeClr val="accent6">
+                    <a:lumMod val="75000"/>
+                  </a:schemeClr>
+                </a:solidFill>
+                <a:latin typeface="Calibri" panose="020F0502020204030204" pitchFamily="34" charset="0"/>
+                <a:cs typeface="Calibri" panose="020F0502020204030204" pitchFamily="34" charset="0"/>
+              </a:rPr>
+              <a:t> and </a:t>
+            </a:r>
+            <a:r>
+              <a:rPr lang="en-US" sz="1800" dirty="0" err="1">
+                <a:solidFill>
+                  <a:schemeClr val="accent6">
+                    <a:lumMod val="75000"/>
+                  </a:schemeClr>
+                </a:solidFill>
+                <a:latin typeface="Calibri" panose="020F0502020204030204" pitchFamily="34" charset="0"/>
+                <a:cs typeface="Calibri" panose="020F0502020204030204" pitchFamily="34" charset="0"/>
+              </a:rPr>
+              <a:t>java.util</a:t>
+            </a:r>
+            <a:r>
+              <a:rPr lang="en-US" sz="1800" dirty="0">
+                <a:solidFill>
+                  <a:schemeClr val="accent6">
+                    <a:lumMod val="75000"/>
+                  </a:schemeClr>
+                </a:solidFill>
+                <a:latin typeface="Calibri" panose="020F0502020204030204" pitchFamily="34" charset="0"/>
+                <a:cs typeface="Calibri" panose="020F0502020204030204" pitchFamily="34" charset="0"/>
+              </a:rPr>
+              <a:t> </a:t>
+            </a:r>
+            <a:endParaRPr lang="en-US" sz="1800" dirty="0"/>
+          </a:p>
+          <a:p>
+            <a:r>
+              <a:rPr lang="en-US" sz="1800" dirty="0"/>
+              <a:t>A collection of T can be sorted if T implements Comparable. The </a:t>
+            </a:r>
+            <a:r>
+              <a:rPr lang="en-US" sz="1800" dirty="0" err="1"/>
+              <a:t>compareTo</a:t>
+            </a:r>
+            <a:r>
+              <a:rPr lang="en-US" sz="1800" dirty="0"/>
+              <a:t>() method compares the object with the object passed as a parameter. Return value must be:</a:t>
+            </a:r>
+          </a:p>
+          <a:p>
+            <a:pPr marL="0" indent="0">
+              <a:buNone/>
+            </a:pPr>
+            <a:endParaRPr lang="en-US" sz="1800" dirty="0"/>
+          </a:p>
+          <a:p>
+            <a:pPr marL="0" indent="0">
+              <a:buNone/>
+            </a:pPr>
+            <a:r>
+              <a:rPr lang="en-US" sz="1800" dirty="0"/>
+              <a:t>&lt; 0   if </a:t>
+            </a:r>
+            <a:r>
+              <a:rPr lang="en-US" sz="1800" i="1" dirty="0"/>
+              <a:t>this object </a:t>
+            </a:r>
+            <a:r>
+              <a:rPr lang="en-US" sz="1800" dirty="0"/>
+              <a:t>precedes </a:t>
+            </a:r>
+            <a:r>
+              <a:rPr lang="en-US" sz="1800" i="1" dirty="0"/>
+              <a:t>obj</a:t>
+            </a:r>
+          </a:p>
+          <a:p>
+            <a:pPr marL="0" indent="0">
+              <a:buNone/>
+            </a:pPr>
+            <a:r>
+              <a:rPr lang="en-US" sz="1800" dirty="0"/>
+              <a:t>== 0 if </a:t>
+            </a:r>
+            <a:r>
+              <a:rPr lang="en-US" sz="1800" i="1" dirty="0"/>
+              <a:t>this object </a:t>
+            </a:r>
+            <a:r>
+              <a:rPr lang="en-US" sz="1800" dirty="0"/>
+              <a:t>has the same position as </a:t>
+            </a:r>
+            <a:r>
+              <a:rPr lang="en-US" sz="1800" i="1" dirty="0"/>
+              <a:t>obj</a:t>
+            </a:r>
+          </a:p>
+          <a:p>
+            <a:pPr marL="0" indent="0">
+              <a:buNone/>
+            </a:pPr>
+            <a:r>
+              <a:rPr lang="en-US" sz="1800" dirty="0"/>
+              <a:t>&gt; 0   if </a:t>
+            </a:r>
+            <a:r>
+              <a:rPr lang="en-US" sz="1800" i="1" dirty="0"/>
+              <a:t>this object </a:t>
+            </a:r>
+            <a:r>
+              <a:rPr lang="en-US" sz="1800" dirty="0"/>
+              <a:t>follows </a:t>
+            </a:r>
+            <a:r>
+              <a:rPr lang="en-US" sz="1800" i="1" dirty="0"/>
+              <a:t>obj</a:t>
+            </a:r>
+            <a:endParaRPr lang="en-US" sz="1800" dirty="0"/>
+          </a:p>
+          <a:p>
+            <a:endParaRPr lang="en-US" sz="1800" dirty="0"/>
+          </a:p>
+          <a:p>
+            <a:endParaRPr lang="en-IT" sz="1800" dirty="0"/>
+          </a:p>
+          <a:p>
+            <a:pPr marL="0" indent="0">
+              <a:buNone/>
+            </a:pPr>
+            <a:endParaRPr lang="en-US" sz="1800" dirty="0"/>
           </a:p>
         </p:txBody>
       </p:sp>
@@ -20140,9 +20548,15 @@
           </a:bodyPr>
           <a:lstStyle/>
           <a:p>
-            <a:r>
-              <a:rPr lang="en-US" sz="2000" dirty="0"/>
-              <a:t>The </a:t>
+            <a:pPr marL="0" indent="0">
+              <a:buNone/>
+            </a:pPr>
+            <a:r>
+              <a:rPr lang="en-US" sz="2000" dirty="0">
+                <a:latin typeface="Consolas"/>
+                <a:cs typeface="Consolas"/>
+              </a:rPr>
+              <a:t>public </a:t>
             </a:r>
             <a:r>
               <a:rPr lang="en-US" sz="2000" dirty="0">
@@ -20151,12 +20565,76 @@
                     <a:lumMod val="75000"/>
                   </a:schemeClr>
                 </a:solidFill>
-              </a:rPr>
-              <a:t>Comparable interface</a:t>
-            </a:r>
-            <a:r>
-              <a:rPr lang="en-US" sz="2000" dirty="0"/>
-              <a:t> must be implemented for </a:t>
+                <a:latin typeface="Consolas"/>
+                <a:cs typeface="Consolas"/>
+              </a:rPr>
+              <a:t>interface Comparable</a:t>
+            </a:r>
+            <a:r>
+              <a:rPr lang="en-US" sz="2000" dirty="0">
+                <a:latin typeface="Consolas"/>
+                <a:cs typeface="Consolas"/>
+              </a:rPr>
+              <a:t>&lt;T&gt; { </a:t>
+            </a:r>
+          </a:p>
+          <a:p>
+            <a:pPr marL="0" indent="0">
+              <a:buNone/>
+            </a:pPr>
+            <a:r>
+              <a:rPr lang="en-US" sz="2000" dirty="0">
+                <a:latin typeface="Consolas"/>
+                <a:cs typeface="Consolas"/>
+              </a:rPr>
+              <a:t>  public int </a:t>
+            </a:r>
+            <a:r>
+              <a:rPr lang="en-US" sz="2000" dirty="0" err="1">
+                <a:latin typeface="Consolas"/>
+                <a:cs typeface="Consolas"/>
+              </a:rPr>
+              <a:t>compareTo</a:t>
+            </a:r>
+            <a:r>
+              <a:rPr lang="en-US" sz="2000" dirty="0">
+                <a:latin typeface="Consolas"/>
+                <a:cs typeface="Consolas"/>
+              </a:rPr>
+              <a:t>(T obj); </a:t>
+            </a:r>
+          </a:p>
+          <a:p>
+            <a:pPr marL="0" indent="0">
+              <a:buNone/>
+            </a:pPr>
+            <a:r>
+              <a:rPr lang="en-US" sz="2000" dirty="0">
+                <a:latin typeface="Consolas"/>
+                <a:cs typeface="Consolas"/>
+              </a:rPr>
+              <a:t>}</a:t>
+            </a:r>
+          </a:p>
+          <a:p>
+            <a:pPr marL="0" indent="0">
+              <a:buNone/>
+            </a:pPr>
+            <a:endParaRPr lang="en-US" sz="2000" dirty="0">
+              <a:latin typeface="Consolas"/>
+              <a:cs typeface="Consolas"/>
+            </a:endParaRPr>
+          </a:p>
+          <a:p>
+            <a:pPr marL="0" indent="0">
+              <a:buNone/>
+            </a:pPr>
+            <a:r>
+              <a:rPr lang="en-US" sz="2000" dirty="0">
+                <a:latin typeface="Consolas"/>
+                <a:cs typeface="Consolas"/>
+              </a:rPr>
+              <a:t>public </a:t>
             </a:r>
             <a:r>
               <a:rPr lang="en-US" sz="2000" dirty="0">
@@ -20165,108 +20643,47 @@
                     <a:lumMod val="75000"/>
                   </a:schemeClr>
                 </a:solidFill>
-              </a:rPr>
-              <a:t>making objects comparable to each other</a:t>
-            </a:r>
-            <a:r>
-              <a:rPr lang="en-US" sz="2000" dirty="0"/>
-              <a:t>. Thus, a generic collection of T can be sorted if T implements Comparable. </a:t>
-            </a:r>
-          </a:p>
-          <a:p>
-            <a:r>
-              <a:rPr lang="en-US" sz="2000" dirty="0"/>
-              <a:t>The </a:t>
-            </a:r>
-            <a:r>
-              <a:rPr lang="en-US" sz="2000" dirty="0" err="1"/>
-              <a:t>compareTo</a:t>
-            </a:r>
-            <a:r>
-              <a:rPr lang="en-US" sz="2000" dirty="0"/>
-              <a:t>() method compares the object with the object passed as a parameter. </a:t>
-            </a:r>
-          </a:p>
-          <a:p>
-            <a:r>
-              <a:rPr lang="en-US" sz="2000" dirty="0"/>
-              <a:t>Return value must be:</a:t>
-            </a:r>
-          </a:p>
-          <a:p>
-            <a:pPr marL="0" indent="0">
-              <a:buNone/>
-            </a:pPr>
-            <a:endParaRPr lang="en-US" sz="2000" dirty="0"/>
-          </a:p>
-          <a:p>
-            <a:pPr marL="0" indent="0">
-              <a:buNone/>
-            </a:pPr>
-            <a:r>
-              <a:rPr lang="en-US" sz="2000" dirty="0"/>
-              <a:t>&lt; 0   if </a:t>
-            </a:r>
-            <a:r>
-              <a:rPr lang="en-US" sz="2000" i="1" dirty="0"/>
-              <a:t>this object </a:t>
-            </a:r>
-            <a:r>
-              <a:rPr lang="en-US" sz="2000" dirty="0"/>
-              <a:t>precedes </a:t>
-            </a:r>
-            <a:r>
-              <a:rPr lang="en-US" sz="2000" i="1" dirty="0"/>
-              <a:t>obj</a:t>
-            </a:r>
-          </a:p>
-          <a:p>
-            <a:pPr marL="0" indent="0">
-              <a:buNone/>
-            </a:pPr>
-            <a:r>
-              <a:rPr lang="en-US" sz="2000" dirty="0"/>
-              <a:t>== 0 if </a:t>
-            </a:r>
-            <a:r>
-              <a:rPr lang="en-US" sz="2000" i="1" dirty="0"/>
-              <a:t>this object </a:t>
-            </a:r>
-            <a:r>
-              <a:rPr lang="en-US" sz="2000" dirty="0"/>
-              <a:t>has the same position as </a:t>
-            </a:r>
-            <a:r>
-              <a:rPr lang="en-US" sz="2000" i="1" dirty="0"/>
-              <a:t>obj</a:t>
-            </a:r>
-          </a:p>
-          <a:p>
-            <a:pPr marL="0" indent="0">
-              <a:buNone/>
-            </a:pPr>
-            <a:r>
-              <a:rPr lang="en-US" sz="2000" dirty="0"/>
-              <a:t>&gt; 0   if </a:t>
-            </a:r>
-            <a:r>
-              <a:rPr lang="en-US" sz="2000" i="1" dirty="0"/>
-              <a:t>this object </a:t>
-            </a:r>
-            <a:r>
-              <a:rPr lang="en-US" sz="2000" dirty="0"/>
-              <a:t>follows </a:t>
-            </a:r>
-            <a:r>
-              <a:rPr lang="en-US" sz="2000" i="1" dirty="0"/>
-              <a:t>obj</a:t>
-            </a:r>
-            <a:endParaRPr lang="en-US" sz="2000" dirty="0"/>
-          </a:p>
-          <a:p>
-            <a:endParaRPr lang="en-US" sz="2000" dirty="0"/>
-          </a:p>
-          <a:p>
+                <a:latin typeface="Consolas"/>
+                <a:cs typeface="Consolas"/>
+              </a:rPr>
+              <a:t>interface Comparator</a:t>
+            </a:r>
+            <a:r>
+              <a:rPr lang="en-US" sz="2000" dirty="0">
+                <a:latin typeface="Consolas"/>
+                <a:cs typeface="Consolas"/>
+              </a:rPr>
+              <a:t>&lt;T&gt; { </a:t>
+            </a:r>
+          </a:p>
+          <a:p>
+            <a:pPr marL="0" indent="0">
+              <a:buNone/>
+            </a:pPr>
+            <a:r>
+              <a:rPr lang="en-US" sz="2000" dirty="0">
+                <a:latin typeface="Consolas"/>
+                <a:cs typeface="Consolas"/>
+              </a:rPr>
+              <a:t>  public int compare(T obj1, T obj2);</a:t>
+            </a:r>
+          </a:p>
+          <a:p>
+            <a:pPr marL="0" indent="0">
+              <a:buNone/>
+            </a:pPr>
+            <a:r>
+              <a:rPr lang="en-US" sz="2000" dirty="0">
+                <a:latin typeface="Consolas"/>
+                <a:cs typeface="Consolas"/>
+              </a:rPr>
+              <a:t>} </a:t>
+            </a:r>
+          </a:p>
+          <a:p>
+            <a:pPr marL="0" indent="0">
+              <a:buNone/>
+            </a:pPr>
             <a:endParaRPr lang="en-IT" sz="2000" dirty="0"/>
           </a:p>
         </p:txBody>
@@ -20325,7 +20742,13 @@
       </p:sp>
       <p:sp>
         <p:nvSpPr>
-          <p:cNvPr id="3" name="Content Placeholder 2"/>
+          <p:cNvPr id="4" name="Content Placeholder 3">
+            <a:extLst>
+              <a:ext uri="{FF2B5EF4-FFF2-40B4-BE49-F238E27FC236}">
+                <a16:creationId xmlns:a16="http://schemas.microsoft.com/office/drawing/2014/main" id="{9D947362-9641-D545-B135-BF82B89076DF}"/>
+              </a:ext>
+            </a:extLst>
+          </p:cNvPr>
           <p:cNvSpPr>
             <a:spLocks noGrp="1"/>
           </p:cNvSpPr>
@@ -20336,163 +20759,314 @@
         <p:spPr/>
         <p:txBody>
           <a:bodyPr>
-            <a:noAutofit/>
+            <a:normAutofit/>
           </a:bodyPr>
           <a:lstStyle/>
           <a:p>
-            <a:pPr marL="400050"/>
-            <a:r>
-              <a:rPr lang="en-US" sz="2000" dirty="0">
+            <a:pPr marL="0" indent="0">
+              <a:buNone/>
+            </a:pPr>
+            <a:r>
+              <a:rPr lang="en-US" sz="1400" dirty="0">
+                <a:latin typeface="Consolas"/>
+                <a:cs typeface="Consolas"/>
+              </a:rPr>
+              <a:t>class Person </a:t>
+            </a:r>
+            <a:r>
+              <a:rPr lang="en-US" sz="1400" dirty="0">
+                <a:solidFill>
+                  <a:srgbClr val="E46C0A"/>
+                </a:solidFill>
+                <a:latin typeface="Consolas"/>
+                <a:cs typeface="Consolas"/>
+              </a:rPr>
+              <a:t>implements Comparable&lt;Person&gt; </a:t>
+            </a:r>
+            <a:r>
+              <a:rPr lang="en-US" sz="1400" dirty="0">
+                <a:latin typeface="Consolas"/>
+                <a:cs typeface="Consolas"/>
+              </a:rPr>
+              <a:t>{</a:t>
+            </a:r>
+          </a:p>
+          <a:p>
+            <a:pPr marL="0" indent="0">
+              <a:buNone/>
+            </a:pPr>
+            <a:r>
+              <a:rPr lang="en-US" sz="1400" dirty="0">
+                <a:latin typeface="Consolas"/>
+                <a:cs typeface="Consolas"/>
+              </a:rPr>
+              <a:t>  protected String name; </a:t>
+            </a:r>
+          </a:p>
+          <a:p>
+            <a:pPr marL="0" indent="0">
+              <a:buNone/>
+            </a:pPr>
+            <a:r>
+              <a:rPr lang="en-US" sz="1400" dirty="0">
+                <a:latin typeface="Consolas"/>
+                <a:cs typeface="Consolas"/>
+              </a:rPr>
+              <a:t>  protected String </a:t>
+            </a:r>
+            <a:r>
+              <a:rPr lang="en-US" sz="1400" dirty="0" err="1">
+                <a:latin typeface="Consolas"/>
+                <a:cs typeface="Consolas"/>
+              </a:rPr>
+              <a:t>lastname</a:t>
+            </a:r>
+            <a:r>
+              <a:rPr lang="en-US" sz="1400" dirty="0">
+                <a:latin typeface="Consolas"/>
+                <a:cs typeface="Consolas"/>
+              </a:rPr>
+              <a:t>;</a:t>
+            </a:r>
+          </a:p>
+          <a:p>
+            <a:pPr marL="0" indent="0">
+              <a:buNone/>
+            </a:pPr>
+            <a:r>
+              <a:rPr lang="it-IT" sz="1400" dirty="0">
+                <a:latin typeface="Consolas"/>
+                <a:cs typeface="Consolas"/>
+              </a:rPr>
+              <a:t>  </a:t>
+            </a:r>
+            <a:r>
+              <a:rPr lang="it-IT" sz="1400" dirty="0" err="1">
+                <a:latin typeface="Consolas"/>
+                <a:cs typeface="Consolas"/>
+              </a:rPr>
+              <a:t>protected</a:t>
+            </a:r>
+            <a:r>
+              <a:rPr lang="it-IT" sz="1400" dirty="0">
+                <a:latin typeface="Consolas"/>
+                <a:cs typeface="Consolas"/>
+              </a:rPr>
+              <a:t> </a:t>
+            </a:r>
+            <a:r>
+              <a:rPr lang="it-IT" sz="1400" dirty="0" err="1">
+                <a:latin typeface="Consolas"/>
+                <a:cs typeface="Consolas"/>
+              </a:rPr>
+              <a:t>int</a:t>
+            </a:r>
+            <a:r>
+              <a:rPr lang="it-IT" sz="1400" dirty="0">
+                <a:latin typeface="Consolas"/>
+                <a:cs typeface="Consolas"/>
+              </a:rPr>
+              <a:t> </a:t>
+            </a:r>
+            <a:r>
+              <a:rPr lang="it-IT" sz="1400" dirty="0" err="1">
+                <a:latin typeface="Consolas"/>
+                <a:cs typeface="Consolas"/>
+              </a:rPr>
+              <a:t>age</a:t>
+            </a:r>
+            <a:r>
+              <a:rPr lang="it-IT" sz="1400" dirty="0">
+                <a:latin typeface="Consolas"/>
+                <a:cs typeface="Consolas"/>
+              </a:rPr>
+              <a:t>;</a:t>
+            </a:r>
+          </a:p>
+          <a:p>
+            <a:pPr marL="0" indent="0">
+              <a:buNone/>
+            </a:pPr>
+            <a:r>
+              <a:rPr lang="en-US" sz="1400" dirty="0">
+                <a:latin typeface="Consolas"/>
+                <a:cs typeface="Consolas"/>
+              </a:rPr>
+              <a:t>   </a:t>
+            </a:r>
+          </a:p>
+          <a:p>
+            <a:pPr marL="0" indent="0">
+              <a:buNone/>
+            </a:pPr>
+            <a:r>
+              <a:rPr lang="en-US" sz="1400" dirty="0">
                 <a:solidFill>
                   <a:schemeClr val="accent6">
                     <a:lumMod val="75000"/>
                   </a:schemeClr>
                 </a:solidFill>
-                <a:latin typeface="Calibri" panose="020F0502020204030204" pitchFamily="34" charset="0"/>
-                <a:cs typeface="Calibri" panose="020F0502020204030204" pitchFamily="34" charset="0"/>
-              </a:rPr>
-              <a:t>The Comparable Interface is implemented by default for language common types in packages </a:t>
-            </a:r>
-            <a:r>
-              <a:rPr lang="en-US" sz="2000" dirty="0" err="1">
+                <a:latin typeface="Consolas"/>
+                <a:cs typeface="Consolas"/>
+              </a:rPr>
+              <a:t>  public int </a:t>
+            </a:r>
+            <a:r>
+              <a:rPr lang="en-US" sz="1400" dirty="0" err="1">
                 <a:solidFill>
                   <a:schemeClr val="accent6">
                     <a:lumMod val="75000"/>
                   </a:schemeClr>
                 </a:solidFill>
-                <a:latin typeface="Calibri" panose="020F0502020204030204" pitchFamily="34" charset="0"/>
-                <a:cs typeface="Calibri" panose="020F0502020204030204" pitchFamily="34" charset="0"/>
-              </a:rPr>
-              <a:t>java.lang</a:t>
-            </a:r>
-            <a:r>
-              <a:rPr lang="en-US" sz="2000" dirty="0">
+                <a:latin typeface="Consolas"/>
+                <a:cs typeface="Consolas"/>
+              </a:rPr>
+              <a:t>compareTo</a:t>
+            </a:r>
+            <a:r>
+              <a:rPr lang="en-US" sz="1400" dirty="0">
                 <a:solidFill>
                   <a:schemeClr val="accent6">
                     <a:lumMod val="75000"/>
                   </a:schemeClr>
                 </a:solidFill>
-                <a:latin typeface="Calibri" panose="020F0502020204030204" pitchFamily="34" charset="0"/>
-                <a:cs typeface="Calibri" panose="020F0502020204030204" pitchFamily="34" charset="0"/>
-              </a:rPr>
-              <a:t> and </a:t>
-            </a:r>
-            <a:r>
-              <a:rPr lang="en-US" sz="2000" dirty="0" err="1">
+                <a:latin typeface="Consolas"/>
+                <a:cs typeface="Consolas"/>
+              </a:rPr>
+              <a:t>(Person p) {</a:t>
+            </a:r>
+          </a:p>
+          <a:p>
+            <a:pPr marL="0" indent="0">
+              <a:buNone/>
+            </a:pPr>
+            <a:r>
+              <a:rPr lang="en-US" sz="1400" dirty="0">
                 <a:solidFill>
                   <a:schemeClr val="accent6">
                     <a:lumMod val="75000"/>
                   </a:schemeClr>
                 </a:solidFill>
-                <a:latin typeface="Calibri" panose="020F0502020204030204" pitchFamily="34" charset="0"/>
-                <a:cs typeface="Calibri" panose="020F0502020204030204" pitchFamily="34" charset="0"/>
-              </a:rPr>
-              <a:t>java.util</a:t>
-            </a:r>
-            <a:r>
-              <a:rPr lang="en-US" sz="2000" dirty="0">
+                <a:latin typeface="Consolas"/>
+                <a:cs typeface="Consolas"/>
+              </a:rPr>
+              <a:t>	// order by surname</a:t>
+            </a:r>
+          </a:p>
+          <a:p>
+            <a:pPr marL="0" indent="0">
+              <a:buNone/>
+            </a:pPr>
+            <a:r>
+              <a:rPr lang="en-US" sz="1400" dirty="0">
                 <a:solidFill>
                   <a:schemeClr val="accent6">
                     <a:lumMod val="75000"/>
                   </a:schemeClr>
                 </a:solidFill>
-                <a:latin typeface="Calibri" panose="020F0502020204030204" pitchFamily="34" charset="0"/>
-                <a:cs typeface="Calibri" panose="020F0502020204030204" pitchFamily="34" charset="0"/>
-              </a:rPr>
-              <a:t> </a:t>
-            </a:r>
-          </a:p>
-          <a:p>
-            <a:pPr marL="400050"/>
-            <a:endParaRPr lang="en-US" sz="2000" dirty="0">
-              <a:latin typeface="Calibri" panose="020F0502020204030204" pitchFamily="34" charset="0"/>
-              <a:cs typeface="Calibri" panose="020F0502020204030204" pitchFamily="34" charset="0"/>
+                <a:latin typeface="Consolas"/>
+                <a:cs typeface="Consolas"/>
+              </a:rPr>
+              <a:t>	return </a:t>
+            </a:r>
+            <a:r>
+              <a:rPr lang="en-US" sz="1400" dirty="0" err="1">
+                <a:solidFill>
+                  <a:schemeClr val="accent6">
+                    <a:lumMod val="75000"/>
+                  </a:schemeClr>
+                </a:solidFill>
+                <a:latin typeface="Consolas"/>
+                <a:cs typeface="Consolas"/>
+              </a:rPr>
+              <a:t>lastname.compareTo</a:t>
+            </a:r>
+            <a:r>
+              <a:rPr lang="en-US" sz="1400" dirty="0">
+                <a:solidFill>
+                  <a:schemeClr val="accent6">
+                    <a:lumMod val="75000"/>
+                  </a:schemeClr>
+                </a:solidFill>
+                <a:latin typeface="Consolas"/>
+                <a:cs typeface="Consolas"/>
+              </a:rPr>
+              <a:t>(</a:t>
+            </a:r>
+            <a:r>
+              <a:rPr lang="en-US" sz="1400" dirty="0" err="1">
+                <a:solidFill>
+                  <a:schemeClr val="accent6">
+                    <a:lumMod val="75000"/>
+                  </a:schemeClr>
+                </a:solidFill>
+                <a:latin typeface="Consolas"/>
+                <a:cs typeface="Consolas"/>
+              </a:rPr>
+              <a:t>p.lastname</a:t>
+            </a:r>
+            <a:r>
+              <a:rPr lang="en-US" sz="1400" dirty="0">
+                <a:solidFill>
+                  <a:schemeClr val="accent6">
+                    <a:lumMod val="75000"/>
+                  </a:schemeClr>
+                </a:solidFill>
+                <a:latin typeface="Consolas"/>
+                <a:cs typeface="Consolas"/>
+              </a:rPr>
+              <a:t>);</a:t>
+            </a:r>
+          </a:p>
+          <a:p>
+            <a:pPr marL="0" indent="0">
+              <a:buNone/>
+            </a:pPr>
+            <a:r>
+              <a:rPr lang="en-US" sz="1400" dirty="0">
+                <a:solidFill>
+                  <a:schemeClr val="accent6">
+                    <a:lumMod val="75000"/>
+                  </a:schemeClr>
+                </a:solidFill>
+                <a:latin typeface="Consolas"/>
+                <a:cs typeface="Consolas"/>
+              </a:rPr>
+              <a:t>  }</a:t>
+            </a:r>
+          </a:p>
+          <a:p>
+            <a:pPr marL="0" indent="0">
+              <a:buNone/>
+            </a:pPr>
+            <a:r>
+              <a:rPr lang="en-US" sz="1400" dirty="0">
+                <a:latin typeface="Consolas"/>
+                <a:cs typeface="Consolas"/>
+              </a:rPr>
+              <a:t>} </a:t>
+            </a:r>
+          </a:p>
+          <a:p>
+            <a:pPr marL="57150" indent="0">
+              <a:buNone/>
+            </a:pPr>
+            <a:endParaRPr lang="en-US" sz="1400" dirty="0">
+              <a:latin typeface="Consolas"/>
+              <a:cs typeface="Consolas"/>
             </a:endParaRPr>
           </a:p>
           <a:p>
-            <a:pPr marL="400050"/>
-            <a:r>
-              <a:rPr lang="en-US" sz="2000" dirty="0">
-                <a:latin typeface="Calibri" panose="020F0502020204030204" pitchFamily="34" charset="0"/>
-                <a:cs typeface="Calibri" panose="020F0502020204030204" pitchFamily="34" charset="0"/>
-              </a:rPr>
-              <a:t>For example:</a:t>
-            </a:r>
-          </a:p>
-          <a:p>
-            <a:pPr marL="800100" lvl="1"/>
-            <a:r>
-              <a:rPr lang="en-US" sz="1800" dirty="0">
-                <a:latin typeface="Calibri" panose="020F0502020204030204" pitchFamily="34" charset="0"/>
-                <a:cs typeface="Calibri" panose="020F0502020204030204" pitchFamily="34" charset="0"/>
-              </a:rPr>
-              <a:t>String objects are lexicographically ordered</a:t>
-            </a:r>
-          </a:p>
-          <a:p>
-            <a:pPr marL="800100" lvl="1"/>
-            <a:r>
-              <a:rPr lang="en-US" sz="1800" dirty="0">
-                <a:latin typeface="Calibri" panose="020F0502020204030204" pitchFamily="34" charset="0"/>
-                <a:cs typeface="Calibri" panose="020F0502020204030204" pitchFamily="34" charset="0"/>
-              </a:rPr>
-              <a:t>Date objects are chronologically ordered</a:t>
-            </a:r>
-          </a:p>
-          <a:p>
-            <a:pPr marL="800100" lvl="1"/>
-            <a:r>
-              <a:rPr lang="en-US" sz="1800" dirty="0">
-                <a:latin typeface="Calibri" panose="020F0502020204030204" pitchFamily="34" charset="0"/>
-                <a:cs typeface="Calibri" panose="020F0502020204030204" pitchFamily="34" charset="0"/>
-              </a:rPr>
-              <a:t>Number and sub-classes are ordered numerically</a:t>
-            </a:r>
-          </a:p>
-          <a:p>
-            <a:pPr marL="57150" indent="0">
-              <a:buNone/>
-            </a:pPr>
-            <a:endParaRPr lang="en-US" sz="2400" dirty="0">
-              <a:latin typeface="Calibri" panose="020F0502020204030204" pitchFamily="34" charset="0"/>
-              <a:cs typeface="Calibri" panose="020F0502020204030204" pitchFamily="34" charset="0"/>
-            </a:endParaRPr>
-          </a:p>
-          <a:p>
-            <a:pPr marL="57150" indent="0">
-              <a:buNone/>
-            </a:pPr>
-            <a:endParaRPr lang="en-US" sz="2400" dirty="0">
-              <a:latin typeface="Calibri" panose="020F0502020204030204" pitchFamily="34" charset="0"/>
-              <a:cs typeface="Calibri" panose="020F0502020204030204" pitchFamily="34" charset="0"/>
-            </a:endParaRPr>
-          </a:p>
-          <a:p>
-            <a:pPr marL="57150" indent="0">
-              <a:buNone/>
-            </a:pPr>
-            <a:endParaRPr lang="en-US" sz="2400" dirty="0">
-              <a:latin typeface="Calibri" panose="020F0502020204030204" pitchFamily="34" charset="0"/>
-              <a:cs typeface="Calibri" panose="020F0502020204030204" pitchFamily="34" charset="0"/>
-            </a:endParaRPr>
-          </a:p>
-          <a:p>
-            <a:pPr marL="57150" indent="0">
-              <a:buNone/>
-            </a:pPr>
-            <a:endParaRPr lang="en-US" sz="2400" dirty="0">
-              <a:latin typeface="Calibri" panose="020F0502020204030204" pitchFamily="34" charset="0"/>
-              <a:cs typeface="Calibri" panose="020F0502020204030204" pitchFamily="34" charset="0"/>
-            </a:endParaRPr>
+            <a:endParaRPr lang="en-IT" sz="1400" dirty="0"/>
           </a:p>
         </p:txBody>
       </p:sp>
       <p:sp>
         <p:nvSpPr>
-          <p:cNvPr id="4" name="Content Placeholder 3">
+          <p:cNvPr id="7" name="Content Placeholder 6">
             <a:extLst>
               <a:ext uri="{FF2B5EF4-FFF2-40B4-BE49-F238E27FC236}">
-                <a16:creationId xmlns:a16="http://schemas.microsoft.com/office/drawing/2014/main" id="{9D947362-9641-D545-B135-BF82B89076DF}"/>
+                <a16:creationId xmlns:a16="http://schemas.microsoft.com/office/drawing/2014/main" id="{855F015A-B691-0B42-969E-54098CB3EC5D}"/>
               </a:ext>
             </a:extLst>
           </p:cNvPr>
@@ -20818,6 +21392,18 @@
               <a:t>if</a:t>
             </a:r>
             <a:r>
+              <a:rPr lang="it-IT" sz="1400" dirty="0">
+                <a:solidFill>
+                  <a:schemeClr val="accent6">
+                    <a:lumMod val="75000"/>
+                  </a:schemeClr>
+                </a:solidFill>
+                <a:latin typeface="Consolas"/>
+                <a:cs typeface="Consolas"/>
+              </a:rPr>
+              <a:t> </a:t>
+            </a:r>
+            <a:r>
               <a:rPr lang="mr-IN" sz="1400" dirty="0">
                 <a:solidFill>
                   <a:schemeClr val="accent6">
@@ -21193,6 +21779,23 @@
             </a:pPr>
             <a:r>
               <a:rPr lang="en-US" sz="1400" dirty="0">
+                <a:solidFill>
+                  <a:schemeClr val="accent6">
+                    <a:lumMod val="75000"/>
+                  </a:schemeClr>
+                </a:solidFill>
+                <a:latin typeface="Consolas"/>
+                <a:cs typeface="Consolas"/>
+              </a:rPr>
+              <a:t>  }</a:t>
+            </a:r>
+          </a:p>
+          <a:p>
+            <a:pPr marL="0" indent="0">
+              <a:buNone/>
+            </a:pPr>
+            <a:r>
+              <a:rPr lang="en-US" sz="1400" dirty="0">
                 <a:latin typeface="Consolas"/>
                 <a:cs typeface="Consolas"/>
               </a:rPr>
@@ -21209,6 +21812,12 @@
             </a:endParaRPr>
           </a:p>
           <a:p>
+            <a:endParaRPr lang="en-IT" sz="1400" dirty="0"/>
+          </a:p>
+          <a:p>
+            <a:pPr marL="0" indent="0">
+              <a:buNone/>
+            </a:pPr>
             <a:endParaRPr lang="en-IT" sz="1400" dirty="0"/>
           </a:p>
         </p:txBody>
